--- a/Document.pptx
+++ b/Document.pptx
@@ -6,6 +6,8 @@
   </p:sldMasterIdLst>
   <p:sldIdLst>
     <p:sldId id="256" r:id="rId2"/>
+    <p:sldId id="257" r:id="rId3"/>
+    <p:sldId id="258" r:id="rId4"/>
   </p:sldIdLst>
   <p:sldSz cx="9144000" cy="6858000" type="screen4x3"/>
   <p:notesSz cx="6858000" cy="9144000"/>
@@ -4080,6 +4082,1578 @@
     <p:extLst>
       <p:ext uri="{BB962C8B-B14F-4D97-AF65-F5344CB8AC3E}">
         <p14:creationId xmlns:p14="http://schemas.microsoft.com/office/powerpoint/2010/main" val="2036414956"/>
+      </p:ext>
+    </p:extLst>
+  </p:cSld>
+  <p:clrMapOvr>
+    <a:masterClrMapping/>
+  </p:clrMapOvr>
+  <p:timing>
+    <p:tnLst>
+      <p:par>
+        <p:cTn id="1" dur="indefinite" restart="never" nodeType="tmRoot"/>
+      </p:par>
+    </p:tnLst>
+  </p:timing>
+</p:sld>
+</file>
+
+<file path=ppt/slides/slide2.xml><?xml version="1.0" encoding="utf-8"?>
+<p:sld xmlns:a="http://schemas.openxmlformats.org/drawingml/2006/main" xmlns:r="http://schemas.openxmlformats.org/officeDocument/2006/relationships" xmlns:p="http://schemas.openxmlformats.org/presentationml/2006/main">
+  <p:cSld>
+    <p:spTree>
+      <p:nvGrpSpPr>
+        <p:cNvPr id="1" name=""/>
+        <p:cNvGrpSpPr/>
+        <p:nvPr/>
+      </p:nvGrpSpPr>
+      <p:grpSpPr>
+        <a:xfrm>
+          <a:off x="0" y="0"/>
+          <a:ext cx="0" cy="0"/>
+          <a:chOff x="0" y="0"/>
+          <a:chExt cx="0" cy="0"/>
+        </a:xfrm>
+      </p:grpSpPr>
+      <p:sp>
+        <p:nvSpPr>
+          <p:cNvPr id="4" name="Rectangle 3"/>
+          <p:cNvSpPr/>
+          <p:nvPr/>
+        </p:nvSpPr>
+        <p:spPr>
+          <a:xfrm>
+            <a:off x="3604573" y="152400"/>
+            <a:ext cx="990600" cy="685800"/>
+          </a:xfrm>
+          <a:prstGeom prst="rect">
+            <a:avLst/>
+          </a:prstGeom>
+          <a:solidFill>
+            <a:schemeClr val="accent6">
+              <a:lumMod val="60000"/>
+              <a:lumOff val="40000"/>
+            </a:schemeClr>
+          </a:solidFill>
+        </p:spPr>
+        <p:style>
+          <a:lnRef idx="2">
+            <a:schemeClr val="accent1">
+              <a:shade val="50000"/>
+            </a:schemeClr>
+          </a:lnRef>
+          <a:fillRef idx="1">
+            <a:schemeClr val="accent1"/>
+          </a:fillRef>
+          <a:effectRef idx="0">
+            <a:schemeClr val="accent1"/>
+          </a:effectRef>
+          <a:fontRef idx="minor">
+            <a:schemeClr val="lt1"/>
+          </a:fontRef>
+        </p:style>
+        <p:txBody>
+          <a:bodyPr rtlCol="0" anchor="ctr"/>
+          <a:lstStyle/>
+          <a:p>
+            <a:pPr algn="ctr"/>
+            <a:r>
+              <a:rPr lang="en-US" dirty="0" smtClean="0"/>
+              <a:t>View</a:t>
+            </a:r>
+            <a:endParaRPr lang="en-US" dirty="0"/>
+          </a:p>
+        </p:txBody>
+      </p:sp>
+      <p:sp>
+        <p:nvSpPr>
+          <p:cNvPr id="30" name="Rectangle 29"/>
+          <p:cNvSpPr/>
+          <p:nvPr/>
+        </p:nvSpPr>
+        <p:spPr>
+          <a:xfrm>
+            <a:off x="381000" y="1326621"/>
+            <a:ext cx="1371600" cy="462306"/>
+          </a:xfrm>
+          <a:prstGeom prst="rect">
+            <a:avLst/>
+          </a:prstGeom>
+          <a:solidFill>
+            <a:schemeClr val="accent6">
+              <a:lumMod val="60000"/>
+              <a:lumOff val="40000"/>
+            </a:schemeClr>
+          </a:solidFill>
+        </p:spPr>
+        <p:style>
+          <a:lnRef idx="2">
+            <a:schemeClr val="accent1">
+              <a:shade val="50000"/>
+            </a:schemeClr>
+          </a:lnRef>
+          <a:fillRef idx="1">
+            <a:schemeClr val="accent1"/>
+          </a:fillRef>
+          <a:effectRef idx="0">
+            <a:schemeClr val="accent1"/>
+          </a:effectRef>
+          <a:fontRef idx="minor">
+            <a:schemeClr val="lt1"/>
+          </a:fontRef>
+        </p:style>
+        <p:txBody>
+          <a:bodyPr rtlCol="0" anchor="ctr"/>
+          <a:lstStyle/>
+          <a:p>
+            <a:pPr algn="ctr"/>
+            <a:r>
+              <a:rPr lang="en-US" dirty="0" smtClean="0"/>
+              <a:t>html</a:t>
+            </a:r>
+            <a:endParaRPr lang="en-US" dirty="0"/>
+          </a:p>
+        </p:txBody>
+      </p:sp>
+      <p:sp>
+        <p:nvSpPr>
+          <p:cNvPr id="31" name="Rectangle 30"/>
+          <p:cNvSpPr/>
+          <p:nvPr/>
+        </p:nvSpPr>
+        <p:spPr>
+          <a:xfrm>
+            <a:off x="7620000" y="4927273"/>
+            <a:ext cx="1371600" cy="462306"/>
+          </a:xfrm>
+          <a:prstGeom prst="rect">
+            <a:avLst/>
+          </a:prstGeom>
+          <a:solidFill>
+            <a:schemeClr val="accent6">
+              <a:lumMod val="60000"/>
+              <a:lumOff val="40000"/>
+            </a:schemeClr>
+          </a:solidFill>
+        </p:spPr>
+        <p:style>
+          <a:lnRef idx="2">
+            <a:schemeClr val="accent1">
+              <a:shade val="50000"/>
+            </a:schemeClr>
+          </a:lnRef>
+          <a:fillRef idx="1">
+            <a:schemeClr val="accent1"/>
+          </a:fillRef>
+          <a:effectRef idx="0">
+            <a:schemeClr val="accent1"/>
+          </a:effectRef>
+          <a:fontRef idx="minor">
+            <a:schemeClr val="lt1"/>
+          </a:fontRef>
+        </p:style>
+        <p:txBody>
+          <a:bodyPr rtlCol="0" anchor="ctr"/>
+          <a:lstStyle/>
+          <a:p>
+            <a:pPr algn="ctr"/>
+            <a:r>
+              <a:rPr lang="en-US" dirty="0" smtClean="0"/>
+              <a:t>css</a:t>
+            </a:r>
+            <a:endParaRPr lang="en-US" dirty="0"/>
+          </a:p>
+        </p:txBody>
+      </p:sp>
+      <p:sp>
+        <p:nvSpPr>
+          <p:cNvPr id="32" name="Rectangle 31"/>
+          <p:cNvSpPr/>
+          <p:nvPr/>
+        </p:nvSpPr>
+        <p:spPr>
+          <a:xfrm>
+            <a:off x="7407112" y="2209800"/>
+            <a:ext cx="1371600" cy="462306"/>
+          </a:xfrm>
+          <a:prstGeom prst="rect">
+            <a:avLst/>
+          </a:prstGeom>
+          <a:solidFill>
+            <a:schemeClr val="accent6">
+              <a:lumMod val="60000"/>
+              <a:lumOff val="40000"/>
+            </a:schemeClr>
+          </a:solidFill>
+        </p:spPr>
+        <p:style>
+          <a:lnRef idx="2">
+            <a:schemeClr val="accent1">
+              <a:shade val="50000"/>
+            </a:schemeClr>
+          </a:lnRef>
+          <a:fillRef idx="1">
+            <a:schemeClr val="accent1"/>
+          </a:fillRef>
+          <a:effectRef idx="0">
+            <a:schemeClr val="accent1"/>
+          </a:effectRef>
+          <a:fontRef idx="minor">
+            <a:schemeClr val="lt1"/>
+          </a:fontRef>
+        </p:style>
+        <p:txBody>
+          <a:bodyPr rtlCol="0" anchor="ctr"/>
+          <a:lstStyle/>
+          <a:p>
+            <a:pPr algn="ctr"/>
+            <a:r>
+              <a:rPr lang="en-US" dirty="0" smtClean="0"/>
+              <a:t>javascript</a:t>
+            </a:r>
+            <a:endParaRPr lang="en-US" dirty="0"/>
+          </a:p>
+        </p:txBody>
+      </p:sp>
+      <p:sp>
+        <p:nvSpPr>
+          <p:cNvPr id="29" name="Rectangle 28"/>
+          <p:cNvSpPr/>
+          <p:nvPr/>
+        </p:nvSpPr>
+        <p:spPr>
+          <a:xfrm>
+            <a:off x="1752600" y="3084720"/>
+            <a:ext cx="1371600" cy="462306"/>
+          </a:xfrm>
+          <a:prstGeom prst="rect">
+            <a:avLst/>
+          </a:prstGeom>
+          <a:solidFill>
+            <a:schemeClr val="accent6">
+              <a:lumMod val="60000"/>
+              <a:lumOff val="40000"/>
+            </a:schemeClr>
+          </a:solidFill>
+        </p:spPr>
+        <p:style>
+          <a:lnRef idx="2">
+            <a:schemeClr val="accent1">
+              <a:shade val="50000"/>
+            </a:schemeClr>
+          </a:lnRef>
+          <a:fillRef idx="1">
+            <a:schemeClr val="accent1"/>
+          </a:fillRef>
+          <a:effectRef idx="0">
+            <a:schemeClr val="accent1"/>
+          </a:effectRef>
+          <a:fontRef idx="minor">
+            <a:schemeClr val="lt1"/>
+          </a:fontRef>
+        </p:style>
+        <p:txBody>
+          <a:bodyPr rtlCol="0" anchor="ctr"/>
+          <a:lstStyle/>
+          <a:p>
+            <a:pPr algn="ctr"/>
+            <a:r>
+              <a:rPr lang="en-US" dirty="0" smtClean="0"/>
+              <a:t>head</a:t>
+            </a:r>
+            <a:endParaRPr lang="en-US" dirty="0"/>
+          </a:p>
+        </p:txBody>
+      </p:sp>
+      <p:sp>
+        <p:nvSpPr>
+          <p:cNvPr id="33" name="Rectangle 32"/>
+          <p:cNvSpPr/>
+          <p:nvPr/>
+        </p:nvSpPr>
+        <p:spPr>
+          <a:xfrm>
+            <a:off x="1871611" y="5203989"/>
+            <a:ext cx="1371600" cy="462306"/>
+          </a:xfrm>
+          <a:prstGeom prst="rect">
+            <a:avLst/>
+          </a:prstGeom>
+          <a:solidFill>
+            <a:schemeClr val="accent6">
+              <a:lumMod val="60000"/>
+              <a:lumOff val="40000"/>
+            </a:schemeClr>
+          </a:solidFill>
+        </p:spPr>
+        <p:style>
+          <a:lnRef idx="2">
+            <a:schemeClr val="accent1">
+              <a:shade val="50000"/>
+            </a:schemeClr>
+          </a:lnRef>
+          <a:fillRef idx="1">
+            <a:schemeClr val="accent1"/>
+          </a:fillRef>
+          <a:effectRef idx="0">
+            <a:schemeClr val="accent1"/>
+          </a:effectRef>
+          <a:fontRef idx="minor">
+            <a:schemeClr val="lt1"/>
+          </a:fontRef>
+        </p:style>
+        <p:txBody>
+          <a:bodyPr rtlCol="0" anchor="ctr"/>
+          <a:lstStyle/>
+          <a:p>
+            <a:pPr algn="ctr"/>
+            <a:r>
+              <a:rPr lang="en-US" dirty="0" smtClean="0"/>
+              <a:t>body</a:t>
+            </a:r>
+            <a:endParaRPr lang="en-US" dirty="0"/>
+          </a:p>
+        </p:txBody>
+      </p:sp>
+      <p:cxnSp>
+        <p:nvCxnSpPr>
+          <p:cNvPr id="18" name="Elbow Connector 17"/>
+          <p:cNvCxnSpPr>
+            <a:stCxn id="30" idx="2"/>
+            <a:endCxn id="29" idx="1"/>
+          </p:cNvCxnSpPr>
+          <p:nvPr/>
+        </p:nvCxnSpPr>
+        <p:spPr>
+          <a:xfrm rot="16200000" flipH="1">
+            <a:off x="646227" y="2209500"/>
+            <a:ext cx="1526946" cy="685800"/>
+          </a:xfrm>
+          <a:prstGeom prst="bentConnector2">
+            <a:avLst/>
+          </a:prstGeom>
+        </p:spPr>
+        <p:style>
+          <a:lnRef idx="1">
+            <a:schemeClr val="accent1"/>
+          </a:lnRef>
+          <a:fillRef idx="0">
+            <a:schemeClr val="accent1"/>
+          </a:fillRef>
+          <a:effectRef idx="0">
+            <a:schemeClr val="accent1"/>
+          </a:effectRef>
+          <a:fontRef idx="minor">
+            <a:schemeClr val="tx1"/>
+          </a:fontRef>
+        </p:style>
+      </p:cxnSp>
+      <p:cxnSp>
+        <p:nvCxnSpPr>
+          <p:cNvPr id="20" name="Elbow Connector 19"/>
+          <p:cNvCxnSpPr>
+            <a:stCxn id="30" idx="2"/>
+            <a:endCxn id="33" idx="1"/>
+          </p:cNvCxnSpPr>
+          <p:nvPr/>
+        </p:nvCxnSpPr>
+        <p:spPr>
+          <a:xfrm rot="16200000" flipH="1">
+            <a:off x="-353902" y="3209628"/>
+            <a:ext cx="3646215" cy="804811"/>
+          </a:xfrm>
+          <a:prstGeom prst="bentConnector2">
+            <a:avLst/>
+          </a:prstGeom>
+        </p:spPr>
+        <p:style>
+          <a:lnRef idx="1">
+            <a:schemeClr val="accent1"/>
+          </a:lnRef>
+          <a:fillRef idx="0">
+            <a:schemeClr val="accent1"/>
+          </a:fillRef>
+          <a:effectRef idx="0">
+            <a:schemeClr val="accent1"/>
+          </a:effectRef>
+          <a:fontRef idx="minor">
+            <a:schemeClr val="tx1"/>
+          </a:fontRef>
+        </p:style>
+      </p:cxnSp>
+      <p:sp>
+        <p:nvSpPr>
+          <p:cNvPr id="46" name="Rectangle 45"/>
+          <p:cNvSpPr/>
+          <p:nvPr/>
+        </p:nvSpPr>
+        <p:spPr>
+          <a:xfrm>
+            <a:off x="4495800" y="2098834"/>
+            <a:ext cx="1752600" cy="462306"/>
+          </a:xfrm>
+          <a:prstGeom prst="rect">
+            <a:avLst/>
+          </a:prstGeom>
+          <a:solidFill>
+            <a:schemeClr val="accent6">
+              <a:lumMod val="60000"/>
+              <a:lumOff val="40000"/>
+            </a:schemeClr>
+          </a:solidFill>
+        </p:spPr>
+        <p:style>
+          <a:lnRef idx="2">
+            <a:schemeClr val="accent1">
+              <a:shade val="50000"/>
+            </a:schemeClr>
+          </a:lnRef>
+          <a:fillRef idx="1">
+            <a:schemeClr val="accent1"/>
+          </a:fillRef>
+          <a:effectRef idx="0">
+            <a:schemeClr val="accent1"/>
+          </a:effectRef>
+          <a:fontRef idx="minor">
+            <a:schemeClr val="lt1"/>
+          </a:fontRef>
+        </p:style>
+        <p:txBody>
+          <a:bodyPr rtlCol="0" anchor="ctr"/>
+          <a:lstStyle/>
+          <a:p>
+            <a:pPr algn="ctr"/>
+            <a:r>
+              <a:rPr lang="en-US" dirty="0" smtClean="0"/>
+              <a:t>jquery.js</a:t>
+            </a:r>
+            <a:endParaRPr lang="en-US" dirty="0"/>
+          </a:p>
+        </p:txBody>
+      </p:sp>
+      <p:sp>
+        <p:nvSpPr>
+          <p:cNvPr id="48" name="Rectangle 47"/>
+          <p:cNvSpPr/>
+          <p:nvPr/>
+        </p:nvSpPr>
+        <p:spPr>
+          <a:xfrm>
+            <a:off x="4495800" y="2782526"/>
+            <a:ext cx="1752600" cy="462306"/>
+          </a:xfrm>
+          <a:prstGeom prst="rect">
+            <a:avLst/>
+          </a:prstGeom>
+          <a:solidFill>
+            <a:schemeClr val="accent6">
+              <a:lumMod val="60000"/>
+              <a:lumOff val="40000"/>
+            </a:schemeClr>
+          </a:solidFill>
+        </p:spPr>
+        <p:style>
+          <a:lnRef idx="2">
+            <a:schemeClr val="accent1">
+              <a:shade val="50000"/>
+            </a:schemeClr>
+          </a:lnRef>
+          <a:fillRef idx="1">
+            <a:schemeClr val="accent1"/>
+          </a:fillRef>
+          <a:effectRef idx="0">
+            <a:schemeClr val="accent1"/>
+          </a:effectRef>
+          <a:fontRef idx="minor">
+            <a:schemeClr val="lt1"/>
+          </a:fontRef>
+        </p:style>
+        <p:txBody>
+          <a:bodyPr rtlCol="0" anchor="ctr"/>
+          <a:lstStyle/>
+          <a:p>
+            <a:pPr algn="ctr"/>
+            <a:r>
+              <a:rPr lang="en-US" dirty="0" smtClean="0"/>
+              <a:t>jquery_ui.js</a:t>
+            </a:r>
+            <a:endParaRPr lang="en-US" dirty="0"/>
+          </a:p>
+        </p:txBody>
+      </p:sp>
+      <p:cxnSp>
+        <p:nvCxnSpPr>
+          <p:cNvPr id="62" name="Elbow Connector 61"/>
+          <p:cNvCxnSpPr>
+            <a:stCxn id="29" idx="3"/>
+            <a:endCxn id="46" idx="1"/>
+          </p:cNvCxnSpPr>
+          <p:nvPr/>
+        </p:nvCxnSpPr>
+        <p:spPr>
+          <a:xfrm flipV="1">
+            <a:off x="3124200" y="2329987"/>
+            <a:ext cx="1371600" cy="985886"/>
+          </a:xfrm>
+          <a:prstGeom prst="bentConnector3">
+            <a:avLst/>
+          </a:prstGeom>
+        </p:spPr>
+        <p:style>
+          <a:lnRef idx="1">
+            <a:schemeClr val="accent1"/>
+          </a:lnRef>
+          <a:fillRef idx="0">
+            <a:schemeClr val="accent1"/>
+          </a:fillRef>
+          <a:effectRef idx="0">
+            <a:schemeClr val="accent1"/>
+          </a:effectRef>
+          <a:fontRef idx="minor">
+            <a:schemeClr val="tx1"/>
+          </a:fontRef>
+        </p:style>
+      </p:cxnSp>
+      <p:cxnSp>
+        <p:nvCxnSpPr>
+          <p:cNvPr id="64" name="Elbow Connector 63"/>
+          <p:cNvCxnSpPr>
+            <a:stCxn id="29" idx="3"/>
+            <a:endCxn id="48" idx="1"/>
+          </p:cNvCxnSpPr>
+          <p:nvPr/>
+        </p:nvCxnSpPr>
+        <p:spPr>
+          <a:xfrm flipV="1">
+            <a:off x="3124200" y="3013679"/>
+            <a:ext cx="1371600" cy="302194"/>
+          </a:xfrm>
+          <a:prstGeom prst="bentConnector3">
+            <a:avLst/>
+          </a:prstGeom>
+        </p:spPr>
+        <p:style>
+          <a:lnRef idx="1">
+            <a:schemeClr val="accent1"/>
+          </a:lnRef>
+          <a:fillRef idx="0">
+            <a:schemeClr val="accent1"/>
+          </a:fillRef>
+          <a:effectRef idx="0">
+            <a:schemeClr val="accent1"/>
+          </a:effectRef>
+          <a:fontRef idx="minor">
+            <a:schemeClr val="tx1"/>
+          </a:fontRef>
+        </p:style>
+      </p:cxnSp>
+      <p:sp>
+        <p:nvSpPr>
+          <p:cNvPr id="65" name="Rectangle 64"/>
+          <p:cNvSpPr/>
+          <p:nvPr/>
+        </p:nvSpPr>
+        <p:spPr>
+          <a:xfrm>
+            <a:off x="4466734" y="4824066"/>
+            <a:ext cx="1752600" cy="462306"/>
+          </a:xfrm>
+          <a:prstGeom prst="rect">
+            <a:avLst/>
+          </a:prstGeom>
+          <a:solidFill>
+            <a:schemeClr val="accent6">
+              <a:lumMod val="60000"/>
+              <a:lumOff val="40000"/>
+            </a:schemeClr>
+          </a:solidFill>
+        </p:spPr>
+        <p:style>
+          <a:lnRef idx="2">
+            <a:schemeClr val="accent1">
+              <a:shade val="50000"/>
+            </a:schemeClr>
+          </a:lnRef>
+          <a:fillRef idx="1">
+            <a:schemeClr val="accent1"/>
+          </a:fillRef>
+          <a:effectRef idx="0">
+            <a:schemeClr val="accent1"/>
+          </a:effectRef>
+          <a:fontRef idx="minor">
+            <a:schemeClr val="lt1"/>
+          </a:fontRef>
+        </p:style>
+        <p:txBody>
+          <a:bodyPr rtlCol="0" anchor="ctr"/>
+          <a:lstStyle/>
+          <a:p>
+            <a:pPr algn="ctr"/>
+            <a:r>
+              <a:rPr lang="en-US" dirty="0" smtClean="0"/>
+              <a:t>jquery_ui.css</a:t>
+            </a:r>
+            <a:endParaRPr lang="en-US" dirty="0"/>
+          </a:p>
+        </p:txBody>
+      </p:sp>
+      <p:cxnSp>
+        <p:nvCxnSpPr>
+          <p:cNvPr id="69" name="Elbow Connector 68"/>
+          <p:cNvCxnSpPr>
+            <a:stCxn id="29" idx="3"/>
+            <a:endCxn id="65" idx="1"/>
+          </p:cNvCxnSpPr>
+          <p:nvPr/>
+        </p:nvCxnSpPr>
+        <p:spPr>
+          <a:xfrm>
+            <a:off x="3124200" y="3315873"/>
+            <a:ext cx="1342534" cy="1739346"/>
+          </a:xfrm>
+          <a:prstGeom prst="bentConnector3">
+            <a:avLst/>
+          </a:prstGeom>
+        </p:spPr>
+        <p:style>
+          <a:lnRef idx="1">
+            <a:schemeClr val="accent1"/>
+          </a:lnRef>
+          <a:fillRef idx="0">
+            <a:schemeClr val="accent1"/>
+          </a:fillRef>
+          <a:effectRef idx="0">
+            <a:schemeClr val="accent1"/>
+          </a:effectRef>
+          <a:fontRef idx="minor">
+            <a:schemeClr val="tx1"/>
+          </a:fontRef>
+        </p:style>
+      </p:cxnSp>
+      <p:cxnSp>
+        <p:nvCxnSpPr>
+          <p:cNvPr id="92" name="Elbow Connector 91"/>
+          <p:cNvCxnSpPr>
+            <a:stCxn id="32" idx="1"/>
+            <a:endCxn id="46" idx="3"/>
+          </p:cNvCxnSpPr>
+          <p:nvPr/>
+        </p:nvCxnSpPr>
+        <p:spPr>
+          <a:xfrm rot="10800000">
+            <a:off x="6248400" y="2329987"/>
+            <a:ext cx="1158712" cy="110966"/>
+          </a:xfrm>
+          <a:prstGeom prst="bentConnector3">
+            <a:avLst/>
+          </a:prstGeom>
+        </p:spPr>
+        <p:style>
+          <a:lnRef idx="1">
+            <a:schemeClr val="accent1"/>
+          </a:lnRef>
+          <a:fillRef idx="0">
+            <a:schemeClr val="accent1"/>
+          </a:fillRef>
+          <a:effectRef idx="0">
+            <a:schemeClr val="accent1"/>
+          </a:effectRef>
+          <a:fontRef idx="minor">
+            <a:schemeClr val="tx1"/>
+          </a:fontRef>
+        </p:style>
+      </p:cxnSp>
+      <p:cxnSp>
+        <p:nvCxnSpPr>
+          <p:cNvPr id="94" name="Elbow Connector 93"/>
+          <p:cNvCxnSpPr>
+            <a:stCxn id="32" idx="1"/>
+            <a:endCxn id="48" idx="3"/>
+          </p:cNvCxnSpPr>
+          <p:nvPr/>
+        </p:nvCxnSpPr>
+        <p:spPr>
+          <a:xfrm rot="10800000" flipV="1">
+            <a:off x="6248400" y="2440953"/>
+            <a:ext cx="1158712" cy="572726"/>
+          </a:xfrm>
+          <a:prstGeom prst="bentConnector3">
+            <a:avLst>
+              <a:gd name="adj1" fmla="val 50000"/>
+            </a:avLst>
+          </a:prstGeom>
+        </p:spPr>
+        <p:style>
+          <a:lnRef idx="1">
+            <a:schemeClr val="accent1"/>
+          </a:lnRef>
+          <a:fillRef idx="0">
+            <a:schemeClr val="accent1"/>
+          </a:fillRef>
+          <a:effectRef idx="0">
+            <a:schemeClr val="accent1"/>
+          </a:effectRef>
+          <a:fontRef idx="minor">
+            <a:schemeClr val="tx1"/>
+          </a:fontRef>
+        </p:style>
+      </p:cxnSp>
+      <p:cxnSp>
+        <p:nvCxnSpPr>
+          <p:cNvPr id="98" name="Elbow Connector 97"/>
+          <p:cNvCxnSpPr>
+            <a:stCxn id="31" idx="1"/>
+            <a:endCxn id="65" idx="3"/>
+          </p:cNvCxnSpPr>
+          <p:nvPr/>
+        </p:nvCxnSpPr>
+        <p:spPr>
+          <a:xfrm rot="10800000">
+            <a:off x="6219334" y="5055220"/>
+            <a:ext cx="1400666" cy="103207"/>
+          </a:xfrm>
+          <a:prstGeom prst="bentConnector3">
+            <a:avLst/>
+          </a:prstGeom>
+        </p:spPr>
+        <p:style>
+          <a:lnRef idx="1">
+            <a:schemeClr val="accent1"/>
+          </a:lnRef>
+          <a:fillRef idx="0">
+            <a:schemeClr val="accent1"/>
+          </a:fillRef>
+          <a:effectRef idx="0">
+            <a:schemeClr val="accent1"/>
+          </a:effectRef>
+          <a:fontRef idx="minor">
+            <a:schemeClr val="tx1"/>
+          </a:fontRef>
+        </p:style>
+      </p:cxnSp>
+      <p:sp>
+        <p:nvSpPr>
+          <p:cNvPr id="108" name="Rectangle 107"/>
+          <p:cNvSpPr/>
+          <p:nvPr/>
+        </p:nvSpPr>
+        <p:spPr>
+          <a:xfrm>
+            <a:off x="4470662" y="5397828"/>
+            <a:ext cx="1752600" cy="462306"/>
+          </a:xfrm>
+          <a:prstGeom prst="rect">
+            <a:avLst/>
+          </a:prstGeom>
+          <a:solidFill>
+            <a:schemeClr val="accent6">
+              <a:lumMod val="60000"/>
+              <a:lumOff val="40000"/>
+            </a:schemeClr>
+          </a:solidFill>
+        </p:spPr>
+        <p:style>
+          <a:lnRef idx="2">
+            <a:schemeClr val="accent1">
+              <a:shade val="50000"/>
+            </a:schemeClr>
+          </a:lnRef>
+          <a:fillRef idx="1">
+            <a:schemeClr val="accent1"/>
+          </a:fillRef>
+          <a:effectRef idx="0">
+            <a:schemeClr val="accent1"/>
+          </a:effectRef>
+          <a:fontRef idx="minor">
+            <a:schemeClr val="lt1"/>
+          </a:fontRef>
+        </p:style>
+        <p:txBody>
+          <a:bodyPr rtlCol="0" anchor="ctr"/>
+          <a:lstStyle/>
+          <a:p>
+            <a:pPr algn="ctr"/>
+            <a:r>
+              <a:rPr lang="en-US" dirty="0" smtClean="0"/>
+              <a:t>style</a:t>
+            </a:r>
+            <a:endParaRPr lang="en-US" dirty="0"/>
+          </a:p>
+        </p:txBody>
+      </p:sp>
+      <p:sp>
+        <p:nvSpPr>
+          <p:cNvPr id="109" name="Rectangle 108"/>
+          <p:cNvSpPr/>
+          <p:nvPr/>
+        </p:nvSpPr>
+        <p:spPr>
+          <a:xfrm>
+            <a:off x="4495800" y="3446769"/>
+            <a:ext cx="1752600" cy="462306"/>
+          </a:xfrm>
+          <a:prstGeom prst="rect">
+            <a:avLst/>
+          </a:prstGeom>
+          <a:solidFill>
+            <a:schemeClr val="accent6">
+              <a:lumMod val="60000"/>
+              <a:lumOff val="40000"/>
+            </a:schemeClr>
+          </a:solidFill>
+        </p:spPr>
+        <p:style>
+          <a:lnRef idx="2">
+            <a:schemeClr val="accent1">
+              <a:shade val="50000"/>
+            </a:schemeClr>
+          </a:lnRef>
+          <a:fillRef idx="1">
+            <a:schemeClr val="accent1"/>
+          </a:fillRef>
+          <a:effectRef idx="0">
+            <a:schemeClr val="accent1"/>
+          </a:effectRef>
+          <a:fontRef idx="minor">
+            <a:schemeClr val="lt1"/>
+          </a:fontRef>
+        </p:style>
+        <p:txBody>
+          <a:bodyPr rtlCol="0" anchor="ctr"/>
+          <a:lstStyle/>
+          <a:p>
+            <a:pPr algn="ctr"/>
+            <a:r>
+              <a:rPr lang="en-US" dirty="0" smtClean="0"/>
+              <a:t>script</a:t>
+            </a:r>
+            <a:endParaRPr lang="en-US" dirty="0"/>
+          </a:p>
+        </p:txBody>
+      </p:sp>
+      <p:cxnSp>
+        <p:nvCxnSpPr>
+          <p:cNvPr id="111" name="Elbow Connector 110"/>
+          <p:cNvCxnSpPr>
+            <a:stCxn id="108" idx="1"/>
+            <a:endCxn id="29" idx="3"/>
+          </p:cNvCxnSpPr>
+          <p:nvPr/>
+        </p:nvCxnSpPr>
+        <p:spPr>
+          <a:xfrm rot="10800000">
+            <a:off x="3124200" y="3315873"/>
+            <a:ext cx="1346462" cy="2313108"/>
+          </a:xfrm>
+          <a:prstGeom prst="bentConnector3">
+            <a:avLst/>
+          </a:prstGeom>
+        </p:spPr>
+        <p:style>
+          <a:lnRef idx="1">
+            <a:schemeClr val="accent1"/>
+          </a:lnRef>
+          <a:fillRef idx="0">
+            <a:schemeClr val="accent1"/>
+          </a:fillRef>
+          <a:effectRef idx="0">
+            <a:schemeClr val="accent1"/>
+          </a:effectRef>
+          <a:fontRef idx="minor">
+            <a:schemeClr val="tx1"/>
+          </a:fontRef>
+        </p:style>
+      </p:cxnSp>
+      <p:cxnSp>
+        <p:nvCxnSpPr>
+          <p:cNvPr id="113" name="Elbow Connector 112"/>
+          <p:cNvCxnSpPr>
+            <a:stCxn id="109" idx="1"/>
+            <a:endCxn id="29" idx="3"/>
+          </p:cNvCxnSpPr>
+          <p:nvPr/>
+        </p:nvCxnSpPr>
+        <p:spPr>
+          <a:xfrm rot="10800000">
+            <a:off x="3124200" y="3315874"/>
+            <a:ext cx="1371600" cy="362049"/>
+          </a:xfrm>
+          <a:prstGeom prst="bentConnector3">
+            <a:avLst/>
+          </a:prstGeom>
+        </p:spPr>
+        <p:style>
+          <a:lnRef idx="1">
+            <a:schemeClr val="accent1"/>
+          </a:lnRef>
+          <a:fillRef idx="0">
+            <a:schemeClr val="accent1"/>
+          </a:fillRef>
+          <a:effectRef idx="0">
+            <a:schemeClr val="accent1"/>
+          </a:effectRef>
+          <a:fontRef idx="minor">
+            <a:schemeClr val="tx1"/>
+          </a:fontRef>
+        </p:style>
+      </p:cxnSp>
+      <p:cxnSp>
+        <p:nvCxnSpPr>
+          <p:cNvPr id="122" name="Elbow Connector 121"/>
+          <p:cNvCxnSpPr>
+            <a:stCxn id="109" idx="3"/>
+            <a:endCxn id="32" idx="1"/>
+          </p:cNvCxnSpPr>
+          <p:nvPr/>
+        </p:nvCxnSpPr>
+        <p:spPr>
+          <a:xfrm flipV="1">
+            <a:off x="6248400" y="2440953"/>
+            <a:ext cx="1158712" cy="1236969"/>
+          </a:xfrm>
+          <a:prstGeom prst="bentConnector3">
+            <a:avLst/>
+          </a:prstGeom>
+        </p:spPr>
+        <p:style>
+          <a:lnRef idx="1">
+            <a:schemeClr val="accent1"/>
+          </a:lnRef>
+          <a:fillRef idx="0">
+            <a:schemeClr val="accent1"/>
+          </a:fillRef>
+          <a:effectRef idx="0">
+            <a:schemeClr val="accent1"/>
+          </a:effectRef>
+          <a:fontRef idx="minor">
+            <a:schemeClr val="tx1"/>
+          </a:fontRef>
+        </p:style>
+      </p:cxnSp>
+      <p:cxnSp>
+        <p:nvCxnSpPr>
+          <p:cNvPr id="124" name="Elbow Connector 123"/>
+          <p:cNvCxnSpPr>
+            <a:stCxn id="108" idx="3"/>
+            <a:endCxn id="31" idx="1"/>
+          </p:cNvCxnSpPr>
+          <p:nvPr/>
+        </p:nvCxnSpPr>
+        <p:spPr>
+          <a:xfrm flipV="1">
+            <a:off x="6223262" y="5158426"/>
+            <a:ext cx="1396738" cy="470555"/>
+          </a:xfrm>
+          <a:prstGeom prst="bentConnector3">
+            <a:avLst/>
+          </a:prstGeom>
+        </p:spPr>
+        <p:style>
+          <a:lnRef idx="1">
+            <a:schemeClr val="accent1"/>
+          </a:lnRef>
+          <a:fillRef idx="0">
+            <a:schemeClr val="accent1"/>
+          </a:fillRef>
+          <a:effectRef idx="0">
+            <a:schemeClr val="accent1"/>
+          </a:effectRef>
+          <a:fontRef idx="minor">
+            <a:schemeClr val="tx1"/>
+          </a:fontRef>
+        </p:style>
+      </p:cxnSp>
+    </p:spTree>
+    <p:extLst>
+      <p:ext uri="{BB962C8B-B14F-4D97-AF65-F5344CB8AC3E}">
+        <p14:creationId xmlns:p14="http://schemas.microsoft.com/office/powerpoint/2010/main" val="1031412977"/>
+      </p:ext>
+    </p:extLst>
+  </p:cSld>
+  <p:clrMapOvr>
+    <a:masterClrMapping/>
+  </p:clrMapOvr>
+  <p:timing>
+    <p:tnLst>
+      <p:par>
+        <p:cTn id="1" dur="indefinite" restart="never" nodeType="tmRoot"/>
+      </p:par>
+    </p:tnLst>
+  </p:timing>
+</p:sld>
+</file>
+
+<file path=ppt/slides/slide3.xml><?xml version="1.0" encoding="utf-8"?>
+<p:sld xmlns:a="http://schemas.openxmlformats.org/drawingml/2006/main" xmlns:r="http://schemas.openxmlformats.org/officeDocument/2006/relationships" xmlns:p="http://schemas.openxmlformats.org/presentationml/2006/main">
+  <p:cSld>
+    <p:spTree>
+      <p:nvGrpSpPr>
+        <p:cNvPr id="1" name=""/>
+        <p:cNvGrpSpPr/>
+        <p:nvPr/>
+      </p:nvGrpSpPr>
+      <p:grpSpPr>
+        <a:xfrm>
+          <a:off x="0" y="0"/>
+          <a:ext cx="0" cy="0"/>
+          <a:chOff x="0" y="0"/>
+          <a:chExt cx="0" cy="0"/>
+        </a:xfrm>
+      </p:grpSpPr>
+      <p:sp>
+        <p:nvSpPr>
+          <p:cNvPr id="30" name="Rectangle 29"/>
+          <p:cNvSpPr/>
+          <p:nvPr/>
+        </p:nvSpPr>
+        <p:spPr>
+          <a:xfrm>
+            <a:off x="349577" y="381000"/>
+            <a:ext cx="1371600" cy="462306"/>
+          </a:xfrm>
+          <a:prstGeom prst="rect">
+            <a:avLst/>
+          </a:prstGeom>
+          <a:solidFill>
+            <a:schemeClr val="accent6">
+              <a:lumMod val="60000"/>
+              <a:lumOff val="40000"/>
+            </a:schemeClr>
+          </a:solidFill>
+        </p:spPr>
+        <p:style>
+          <a:lnRef idx="2">
+            <a:schemeClr val="accent1">
+              <a:shade val="50000"/>
+            </a:schemeClr>
+          </a:lnRef>
+          <a:fillRef idx="1">
+            <a:schemeClr val="accent1"/>
+          </a:fillRef>
+          <a:effectRef idx="0">
+            <a:schemeClr val="accent1"/>
+          </a:effectRef>
+          <a:fontRef idx="minor">
+            <a:schemeClr val="lt1"/>
+          </a:fontRef>
+        </p:style>
+        <p:txBody>
+          <a:bodyPr rtlCol="0" anchor="ctr"/>
+          <a:lstStyle/>
+          <a:p>
+            <a:pPr algn="ctr"/>
+            <a:r>
+              <a:rPr lang="en-US" dirty="0" smtClean="0"/>
+              <a:t>body</a:t>
+            </a:r>
+            <a:endParaRPr lang="en-US" dirty="0"/>
+          </a:p>
+        </p:txBody>
+      </p:sp>
+      <p:sp>
+        <p:nvSpPr>
+          <p:cNvPr id="31" name="Rectangle 30"/>
+          <p:cNvSpPr/>
+          <p:nvPr/>
+        </p:nvSpPr>
+        <p:spPr>
+          <a:xfrm>
+            <a:off x="6296025" y="2635084"/>
+            <a:ext cx="1371600" cy="462306"/>
+          </a:xfrm>
+          <a:prstGeom prst="rect">
+            <a:avLst/>
+          </a:prstGeom>
+          <a:solidFill>
+            <a:schemeClr val="accent6">
+              <a:lumMod val="60000"/>
+              <a:lumOff val="40000"/>
+            </a:schemeClr>
+          </a:solidFill>
+        </p:spPr>
+        <p:style>
+          <a:lnRef idx="2">
+            <a:schemeClr val="accent1">
+              <a:shade val="50000"/>
+            </a:schemeClr>
+          </a:lnRef>
+          <a:fillRef idx="1">
+            <a:schemeClr val="accent1"/>
+          </a:fillRef>
+          <a:effectRef idx="0">
+            <a:schemeClr val="accent1"/>
+          </a:effectRef>
+          <a:fontRef idx="minor">
+            <a:schemeClr val="lt1"/>
+          </a:fontRef>
+        </p:style>
+        <p:txBody>
+          <a:bodyPr rtlCol="0" anchor="ctr"/>
+          <a:lstStyle/>
+          <a:p>
+            <a:pPr algn="ctr"/>
+            <a:r>
+              <a:rPr lang="en-US" dirty="0" smtClean="0"/>
+              <a:t>#tab1</a:t>
+            </a:r>
+            <a:endParaRPr lang="en-US" dirty="0"/>
+          </a:p>
+        </p:txBody>
+      </p:sp>
+      <p:sp>
+        <p:nvSpPr>
+          <p:cNvPr id="32" name="Rectangle 31"/>
+          <p:cNvSpPr/>
+          <p:nvPr/>
+        </p:nvSpPr>
+        <p:spPr>
+          <a:xfrm>
+            <a:off x="4953000" y="1735682"/>
+            <a:ext cx="1371600" cy="462306"/>
+          </a:xfrm>
+          <a:prstGeom prst="rect">
+            <a:avLst/>
+          </a:prstGeom>
+          <a:solidFill>
+            <a:schemeClr val="accent6">
+              <a:lumMod val="60000"/>
+              <a:lumOff val="40000"/>
+            </a:schemeClr>
+          </a:solidFill>
+        </p:spPr>
+        <p:style>
+          <a:lnRef idx="2">
+            <a:schemeClr val="accent1">
+              <a:shade val="50000"/>
+            </a:schemeClr>
+          </a:lnRef>
+          <a:fillRef idx="1">
+            <a:schemeClr val="accent1"/>
+          </a:fillRef>
+          <a:effectRef idx="0">
+            <a:schemeClr val="accent1"/>
+          </a:effectRef>
+          <a:fontRef idx="minor">
+            <a:schemeClr val="lt1"/>
+          </a:fontRef>
+        </p:style>
+        <p:txBody>
+          <a:bodyPr rtlCol="0" anchor="ctr"/>
+          <a:lstStyle/>
+          <a:p>
+            <a:pPr algn="ctr"/>
+            <a:r>
+              <a:rPr lang="en-US" dirty="0" smtClean="0"/>
+              <a:t>#tabs</a:t>
+            </a:r>
+            <a:endParaRPr lang="en-US" dirty="0"/>
+          </a:p>
+        </p:txBody>
+      </p:sp>
+      <p:sp>
+        <p:nvSpPr>
+          <p:cNvPr id="29" name="Rectangle 28"/>
+          <p:cNvSpPr/>
+          <p:nvPr/>
+        </p:nvSpPr>
+        <p:spPr>
+          <a:xfrm>
+            <a:off x="1268984" y="1381417"/>
+            <a:ext cx="1371600" cy="462306"/>
+          </a:xfrm>
+          <a:prstGeom prst="rect">
+            <a:avLst/>
+          </a:prstGeom>
+          <a:solidFill>
+            <a:schemeClr val="accent6">
+              <a:lumMod val="60000"/>
+              <a:lumOff val="40000"/>
+            </a:schemeClr>
+          </a:solidFill>
+        </p:spPr>
+        <p:style>
+          <a:lnRef idx="2">
+            <a:schemeClr val="accent1">
+              <a:shade val="50000"/>
+            </a:schemeClr>
+          </a:lnRef>
+          <a:fillRef idx="1">
+            <a:schemeClr val="accent1"/>
+          </a:fillRef>
+          <a:effectRef idx="0">
+            <a:schemeClr val="accent1"/>
+          </a:effectRef>
+          <a:fontRef idx="minor">
+            <a:schemeClr val="lt1"/>
+          </a:fontRef>
+        </p:style>
+        <p:txBody>
+          <a:bodyPr rtlCol="0" anchor="ctr"/>
+          <a:lstStyle/>
+          <a:p>
+            <a:pPr algn="ctr"/>
+            <a:r>
+              <a:rPr lang="en-US" dirty="0" smtClean="0"/>
+              <a:t>#wrapper</a:t>
+            </a:r>
+            <a:endParaRPr lang="en-US" dirty="0"/>
+          </a:p>
+        </p:txBody>
+      </p:sp>
+      <p:cxnSp>
+        <p:nvCxnSpPr>
+          <p:cNvPr id="18" name="Elbow Connector 17"/>
+          <p:cNvCxnSpPr>
+            <a:stCxn id="30" idx="2"/>
+            <a:endCxn id="29" idx="1"/>
+          </p:cNvCxnSpPr>
+          <p:nvPr/>
+        </p:nvCxnSpPr>
+        <p:spPr>
+          <a:xfrm rot="16200000" flipH="1">
+            <a:off x="767548" y="1111134"/>
+            <a:ext cx="769264" cy="233607"/>
+          </a:xfrm>
+          <a:prstGeom prst="bentConnector2">
+            <a:avLst/>
+          </a:prstGeom>
+        </p:spPr>
+        <p:style>
+          <a:lnRef idx="1">
+            <a:schemeClr val="accent1"/>
+          </a:lnRef>
+          <a:fillRef idx="0">
+            <a:schemeClr val="accent1"/>
+          </a:fillRef>
+          <a:effectRef idx="0">
+            <a:schemeClr val="accent1"/>
+          </a:effectRef>
+          <a:fontRef idx="minor">
+            <a:schemeClr val="tx1"/>
+          </a:fontRef>
+        </p:style>
+      </p:cxnSp>
+      <p:sp>
+        <p:nvSpPr>
+          <p:cNvPr id="46" name="Rectangle 45"/>
+          <p:cNvSpPr/>
+          <p:nvPr/>
+        </p:nvSpPr>
+        <p:spPr>
+          <a:xfrm>
+            <a:off x="2540327" y="2217038"/>
+            <a:ext cx="1295400" cy="462306"/>
+          </a:xfrm>
+          <a:prstGeom prst="rect">
+            <a:avLst/>
+          </a:prstGeom>
+          <a:solidFill>
+            <a:schemeClr val="accent6">
+              <a:lumMod val="60000"/>
+              <a:lumOff val="40000"/>
+            </a:schemeClr>
+          </a:solidFill>
+        </p:spPr>
+        <p:style>
+          <a:lnRef idx="2">
+            <a:schemeClr val="accent1">
+              <a:shade val="50000"/>
+            </a:schemeClr>
+          </a:lnRef>
+          <a:fillRef idx="1">
+            <a:schemeClr val="accent1"/>
+          </a:fillRef>
+          <a:effectRef idx="0">
+            <a:schemeClr val="accent1"/>
+          </a:effectRef>
+          <a:fontRef idx="minor">
+            <a:schemeClr val="lt1"/>
+          </a:fontRef>
+        </p:style>
+        <p:txBody>
+          <a:bodyPr rtlCol="0" anchor="ctr"/>
+          <a:lstStyle/>
+          <a:p>
+            <a:pPr algn="ctr"/>
+            <a:r>
+              <a:rPr lang="en-US" dirty="0" smtClean="0"/>
+              <a:t>#header</a:t>
+            </a:r>
+            <a:endParaRPr lang="en-US" dirty="0"/>
+          </a:p>
+        </p:txBody>
+      </p:sp>
+      <p:sp>
+        <p:nvSpPr>
+          <p:cNvPr id="48" name="Rectangle 47"/>
+          <p:cNvSpPr/>
+          <p:nvPr/>
+        </p:nvSpPr>
+        <p:spPr>
+          <a:xfrm>
+            <a:off x="2604643" y="3657600"/>
+            <a:ext cx="1295400" cy="462306"/>
+          </a:xfrm>
+          <a:prstGeom prst="rect">
+            <a:avLst/>
+          </a:prstGeom>
+          <a:solidFill>
+            <a:schemeClr val="accent6">
+              <a:lumMod val="60000"/>
+              <a:lumOff val="40000"/>
+            </a:schemeClr>
+          </a:solidFill>
+        </p:spPr>
+        <p:style>
+          <a:lnRef idx="2">
+            <a:schemeClr val="accent1">
+              <a:shade val="50000"/>
+            </a:schemeClr>
+          </a:lnRef>
+          <a:fillRef idx="1">
+            <a:schemeClr val="accent1"/>
+          </a:fillRef>
+          <a:effectRef idx="0">
+            <a:schemeClr val="accent1"/>
+          </a:effectRef>
+          <a:fontRef idx="minor">
+            <a:schemeClr val="lt1"/>
+          </a:fontRef>
+        </p:style>
+        <p:txBody>
+          <a:bodyPr rtlCol="0" anchor="ctr"/>
+          <a:lstStyle/>
+          <a:p>
+            <a:pPr algn="ctr"/>
+            <a:r>
+              <a:rPr lang="en-US" dirty="0" smtClean="0"/>
+              <a:t>#body</a:t>
+            </a:r>
+            <a:endParaRPr lang="en-US" dirty="0"/>
+          </a:p>
+        </p:txBody>
+      </p:sp>
+      <p:cxnSp>
+        <p:nvCxnSpPr>
+          <p:cNvPr id="62" name="Elbow Connector 61"/>
+          <p:cNvCxnSpPr>
+            <a:stCxn id="29" idx="2"/>
+            <a:endCxn id="46" idx="1"/>
+          </p:cNvCxnSpPr>
+          <p:nvPr/>
+        </p:nvCxnSpPr>
+        <p:spPr>
+          <a:xfrm rot="16200000" flipH="1">
+            <a:off x="1945321" y="1853185"/>
+            <a:ext cx="604468" cy="585543"/>
+          </a:xfrm>
+          <a:prstGeom prst="bentConnector2">
+            <a:avLst/>
+          </a:prstGeom>
+        </p:spPr>
+        <p:style>
+          <a:lnRef idx="1">
+            <a:schemeClr val="accent1"/>
+          </a:lnRef>
+          <a:fillRef idx="0">
+            <a:schemeClr val="accent1"/>
+          </a:fillRef>
+          <a:effectRef idx="0">
+            <a:schemeClr val="accent1"/>
+          </a:effectRef>
+          <a:fontRef idx="minor">
+            <a:schemeClr val="tx1"/>
+          </a:fontRef>
+        </p:style>
+      </p:cxnSp>
+      <p:cxnSp>
+        <p:nvCxnSpPr>
+          <p:cNvPr id="64" name="Elbow Connector 63"/>
+          <p:cNvCxnSpPr>
+            <a:stCxn id="29" idx="2"/>
+            <a:endCxn id="48" idx="1"/>
+          </p:cNvCxnSpPr>
+          <p:nvPr/>
+        </p:nvCxnSpPr>
+        <p:spPr>
+          <a:xfrm rot="16200000" flipH="1">
+            <a:off x="1257198" y="2541308"/>
+            <a:ext cx="2045030" cy="649859"/>
+          </a:xfrm>
+          <a:prstGeom prst="bentConnector2">
+            <a:avLst/>
+          </a:prstGeom>
+        </p:spPr>
+        <p:style>
+          <a:lnRef idx="1">
+            <a:schemeClr val="accent1"/>
+          </a:lnRef>
+          <a:fillRef idx="0">
+            <a:schemeClr val="accent1"/>
+          </a:fillRef>
+          <a:effectRef idx="0">
+            <a:schemeClr val="accent1"/>
+          </a:effectRef>
+          <a:fontRef idx="minor">
+            <a:schemeClr val="tx1"/>
+          </a:fontRef>
+        </p:style>
+      </p:cxnSp>
+      <p:cxnSp>
+        <p:nvCxnSpPr>
+          <p:cNvPr id="94" name="Elbow Connector 93"/>
+          <p:cNvCxnSpPr>
+            <a:stCxn id="32" idx="1"/>
+            <a:endCxn id="48" idx="3"/>
+          </p:cNvCxnSpPr>
+          <p:nvPr/>
+        </p:nvCxnSpPr>
+        <p:spPr>
+          <a:xfrm rot="10800000" flipV="1">
+            <a:off x="3900044" y="1966835"/>
+            <a:ext cx="1052957" cy="1921918"/>
+          </a:xfrm>
+          <a:prstGeom prst="bentConnector3">
+            <a:avLst>
+              <a:gd name="adj1" fmla="val 50000"/>
+            </a:avLst>
+          </a:prstGeom>
+        </p:spPr>
+        <p:style>
+          <a:lnRef idx="1">
+            <a:schemeClr val="accent1"/>
+          </a:lnRef>
+          <a:fillRef idx="0">
+            <a:schemeClr val="accent1"/>
+          </a:fillRef>
+          <a:effectRef idx="0">
+            <a:schemeClr val="accent1"/>
+          </a:effectRef>
+          <a:fontRef idx="minor">
+            <a:schemeClr val="tx1"/>
+          </a:fontRef>
+        </p:style>
+      </p:cxnSp>
+      <p:sp>
+        <p:nvSpPr>
+          <p:cNvPr id="109" name="Rectangle 108"/>
+          <p:cNvSpPr/>
+          <p:nvPr/>
+        </p:nvSpPr>
+        <p:spPr>
+          <a:xfrm>
+            <a:off x="2576068" y="4953000"/>
+            <a:ext cx="1295400" cy="462306"/>
+          </a:xfrm>
+          <a:prstGeom prst="rect">
+            <a:avLst/>
+          </a:prstGeom>
+          <a:solidFill>
+            <a:schemeClr val="accent6">
+              <a:lumMod val="60000"/>
+              <a:lumOff val="40000"/>
+            </a:schemeClr>
+          </a:solidFill>
+        </p:spPr>
+        <p:style>
+          <a:lnRef idx="2">
+            <a:schemeClr val="accent1">
+              <a:shade val="50000"/>
+            </a:schemeClr>
+          </a:lnRef>
+          <a:fillRef idx="1">
+            <a:schemeClr val="accent1"/>
+          </a:fillRef>
+          <a:effectRef idx="0">
+            <a:schemeClr val="accent1"/>
+          </a:effectRef>
+          <a:fontRef idx="minor">
+            <a:schemeClr val="lt1"/>
+          </a:fontRef>
+        </p:style>
+        <p:txBody>
+          <a:bodyPr rtlCol="0" anchor="ctr"/>
+          <a:lstStyle/>
+          <a:p>
+            <a:pPr algn="ctr"/>
+            <a:r>
+              <a:rPr lang="en-US" dirty="0" smtClean="0"/>
+              <a:t>#footer</a:t>
+            </a:r>
+            <a:endParaRPr lang="en-US" dirty="0"/>
+          </a:p>
+        </p:txBody>
+      </p:sp>
+      <p:cxnSp>
+        <p:nvCxnSpPr>
+          <p:cNvPr id="113" name="Elbow Connector 112"/>
+          <p:cNvCxnSpPr>
+            <a:stCxn id="109" idx="1"/>
+            <a:endCxn id="29" idx="2"/>
+          </p:cNvCxnSpPr>
+          <p:nvPr/>
+        </p:nvCxnSpPr>
+        <p:spPr>
+          <a:xfrm rot="10800000">
+            <a:off x="1954784" y="1843723"/>
+            <a:ext cx="621284" cy="3340430"/>
+          </a:xfrm>
+          <a:prstGeom prst="bentConnector2">
+            <a:avLst/>
+          </a:prstGeom>
+        </p:spPr>
+        <p:style>
+          <a:lnRef idx="1">
+            <a:schemeClr val="accent1"/>
+          </a:lnRef>
+          <a:fillRef idx="0">
+            <a:schemeClr val="accent1"/>
+          </a:fillRef>
+          <a:effectRef idx="0">
+            <a:schemeClr val="accent1"/>
+          </a:effectRef>
+          <a:fontRef idx="minor">
+            <a:schemeClr val="tx1"/>
+          </a:fontRef>
+        </p:style>
+      </p:cxnSp>
+      <p:cxnSp>
+        <p:nvCxnSpPr>
+          <p:cNvPr id="35" name="Elbow Connector 34"/>
+          <p:cNvCxnSpPr>
+            <a:stCxn id="32" idx="2"/>
+            <a:endCxn id="31" idx="1"/>
+          </p:cNvCxnSpPr>
+          <p:nvPr/>
+        </p:nvCxnSpPr>
+        <p:spPr>
+          <a:xfrm rot="16200000" flipH="1">
+            <a:off x="5633288" y="2203499"/>
+            <a:ext cx="668249" cy="657225"/>
+          </a:xfrm>
+          <a:prstGeom prst="bentConnector2">
+            <a:avLst/>
+          </a:prstGeom>
+        </p:spPr>
+        <p:style>
+          <a:lnRef idx="1">
+            <a:schemeClr val="accent1"/>
+          </a:lnRef>
+          <a:fillRef idx="0">
+            <a:schemeClr val="accent1"/>
+          </a:fillRef>
+          <a:effectRef idx="0">
+            <a:schemeClr val="accent1"/>
+          </a:effectRef>
+          <a:fontRef idx="minor">
+            <a:schemeClr val="tx1"/>
+          </a:fontRef>
+        </p:style>
+      </p:cxnSp>
+    </p:spTree>
+    <p:extLst>
+      <p:ext uri="{BB962C8B-B14F-4D97-AF65-F5344CB8AC3E}">
+        <p14:creationId xmlns:p14="http://schemas.microsoft.com/office/powerpoint/2010/main" val="3622536200"/>
       </p:ext>
     </p:extLst>
   </p:cSld>

--- a/Document.pptx
+++ b/Document.pptx
@@ -5427,7 +5427,7 @@
             <a:pPr algn="ctr"/>
             <a:r>
               <a:rPr lang="en-US" dirty="0" smtClean="0"/>
-              <a:t>#body</a:t>
+              <a:t>#main</a:t>
             </a:r>
             <a:endParaRPr lang="en-US" dirty="0"/>
           </a:p>

--- a/Document.pptx
+++ b/Document.pptx
@@ -8,6 +8,7 @@
     <p:sldId id="256" r:id="rId2"/>
     <p:sldId id="257" r:id="rId3"/>
     <p:sldId id="258" r:id="rId4"/>
+    <p:sldId id="259" r:id="rId5"/>
   </p:sldIdLst>
   <p:sldSz cx="9144000" cy="6858000" type="screen4x3"/>
   <p:notesSz cx="6858000" cy="9144000"/>
@@ -4078,6 +4079,580 @@
           </a:fontRef>
         </p:style>
       </p:cxnSp>
+      <p:sp>
+        <p:nvSpPr>
+          <p:cNvPr id="19" name="Rectangle 18"/>
+          <p:cNvSpPr/>
+          <p:nvPr/>
+        </p:nvSpPr>
+        <p:spPr>
+          <a:xfrm>
+            <a:off x="2558255" y="2491570"/>
+            <a:ext cx="990600" cy="533401"/>
+          </a:xfrm>
+          <a:prstGeom prst="rect">
+            <a:avLst/>
+          </a:prstGeom>
+          <a:solidFill>
+            <a:schemeClr val="accent3">
+              <a:lumMod val="60000"/>
+              <a:lumOff val="40000"/>
+            </a:schemeClr>
+          </a:solidFill>
+        </p:spPr>
+        <p:style>
+          <a:lnRef idx="2">
+            <a:schemeClr val="accent1">
+              <a:shade val="50000"/>
+            </a:schemeClr>
+          </a:lnRef>
+          <a:fillRef idx="1">
+            <a:schemeClr val="accent1"/>
+          </a:fillRef>
+          <a:effectRef idx="0">
+            <a:schemeClr val="accent1"/>
+          </a:effectRef>
+          <a:fontRef idx="minor">
+            <a:schemeClr val="lt1"/>
+          </a:fontRef>
+        </p:style>
+        <p:txBody>
+          <a:bodyPr rtlCol="0" anchor="ctr"/>
+          <a:lstStyle/>
+          <a:p>
+            <a:pPr algn="ctr"/>
+            <a:r>
+              <a:rPr lang="en-US" dirty="0" smtClean="0"/>
+              <a:t>time</a:t>
+            </a:r>
+            <a:endParaRPr lang="en-US" dirty="0"/>
+          </a:p>
+        </p:txBody>
+      </p:sp>
+      <p:cxnSp>
+        <p:nvCxnSpPr>
+          <p:cNvPr id="3" name="Straight Arrow Connector 2"/>
+          <p:cNvCxnSpPr>
+            <a:stCxn id="19" idx="0"/>
+            <a:endCxn id="32" idx="2"/>
+          </p:cNvCxnSpPr>
+          <p:nvPr/>
+        </p:nvCxnSpPr>
+        <p:spPr>
+          <a:xfrm flipH="1" flipV="1">
+            <a:off x="2974940" y="1811911"/>
+            <a:ext cx="78615" cy="679659"/>
+          </a:xfrm>
+          <a:prstGeom prst="straightConnector1">
+            <a:avLst/>
+          </a:prstGeom>
+          <a:ln>
+            <a:headEnd type="arrow"/>
+            <a:tailEnd type="arrow"/>
+          </a:ln>
+        </p:spPr>
+        <p:style>
+          <a:lnRef idx="1">
+            <a:schemeClr val="accent1"/>
+          </a:lnRef>
+          <a:fillRef idx="0">
+            <a:schemeClr val="accent1"/>
+          </a:fillRef>
+          <a:effectRef idx="0">
+            <a:schemeClr val="accent1"/>
+          </a:effectRef>
+          <a:fontRef idx="minor">
+            <a:schemeClr val="tx1"/>
+          </a:fontRef>
+        </p:style>
+      </p:cxnSp>
+      <p:cxnSp>
+        <p:nvCxnSpPr>
+          <p:cNvPr id="11" name="Elbow Connector 10"/>
+          <p:cNvCxnSpPr>
+            <a:stCxn id="5" idx="3"/>
+            <a:endCxn id="19" idx="1"/>
+          </p:cNvCxnSpPr>
+          <p:nvPr/>
+        </p:nvCxnSpPr>
+        <p:spPr>
+          <a:xfrm flipV="1">
+            <a:off x="1740033" y="2758271"/>
+            <a:ext cx="818222" cy="480229"/>
+          </a:xfrm>
+          <a:prstGeom prst="bentConnector3">
+            <a:avLst/>
+          </a:prstGeom>
+        </p:spPr>
+        <p:style>
+          <a:lnRef idx="1">
+            <a:schemeClr val="accent1"/>
+          </a:lnRef>
+          <a:fillRef idx="0">
+            <a:schemeClr val="accent1"/>
+          </a:fillRef>
+          <a:effectRef idx="0">
+            <a:schemeClr val="accent1"/>
+          </a:effectRef>
+          <a:fontRef idx="minor">
+            <a:schemeClr val="tx1"/>
+          </a:fontRef>
+        </p:style>
+      </p:cxnSp>
+      <p:sp>
+        <p:nvSpPr>
+          <p:cNvPr id="25" name="Rectangle 24"/>
+          <p:cNvSpPr/>
+          <p:nvPr/>
+        </p:nvSpPr>
+        <p:spPr>
+          <a:xfrm>
+            <a:off x="7543800" y="777320"/>
+            <a:ext cx="1371600" cy="462306"/>
+          </a:xfrm>
+          <a:prstGeom prst="rect">
+            <a:avLst/>
+          </a:prstGeom>
+          <a:solidFill>
+            <a:schemeClr val="accent2">
+              <a:lumMod val="60000"/>
+              <a:lumOff val="40000"/>
+            </a:schemeClr>
+          </a:solidFill>
+        </p:spPr>
+        <p:style>
+          <a:lnRef idx="2">
+            <a:schemeClr val="accent1">
+              <a:shade val="50000"/>
+            </a:schemeClr>
+          </a:lnRef>
+          <a:fillRef idx="1">
+            <a:schemeClr val="accent1"/>
+          </a:fillRef>
+          <a:effectRef idx="0">
+            <a:schemeClr val="accent1"/>
+          </a:effectRef>
+          <a:fontRef idx="minor">
+            <a:schemeClr val="lt1"/>
+          </a:fontRef>
+        </p:style>
+        <p:txBody>
+          <a:bodyPr rtlCol="0" anchor="ctr"/>
+          <a:lstStyle/>
+          <a:p>
+            <a:pPr algn="ctr"/>
+            <a:r>
+              <a:rPr lang="en-US" dirty="0" smtClean="0"/>
+              <a:t>exchange</a:t>
+            </a:r>
+            <a:endParaRPr lang="en-US" dirty="0"/>
+          </a:p>
+        </p:txBody>
+      </p:sp>
+      <p:cxnSp>
+        <p:nvCxnSpPr>
+          <p:cNvPr id="15" name="Straight Arrow Connector 14"/>
+          <p:cNvCxnSpPr>
+            <a:stCxn id="42" idx="1"/>
+            <a:endCxn id="32" idx="3"/>
+          </p:cNvCxnSpPr>
+          <p:nvPr/>
+        </p:nvCxnSpPr>
+        <p:spPr>
+          <a:xfrm flipH="1">
+            <a:off x="3660740" y="818758"/>
+            <a:ext cx="2130460" cy="762000"/>
+          </a:xfrm>
+          <a:prstGeom prst="straightConnector1">
+            <a:avLst/>
+          </a:prstGeom>
+          <a:ln>
+            <a:tailEnd type="arrow"/>
+          </a:ln>
+        </p:spPr>
+        <p:style>
+          <a:lnRef idx="1">
+            <a:schemeClr val="accent1"/>
+          </a:lnRef>
+          <a:fillRef idx="0">
+            <a:schemeClr val="accent1"/>
+          </a:fillRef>
+          <a:effectRef idx="0">
+            <a:schemeClr val="accent1"/>
+          </a:effectRef>
+          <a:fontRef idx="minor">
+            <a:schemeClr val="tx1"/>
+          </a:fontRef>
+        </p:style>
+      </p:cxnSp>
+      <p:sp>
+        <p:nvSpPr>
+          <p:cNvPr id="33" name="Rectangle 32"/>
+          <p:cNvSpPr/>
+          <p:nvPr/>
+        </p:nvSpPr>
+        <p:spPr>
+          <a:xfrm>
+            <a:off x="2558254" y="3314699"/>
+            <a:ext cx="1251745" cy="533401"/>
+          </a:xfrm>
+          <a:prstGeom prst="rect">
+            <a:avLst/>
+          </a:prstGeom>
+          <a:solidFill>
+            <a:schemeClr val="accent3">
+              <a:lumMod val="60000"/>
+              <a:lumOff val="40000"/>
+            </a:schemeClr>
+          </a:solidFill>
+        </p:spPr>
+        <p:style>
+          <a:lnRef idx="2">
+            <a:schemeClr val="accent1">
+              <a:shade val="50000"/>
+            </a:schemeClr>
+          </a:lnRef>
+          <a:fillRef idx="1">
+            <a:schemeClr val="accent1"/>
+          </a:fillRef>
+          <a:effectRef idx="0">
+            <a:schemeClr val="accent1"/>
+          </a:effectRef>
+          <a:fontRef idx="minor">
+            <a:schemeClr val="lt1"/>
+          </a:fontRef>
+        </p:style>
+        <p:txBody>
+          <a:bodyPr rtlCol="0" anchor="ctr"/>
+          <a:lstStyle/>
+          <a:p>
+            <a:pPr algn="ctr"/>
+            <a:r>
+              <a:rPr lang="en-US" dirty="0" smtClean="0"/>
+              <a:t>interface</a:t>
+            </a:r>
+            <a:endParaRPr lang="en-US" dirty="0"/>
+          </a:p>
+        </p:txBody>
+      </p:sp>
+      <p:cxnSp>
+        <p:nvCxnSpPr>
+          <p:cNvPr id="18" name="Elbow Connector 17"/>
+          <p:cNvCxnSpPr>
+            <a:stCxn id="5" idx="3"/>
+            <a:endCxn id="33" idx="1"/>
+          </p:cNvCxnSpPr>
+          <p:nvPr/>
+        </p:nvCxnSpPr>
+        <p:spPr>
+          <a:xfrm>
+            <a:off x="1740033" y="3238500"/>
+            <a:ext cx="818221" cy="342900"/>
+          </a:xfrm>
+          <a:prstGeom prst="bentConnector3">
+            <a:avLst/>
+          </a:prstGeom>
+        </p:spPr>
+        <p:style>
+          <a:lnRef idx="1">
+            <a:schemeClr val="accent1"/>
+          </a:lnRef>
+          <a:fillRef idx="0">
+            <a:schemeClr val="accent1"/>
+          </a:fillRef>
+          <a:effectRef idx="0">
+            <a:schemeClr val="accent1"/>
+          </a:effectRef>
+          <a:fontRef idx="minor">
+            <a:schemeClr val="tx1"/>
+          </a:fontRef>
+        </p:style>
+      </p:cxnSp>
+      <p:cxnSp>
+        <p:nvCxnSpPr>
+          <p:cNvPr id="35" name="Straight Arrow Connector 34"/>
+          <p:cNvCxnSpPr>
+            <a:stCxn id="33" idx="3"/>
+            <a:endCxn id="44" idx="1"/>
+          </p:cNvCxnSpPr>
+          <p:nvPr/>
+        </p:nvCxnSpPr>
+        <p:spPr>
+          <a:xfrm flipV="1">
+            <a:off x="3809999" y="1612671"/>
+            <a:ext cx="1981201" cy="1968729"/>
+          </a:xfrm>
+          <a:prstGeom prst="straightConnector1">
+            <a:avLst/>
+          </a:prstGeom>
+          <a:ln>
+            <a:headEnd type="arrow"/>
+            <a:tailEnd type="arrow"/>
+          </a:ln>
+        </p:spPr>
+        <p:style>
+          <a:lnRef idx="1">
+            <a:schemeClr val="accent1"/>
+          </a:lnRef>
+          <a:fillRef idx="0">
+            <a:schemeClr val="accent1"/>
+          </a:fillRef>
+          <a:effectRef idx="0">
+            <a:schemeClr val="accent1"/>
+          </a:effectRef>
+          <a:fontRef idx="minor">
+            <a:schemeClr val="tx1"/>
+          </a:fontRef>
+        </p:style>
+      </p:cxnSp>
+      <p:sp>
+        <p:nvSpPr>
+          <p:cNvPr id="42" name="Rectangle 41"/>
+          <p:cNvSpPr/>
+          <p:nvPr/>
+        </p:nvSpPr>
+        <p:spPr>
+          <a:xfrm>
+            <a:off x="5791200" y="587605"/>
+            <a:ext cx="990600" cy="462306"/>
+          </a:xfrm>
+          <a:prstGeom prst="rect">
+            <a:avLst/>
+          </a:prstGeom>
+          <a:solidFill>
+            <a:schemeClr val="accent2">
+              <a:lumMod val="60000"/>
+              <a:lumOff val="40000"/>
+            </a:schemeClr>
+          </a:solidFill>
+        </p:spPr>
+        <p:style>
+          <a:lnRef idx="2">
+            <a:schemeClr val="accent1">
+              <a:shade val="50000"/>
+            </a:schemeClr>
+          </a:lnRef>
+          <a:fillRef idx="1">
+            <a:schemeClr val="accent1"/>
+          </a:fillRef>
+          <a:effectRef idx="0">
+            <a:schemeClr val="accent1"/>
+          </a:effectRef>
+          <a:fontRef idx="minor">
+            <a:schemeClr val="lt1"/>
+          </a:fontRef>
+        </p:style>
+        <p:txBody>
+          <a:bodyPr rtlCol="0" anchor="ctr"/>
+          <a:lstStyle/>
+          <a:p>
+            <a:pPr algn="ctr"/>
+            <a:r>
+              <a:rPr lang="en-US" dirty="0" smtClean="0"/>
+              <a:t>socket</a:t>
+            </a:r>
+            <a:endParaRPr lang="en-US" dirty="0"/>
+          </a:p>
+        </p:txBody>
+      </p:sp>
+      <p:sp>
+        <p:nvSpPr>
+          <p:cNvPr id="44" name="Rectangle 43"/>
+          <p:cNvSpPr/>
+          <p:nvPr/>
+        </p:nvSpPr>
+        <p:spPr>
+          <a:xfrm>
+            <a:off x="5791200" y="1381518"/>
+            <a:ext cx="990600" cy="462306"/>
+          </a:xfrm>
+          <a:prstGeom prst="rect">
+            <a:avLst/>
+          </a:prstGeom>
+          <a:solidFill>
+            <a:schemeClr val="accent2">
+              <a:lumMod val="60000"/>
+              <a:lumOff val="40000"/>
+            </a:schemeClr>
+          </a:solidFill>
+        </p:spPr>
+        <p:style>
+          <a:lnRef idx="2">
+            <a:schemeClr val="accent1">
+              <a:shade val="50000"/>
+            </a:schemeClr>
+          </a:lnRef>
+          <a:fillRef idx="1">
+            <a:schemeClr val="accent1"/>
+          </a:fillRef>
+          <a:effectRef idx="0">
+            <a:schemeClr val="accent1"/>
+          </a:effectRef>
+          <a:fontRef idx="minor">
+            <a:schemeClr val="lt1"/>
+          </a:fontRef>
+        </p:style>
+        <p:txBody>
+          <a:bodyPr rtlCol="0" anchor="ctr"/>
+          <a:lstStyle/>
+          <a:p>
+            <a:pPr algn="ctr"/>
+            <a:r>
+              <a:rPr lang="en-US" dirty="0" smtClean="0"/>
+              <a:t>api</a:t>
+            </a:r>
+            <a:endParaRPr lang="en-US" dirty="0"/>
+          </a:p>
+        </p:txBody>
+      </p:sp>
+      <p:cxnSp>
+        <p:nvCxnSpPr>
+          <p:cNvPr id="48" name="Elbow Connector 47"/>
+          <p:cNvCxnSpPr>
+            <a:stCxn id="25" idx="1"/>
+            <a:endCxn id="42" idx="3"/>
+          </p:cNvCxnSpPr>
+          <p:nvPr/>
+        </p:nvCxnSpPr>
+        <p:spPr>
+          <a:xfrm rot="10800000">
+            <a:off x="6781800" y="818759"/>
+            <a:ext cx="762000" cy="189715"/>
+          </a:xfrm>
+          <a:prstGeom prst="bentConnector3">
+            <a:avLst/>
+          </a:prstGeom>
+        </p:spPr>
+        <p:style>
+          <a:lnRef idx="1">
+            <a:schemeClr val="accent1"/>
+          </a:lnRef>
+          <a:fillRef idx="0">
+            <a:schemeClr val="accent1"/>
+          </a:fillRef>
+          <a:effectRef idx="0">
+            <a:schemeClr val="accent1"/>
+          </a:effectRef>
+          <a:fontRef idx="minor">
+            <a:schemeClr val="tx1"/>
+          </a:fontRef>
+        </p:style>
+      </p:cxnSp>
+      <p:cxnSp>
+        <p:nvCxnSpPr>
+          <p:cNvPr id="50" name="Elbow Connector 49"/>
+          <p:cNvCxnSpPr>
+            <a:stCxn id="25" idx="1"/>
+            <a:endCxn id="44" idx="3"/>
+          </p:cNvCxnSpPr>
+          <p:nvPr/>
+        </p:nvCxnSpPr>
+        <p:spPr>
+          <a:xfrm rot="10800000" flipV="1">
+            <a:off x="6781800" y="1008473"/>
+            <a:ext cx="762000" cy="604198"/>
+          </a:xfrm>
+          <a:prstGeom prst="bentConnector3">
+            <a:avLst/>
+          </a:prstGeom>
+        </p:spPr>
+        <p:style>
+          <a:lnRef idx="1">
+            <a:schemeClr val="accent1"/>
+          </a:lnRef>
+          <a:fillRef idx="0">
+            <a:schemeClr val="accent1"/>
+          </a:fillRef>
+          <a:effectRef idx="0">
+            <a:schemeClr val="accent1"/>
+          </a:effectRef>
+          <a:fontRef idx="minor">
+            <a:schemeClr val="tx1"/>
+          </a:fontRef>
+        </p:style>
+      </p:cxnSp>
+      <p:sp>
+        <p:nvSpPr>
+          <p:cNvPr id="51" name="Rectangle 50"/>
+          <p:cNvSpPr/>
+          <p:nvPr/>
+        </p:nvSpPr>
+        <p:spPr>
+          <a:xfrm>
+            <a:off x="2030298" y="4294292"/>
+            <a:ext cx="990600" cy="449737"/>
+          </a:xfrm>
+          <a:prstGeom prst="rect">
+            <a:avLst/>
+          </a:prstGeom>
+          <a:solidFill>
+            <a:schemeClr val="accent5">
+              <a:lumMod val="75000"/>
+            </a:schemeClr>
+          </a:solidFill>
+        </p:spPr>
+        <p:style>
+          <a:lnRef idx="2">
+            <a:schemeClr val="accent1">
+              <a:shade val="50000"/>
+            </a:schemeClr>
+          </a:lnRef>
+          <a:fillRef idx="1">
+            <a:schemeClr val="accent1"/>
+          </a:fillRef>
+          <a:effectRef idx="0">
+            <a:schemeClr val="accent1"/>
+          </a:effectRef>
+          <a:fontRef idx="minor">
+            <a:schemeClr val="lt1"/>
+          </a:fontRef>
+        </p:style>
+        <p:txBody>
+          <a:bodyPr rtlCol="0" anchor="ctr"/>
+          <a:lstStyle/>
+          <a:p>
+            <a:pPr algn="ctr"/>
+            <a:r>
+              <a:rPr lang="en-US" dirty="0" smtClean="0"/>
+              <a:t>session</a:t>
+            </a:r>
+            <a:endParaRPr lang="en-US" dirty="0"/>
+          </a:p>
+        </p:txBody>
+      </p:sp>
+      <p:cxnSp>
+        <p:nvCxnSpPr>
+          <p:cNvPr id="53" name="Elbow Connector 52"/>
+          <p:cNvCxnSpPr>
+            <a:stCxn id="6" idx="3"/>
+            <a:endCxn id="51" idx="1"/>
+          </p:cNvCxnSpPr>
+          <p:nvPr/>
+        </p:nvCxnSpPr>
+        <p:spPr>
+          <a:xfrm flipV="1">
+            <a:off x="1580169" y="4519161"/>
+            <a:ext cx="450129" cy="869630"/>
+          </a:xfrm>
+          <a:prstGeom prst="bentConnector3">
+            <a:avLst/>
+          </a:prstGeom>
+        </p:spPr>
+        <p:style>
+          <a:lnRef idx="1">
+            <a:schemeClr val="accent1"/>
+          </a:lnRef>
+          <a:fillRef idx="0">
+            <a:schemeClr val="accent1"/>
+          </a:fillRef>
+          <a:effectRef idx="0">
+            <a:schemeClr val="accent1"/>
+          </a:effectRef>
+          <a:fontRef idx="minor">
+            <a:schemeClr val="tx1"/>
+          </a:fontRef>
+        </p:style>
+      </p:cxnSp>
     </p:spTree>
     <p:extLst>
       <p:ext uri="{BB962C8B-B14F-4D97-AF65-F5344CB8AC3E}">
@@ -5654,6 +6229,697 @@
     <p:extLst>
       <p:ext uri="{BB962C8B-B14F-4D97-AF65-F5344CB8AC3E}">
         <p14:creationId xmlns:p14="http://schemas.microsoft.com/office/powerpoint/2010/main" val="3622536200"/>
+      </p:ext>
+    </p:extLst>
+  </p:cSld>
+  <p:clrMapOvr>
+    <a:masterClrMapping/>
+  </p:clrMapOvr>
+  <p:timing>
+    <p:tnLst>
+      <p:par>
+        <p:cTn id="1" dur="indefinite" restart="never" nodeType="tmRoot"/>
+      </p:par>
+    </p:tnLst>
+  </p:timing>
+</p:sld>
+</file>
+
+<file path=ppt/slides/slide4.xml><?xml version="1.0" encoding="utf-8"?>
+<p:sld xmlns:a="http://schemas.openxmlformats.org/drawingml/2006/main" xmlns:r="http://schemas.openxmlformats.org/officeDocument/2006/relationships" xmlns:p="http://schemas.openxmlformats.org/presentationml/2006/main">
+  <p:cSld>
+    <p:spTree>
+      <p:nvGrpSpPr>
+        <p:cNvPr id="1" name=""/>
+        <p:cNvGrpSpPr/>
+        <p:nvPr/>
+      </p:nvGrpSpPr>
+      <p:grpSpPr>
+        <a:xfrm>
+          <a:off x="0" y="0"/>
+          <a:ext cx="0" cy="0"/>
+          <a:chOff x="0" y="0"/>
+          <a:chExt cx="0" cy="0"/>
+        </a:xfrm>
+      </p:grpSpPr>
+      <p:sp>
+        <p:nvSpPr>
+          <p:cNvPr id="30" name="Rectangle 29"/>
+          <p:cNvSpPr/>
+          <p:nvPr/>
+        </p:nvSpPr>
+        <p:spPr>
+          <a:xfrm>
+            <a:off x="762000" y="2667000"/>
+            <a:ext cx="1371600" cy="462306"/>
+          </a:xfrm>
+          <a:prstGeom prst="rect">
+            <a:avLst/>
+          </a:prstGeom>
+          <a:solidFill>
+            <a:schemeClr val="accent6">
+              <a:lumMod val="60000"/>
+              <a:lumOff val="40000"/>
+            </a:schemeClr>
+          </a:solidFill>
+        </p:spPr>
+        <p:style>
+          <a:lnRef idx="2">
+            <a:schemeClr val="accent1">
+              <a:shade val="50000"/>
+            </a:schemeClr>
+          </a:lnRef>
+          <a:fillRef idx="1">
+            <a:schemeClr val="accent1"/>
+          </a:fillRef>
+          <a:effectRef idx="0">
+            <a:schemeClr val="accent1"/>
+          </a:effectRef>
+          <a:fontRef idx="minor">
+            <a:schemeClr val="lt1"/>
+          </a:fontRef>
+        </p:style>
+        <p:txBody>
+          <a:bodyPr rtlCol="0" anchor="ctr"/>
+          <a:lstStyle/>
+          <a:p>
+            <a:pPr algn="ctr"/>
+            <a:r>
+              <a:rPr lang="en-US" dirty="0" smtClean="0"/>
+              <a:t>trader</a:t>
+            </a:r>
+            <a:endParaRPr lang="en-US" dirty="0"/>
+          </a:p>
+        </p:txBody>
+      </p:sp>
+      <p:sp>
+        <p:nvSpPr>
+          <p:cNvPr id="15" name="Rectangle 14"/>
+          <p:cNvSpPr/>
+          <p:nvPr/>
+        </p:nvSpPr>
+        <p:spPr>
+          <a:xfrm>
+            <a:off x="6781800" y="671728"/>
+            <a:ext cx="1371600" cy="462306"/>
+          </a:xfrm>
+          <a:prstGeom prst="rect">
+            <a:avLst/>
+          </a:prstGeom>
+          <a:solidFill>
+            <a:schemeClr val="accent6">
+              <a:lumMod val="60000"/>
+              <a:lumOff val="40000"/>
+            </a:schemeClr>
+          </a:solidFill>
+        </p:spPr>
+        <p:style>
+          <a:lnRef idx="2">
+            <a:schemeClr val="accent1">
+              <a:shade val="50000"/>
+            </a:schemeClr>
+          </a:lnRef>
+          <a:fillRef idx="1">
+            <a:schemeClr val="accent1"/>
+          </a:fillRef>
+          <a:effectRef idx="0">
+            <a:schemeClr val="accent1"/>
+          </a:effectRef>
+          <a:fontRef idx="minor">
+            <a:schemeClr val="lt1"/>
+          </a:fontRef>
+        </p:style>
+        <p:txBody>
+          <a:bodyPr rtlCol="0" anchor="ctr"/>
+          <a:lstStyle/>
+          <a:p>
+            <a:pPr algn="ctr"/>
+            <a:r>
+              <a:rPr lang="en-US" dirty="0" smtClean="0"/>
+              <a:t>exchange</a:t>
+            </a:r>
+            <a:endParaRPr lang="en-US" dirty="0"/>
+          </a:p>
+        </p:txBody>
+      </p:sp>
+      <p:sp>
+        <p:nvSpPr>
+          <p:cNvPr id="16" name="Rectangle 15"/>
+          <p:cNvSpPr/>
+          <p:nvPr/>
+        </p:nvSpPr>
+        <p:spPr>
+          <a:xfrm>
+            <a:off x="1007347" y="1676400"/>
+            <a:ext cx="1371600" cy="462306"/>
+          </a:xfrm>
+          <a:prstGeom prst="rect">
+            <a:avLst/>
+          </a:prstGeom>
+          <a:solidFill>
+            <a:schemeClr val="accent6">
+              <a:lumMod val="60000"/>
+              <a:lumOff val="40000"/>
+            </a:schemeClr>
+          </a:solidFill>
+        </p:spPr>
+        <p:style>
+          <a:lnRef idx="2">
+            <a:schemeClr val="accent1">
+              <a:shade val="50000"/>
+            </a:schemeClr>
+          </a:lnRef>
+          <a:fillRef idx="1">
+            <a:schemeClr val="accent1"/>
+          </a:fillRef>
+          <a:effectRef idx="0">
+            <a:schemeClr val="accent1"/>
+          </a:effectRef>
+          <a:fontRef idx="minor">
+            <a:schemeClr val="lt1"/>
+          </a:fontRef>
+        </p:style>
+        <p:txBody>
+          <a:bodyPr rtlCol="0" anchor="ctr"/>
+          <a:lstStyle/>
+          <a:p>
+            <a:pPr algn="ctr"/>
+            <a:r>
+              <a:rPr lang="en-US" dirty="0" smtClean="0"/>
+              <a:t>funds</a:t>
+            </a:r>
+            <a:endParaRPr lang="en-US" dirty="0"/>
+          </a:p>
+        </p:txBody>
+      </p:sp>
+      <p:sp>
+        <p:nvSpPr>
+          <p:cNvPr id="17" name="Rectangle 16"/>
+          <p:cNvSpPr/>
+          <p:nvPr/>
+        </p:nvSpPr>
+        <p:spPr>
+          <a:xfrm>
+            <a:off x="6096000" y="3048000"/>
+            <a:ext cx="2057400" cy="462306"/>
+          </a:xfrm>
+          <a:prstGeom prst="rect">
+            <a:avLst/>
+          </a:prstGeom>
+          <a:solidFill>
+            <a:schemeClr val="accent6">
+              <a:lumMod val="60000"/>
+              <a:lumOff val="40000"/>
+            </a:schemeClr>
+          </a:solidFill>
+        </p:spPr>
+        <p:style>
+          <a:lnRef idx="2">
+            <a:schemeClr val="accent1">
+              <a:shade val="50000"/>
+            </a:schemeClr>
+          </a:lnRef>
+          <a:fillRef idx="1">
+            <a:schemeClr val="accent1"/>
+          </a:fillRef>
+          <a:effectRef idx="0">
+            <a:schemeClr val="accent1"/>
+          </a:effectRef>
+          <a:fontRef idx="minor">
+            <a:schemeClr val="lt1"/>
+          </a:fontRef>
+        </p:style>
+        <p:txBody>
+          <a:bodyPr rtlCol="0" anchor="ctr"/>
+          <a:lstStyle/>
+          <a:p>
+            <a:pPr algn="ctr"/>
+            <a:r>
+              <a:rPr lang="en-US" dirty="0"/>
+              <a:t>o</a:t>
+            </a:r>
+            <a:r>
+              <a:rPr lang="en-US" dirty="0" smtClean="0"/>
+              <a:t>rder_book</a:t>
+            </a:r>
+            <a:endParaRPr lang="en-US" dirty="0"/>
+          </a:p>
+        </p:txBody>
+      </p:sp>
+      <p:sp>
+        <p:nvSpPr>
+          <p:cNvPr id="19" name="Rectangle 18"/>
+          <p:cNvSpPr/>
+          <p:nvPr/>
+        </p:nvSpPr>
+        <p:spPr>
+          <a:xfrm>
+            <a:off x="2930769" y="2204694"/>
+            <a:ext cx="1371600" cy="462306"/>
+          </a:xfrm>
+          <a:prstGeom prst="rect">
+            <a:avLst/>
+          </a:prstGeom>
+          <a:solidFill>
+            <a:schemeClr val="accent6">
+              <a:lumMod val="60000"/>
+              <a:lumOff val="40000"/>
+            </a:schemeClr>
+          </a:solidFill>
+        </p:spPr>
+        <p:style>
+          <a:lnRef idx="2">
+            <a:schemeClr val="accent1">
+              <a:shade val="50000"/>
+            </a:schemeClr>
+          </a:lnRef>
+          <a:fillRef idx="1">
+            <a:schemeClr val="accent1"/>
+          </a:fillRef>
+          <a:effectRef idx="0">
+            <a:schemeClr val="accent1"/>
+          </a:effectRef>
+          <a:fontRef idx="minor">
+            <a:schemeClr val="lt1"/>
+          </a:fontRef>
+        </p:style>
+        <p:txBody>
+          <a:bodyPr rtlCol="0" anchor="ctr"/>
+          <a:lstStyle/>
+          <a:p>
+            <a:pPr algn="ctr"/>
+            <a:r>
+              <a:rPr lang="en-US" dirty="0" smtClean="0"/>
+              <a:t>orders</a:t>
+            </a:r>
+            <a:endParaRPr lang="en-US" dirty="0"/>
+          </a:p>
+        </p:txBody>
+      </p:sp>
+      <p:sp>
+        <p:nvSpPr>
+          <p:cNvPr id="20" name="Rectangle 19"/>
+          <p:cNvSpPr/>
+          <p:nvPr/>
+        </p:nvSpPr>
+        <p:spPr>
+          <a:xfrm>
+            <a:off x="5867400" y="5489831"/>
+            <a:ext cx="1371600" cy="462306"/>
+          </a:xfrm>
+          <a:prstGeom prst="rect">
+            <a:avLst/>
+          </a:prstGeom>
+          <a:solidFill>
+            <a:schemeClr val="accent6">
+              <a:lumMod val="60000"/>
+              <a:lumOff val="40000"/>
+            </a:schemeClr>
+          </a:solidFill>
+        </p:spPr>
+        <p:style>
+          <a:lnRef idx="2">
+            <a:schemeClr val="accent1">
+              <a:shade val="50000"/>
+            </a:schemeClr>
+          </a:lnRef>
+          <a:fillRef idx="1">
+            <a:schemeClr val="accent1"/>
+          </a:fillRef>
+          <a:effectRef idx="0">
+            <a:schemeClr val="accent1"/>
+          </a:effectRef>
+          <a:fontRef idx="minor">
+            <a:schemeClr val="lt1"/>
+          </a:fontRef>
+        </p:style>
+        <p:txBody>
+          <a:bodyPr rtlCol="0" anchor="ctr"/>
+          <a:lstStyle/>
+          <a:p>
+            <a:pPr algn="ctr"/>
+            <a:r>
+              <a:rPr lang="en-US" dirty="0" smtClean="0"/>
+              <a:t>trades</a:t>
+            </a:r>
+            <a:endParaRPr lang="en-US" dirty="0"/>
+          </a:p>
+        </p:txBody>
+      </p:sp>
+      <p:sp>
+        <p:nvSpPr>
+          <p:cNvPr id="21" name="Rectangle 20"/>
+          <p:cNvSpPr/>
+          <p:nvPr/>
+        </p:nvSpPr>
+        <p:spPr>
+          <a:xfrm>
+            <a:off x="5029200" y="1524000"/>
+            <a:ext cx="1371600" cy="462306"/>
+          </a:xfrm>
+          <a:prstGeom prst="rect">
+            <a:avLst/>
+          </a:prstGeom>
+          <a:solidFill>
+            <a:schemeClr val="accent6">
+              <a:lumMod val="60000"/>
+              <a:lumOff val="40000"/>
+            </a:schemeClr>
+          </a:solidFill>
+        </p:spPr>
+        <p:style>
+          <a:lnRef idx="2">
+            <a:schemeClr val="accent1">
+              <a:shade val="50000"/>
+            </a:schemeClr>
+          </a:lnRef>
+          <a:fillRef idx="1">
+            <a:schemeClr val="accent1"/>
+          </a:fillRef>
+          <a:effectRef idx="0">
+            <a:schemeClr val="accent1"/>
+          </a:effectRef>
+          <a:fontRef idx="minor">
+            <a:schemeClr val="lt1"/>
+          </a:fontRef>
+        </p:style>
+        <p:txBody>
+          <a:bodyPr rtlCol="0" anchor="ctr"/>
+          <a:lstStyle/>
+          <a:p>
+            <a:pPr algn="ctr"/>
+            <a:r>
+              <a:rPr lang="en-US" dirty="0" smtClean="0"/>
+              <a:t>socket</a:t>
+            </a:r>
+            <a:endParaRPr lang="en-US" dirty="0"/>
+          </a:p>
+        </p:txBody>
+      </p:sp>
+      <p:sp>
+        <p:nvSpPr>
+          <p:cNvPr id="22" name="Rectangle 21"/>
+          <p:cNvSpPr/>
+          <p:nvPr/>
+        </p:nvSpPr>
+        <p:spPr>
+          <a:xfrm>
+            <a:off x="3505200" y="457527"/>
+            <a:ext cx="1371600" cy="462306"/>
+          </a:xfrm>
+          <a:prstGeom prst="rect">
+            <a:avLst/>
+          </a:prstGeom>
+          <a:solidFill>
+            <a:schemeClr val="accent6">
+              <a:lumMod val="60000"/>
+              <a:lumOff val="40000"/>
+            </a:schemeClr>
+          </a:solidFill>
+        </p:spPr>
+        <p:style>
+          <a:lnRef idx="2">
+            <a:schemeClr val="accent1">
+              <a:shade val="50000"/>
+            </a:schemeClr>
+          </a:lnRef>
+          <a:fillRef idx="1">
+            <a:schemeClr val="accent1"/>
+          </a:fillRef>
+          <a:effectRef idx="0">
+            <a:schemeClr val="accent1"/>
+          </a:effectRef>
+          <a:fontRef idx="minor">
+            <a:schemeClr val="lt1"/>
+          </a:fontRef>
+        </p:style>
+        <p:txBody>
+          <a:bodyPr rtlCol="0" anchor="ctr"/>
+          <a:lstStyle/>
+          <a:p>
+            <a:pPr algn="ctr"/>
+            <a:r>
+              <a:rPr lang="en-US" dirty="0" smtClean="0"/>
+              <a:t>time</a:t>
+            </a:r>
+            <a:endParaRPr lang="en-US" dirty="0"/>
+          </a:p>
+        </p:txBody>
+      </p:sp>
+      <p:sp>
+        <p:nvSpPr>
+          <p:cNvPr id="23" name="Rectangle 22"/>
+          <p:cNvSpPr/>
+          <p:nvPr/>
+        </p:nvSpPr>
+        <p:spPr>
+          <a:xfrm>
+            <a:off x="3352800" y="4184324"/>
+            <a:ext cx="1371600" cy="462306"/>
+          </a:xfrm>
+          <a:prstGeom prst="rect">
+            <a:avLst/>
+          </a:prstGeom>
+          <a:solidFill>
+            <a:schemeClr val="accent6">
+              <a:lumMod val="60000"/>
+              <a:lumOff val="40000"/>
+            </a:schemeClr>
+          </a:solidFill>
+        </p:spPr>
+        <p:style>
+          <a:lnRef idx="2">
+            <a:schemeClr val="accent1">
+              <a:shade val="50000"/>
+            </a:schemeClr>
+          </a:lnRef>
+          <a:fillRef idx="1">
+            <a:schemeClr val="accent1"/>
+          </a:fillRef>
+          <a:effectRef idx="0">
+            <a:schemeClr val="accent1"/>
+          </a:effectRef>
+          <a:fontRef idx="minor">
+            <a:schemeClr val="lt1"/>
+          </a:fontRef>
+        </p:style>
+        <p:txBody>
+          <a:bodyPr rtlCol="0" anchor="ctr"/>
+          <a:lstStyle/>
+          <a:p>
+            <a:pPr algn="ctr"/>
+            <a:r>
+              <a:rPr lang="en-US" dirty="0" smtClean="0"/>
+              <a:t>interface</a:t>
+            </a:r>
+            <a:endParaRPr lang="en-US" dirty="0"/>
+          </a:p>
+        </p:txBody>
+      </p:sp>
+      <p:sp>
+        <p:nvSpPr>
+          <p:cNvPr id="24" name="Rectangle 23"/>
+          <p:cNvSpPr/>
+          <p:nvPr/>
+        </p:nvSpPr>
+        <p:spPr>
+          <a:xfrm>
+            <a:off x="5715000" y="4191000"/>
+            <a:ext cx="1371600" cy="462306"/>
+          </a:xfrm>
+          <a:prstGeom prst="rect">
+            <a:avLst/>
+          </a:prstGeom>
+          <a:solidFill>
+            <a:schemeClr val="accent6">
+              <a:lumMod val="60000"/>
+              <a:lumOff val="40000"/>
+            </a:schemeClr>
+          </a:solidFill>
+        </p:spPr>
+        <p:style>
+          <a:lnRef idx="2">
+            <a:schemeClr val="accent1">
+              <a:shade val="50000"/>
+            </a:schemeClr>
+          </a:lnRef>
+          <a:fillRef idx="1">
+            <a:schemeClr val="accent1"/>
+          </a:fillRef>
+          <a:effectRef idx="0">
+            <a:schemeClr val="accent1"/>
+          </a:effectRef>
+          <a:fontRef idx="minor">
+            <a:schemeClr val="lt1"/>
+          </a:fontRef>
+        </p:style>
+        <p:txBody>
+          <a:bodyPr rtlCol="0" anchor="ctr"/>
+          <a:lstStyle/>
+          <a:p>
+            <a:pPr algn="ctr"/>
+            <a:r>
+              <a:rPr lang="en-US" dirty="0" smtClean="0"/>
+              <a:t>api</a:t>
+            </a:r>
+            <a:endParaRPr lang="en-US" dirty="0"/>
+          </a:p>
+        </p:txBody>
+      </p:sp>
+      <p:sp>
+        <p:nvSpPr>
+          <p:cNvPr id="25" name="Rectangle 24"/>
+          <p:cNvSpPr/>
+          <p:nvPr/>
+        </p:nvSpPr>
+        <p:spPr>
+          <a:xfrm>
+            <a:off x="762000" y="440575"/>
+            <a:ext cx="1371600" cy="462306"/>
+          </a:xfrm>
+          <a:prstGeom prst="rect">
+            <a:avLst/>
+          </a:prstGeom>
+          <a:solidFill>
+            <a:schemeClr val="accent6">
+              <a:lumMod val="60000"/>
+              <a:lumOff val="40000"/>
+            </a:schemeClr>
+          </a:solidFill>
+        </p:spPr>
+        <p:style>
+          <a:lnRef idx="2">
+            <a:schemeClr val="accent1">
+              <a:shade val="50000"/>
+            </a:schemeClr>
+          </a:lnRef>
+          <a:fillRef idx="1">
+            <a:schemeClr val="accent1"/>
+          </a:fillRef>
+          <a:effectRef idx="0">
+            <a:schemeClr val="accent1"/>
+          </a:effectRef>
+          <a:fontRef idx="minor">
+            <a:schemeClr val="lt1"/>
+          </a:fontRef>
+        </p:style>
+        <p:txBody>
+          <a:bodyPr rtlCol="0" anchor="ctr"/>
+          <a:lstStyle/>
+          <a:p>
+            <a:pPr algn="ctr"/>
+            <a:r>
+              <a:rPr lang="en-US" dirty="0" smtClean="0"/>
+              <a:t>javascript</a:t>
+            </a:r>
+            <a:endParaRPr lang="en-US" dirty="0"/>
+          </a:p>
+        </p:txBody>
+      </p:sp>
+      <p:sp>
+        <p:nvSpPr>
+          <p:cNvPr id="26" name="Rectangle 25"/>
+          <p:cNvSpPr/>
+          <p:nvPr/>
+        </p:nvSpPr>
+        <p:spPr>
+          <a:xfrm>
+            <a:off x="775398" y="4093051"/>
+            <a:ext cx="1371600" cy="462306"/>
+          </a:xfrm>
+          <a:prstGeom prst="rect">
+            <a:avLst/>
+          </a:prstGeom>
+          <a:solidFill>
+            <a:schemeClr val="accent6">
+              <a:lumMod val="60000"/>
+              <a:lumOff val="40000"/>
+            </a:schemeClr>
+          </a:solidFill>
+        </p:spPr>
+        <p:style>
+          <a:lnRef idx="2">
+            <a:schemeClr val="accent1">
+              <a:shade val="50000"/>
+            </a:schemeClr>
+          </a:lnRef>
+          <a:fillRef idx="1">
+            <a:schemeClr val="accent1"/>
+          </a:fillRef>
+          <a:effectRef idx="0">
+            <a:schemeClr val="accent1"/>
+          </a:effectRef>
+          <a:fontRef idx="minor">
+            <a:schemeClr val="lt1"/>
+          </a:fontRef>
+        </p:style>
+        <p:txBody>
+          <a:bodyPr rtlCol="0" anchor="ctr"/>
+          <a:lstStyle/>
+          <a:p>
+            <a:pPr algn="ctr"/>
+            <a:r>
+              <a:rPr lang="en-US" dirty="0" smtClean="0"/>
+              <a:t>php</a:t>
+            </a:r>
+            <a:endParaRPr lang="en-US" dirty="0"/>
+          </a:p>
+        </p:txBody>
+      </p:sp>
+      <p:sp>
+        <p:nvSpPr>
+          <p:cNvPr id="27" name="Rectangle 26"/>
+          <p:cNvSpPr/>
+          <p:nvPr/>
+        </p:nvSpPr>
+        <p:spPr>
+          <a:xfrm>
+            <a:off x="1684773" y="5258678"/>
+            <a:ext cx="1371600" cy="462306"/>
+          </a:xfrm>
+          <a:prstGeom prst="rect">
+            <a:avLst/>
+          </a:prstGeom>
+          <a:solidFill>
+            <a:schemeClr val="accent6">
+              <a:lumMod val="60000"/>
+              <a:lumOff val="40000"/>
+            </a:schemeClr>
+          </a:solidFill>
+        </p:spPr>
+        <p:style>
+          <a:lnRef idx="2">
+            <a:schemeClr val="accent1">
+              <a:shade val="50000"/>
+            </a:schemeClr>
+          </a:lnRef>
+          <a:fillRef idx="1">
+            <a:schemeClr val="accent1"/>
+          </a:fillRef>
+          <a:effectRef idx="0">
+            <a:schemeClr val="accent1"/>
+          </a:effectRef>
+          <a:fontRef idx="minor">
+            <a:schemeClr val="lt1"/>
+          </a:fontRef>
+        </p:style>
+        <p:txBody>
+          <a:bodyPr rtlCol="0" anchor="ctr"/>
+          <a:lstStyle/>
+          <a:p>
+            <a:pPr algn="ctr"/>
+            <a:r>
+              <a:rPr lang="en-US" dirty="0" smtClean="0"/>
+              <a:t>session</a:t>
+            </a:r>
+            <a:endParaRPr lang="en-US" dirty="0"/>
+          </a:p>
+        </p:txBody>
+      </p:sp>
+    </p:spTree>
+    <p:extLst>
+      <p:ext uri="{BB962C8B-B14F-4D97-AF65-F5344CB8AC3E}">
+        <p14:creationId xmlns:p14="http://schemas.microsoft.com/office/powerpoint/2010/main" val="871240030"/>
       </p:ext>
     </p:extLst>
   </p:cSld>

--- a/Document.pptx
+++ b/Document.pptx
@@ -6264,13 +6264,13 @@
       </p:grpSpPr>
       <p:sp>
         <p:nvSpPr>
-          <p:cNvPr id="30" name="Rectangle 29"/>
+          <p:cNvPr id="15" name="Rectangle 14"/>
           <p:cNvSpPr/>
           <p:nvPr/>
         </p:nvSpPr>
         <p:spPr>
           <a:xfrm>
-            <a:off x="762000" y="2667000"/>
+            <a:off x="6858000" y="499435"/>
             <a:ext cx="1371600" cy="462306"/>
           </a:xfrm>
           <a:prstGeom prst="rect">
@@ -6306,7 +6306,7 @@
             <a:pPr algn="ctr"/>
             <a:r>
               <a:rPr lang="en-US" dirty="0" smtClean="0"/>
-              <a:t>trader</a:t>
+              <a:t>exchange</a:t>
             </a:r>
             <a:endParaRPr lang="en-US" dirty="0"/>
           </a:p>
@@ -6314,13 +6314,13 @@
       </p:sp>
       <p:sp>
         <p:nvSpPr>
-          <p:cNvPr id="15" name="Rectangle 14"/>
+          <p:cNvPr id="16" name="Rectangle 15"/>
           <p:cNvSpPr/>
           <p:nvPr/>
         </p:nvSpPr>
         <p:spPr>
           <a:xfrm>
-            <a:off x="6781800" y="671728"/>
+            <a:off x="6476869" y="2476380"/>
             <a:ext cx="1371600" cy="462306"/>
           </a:xfrm>
           <a:prstGeom prst="rect">
@@ -6356,7 +6356,7 @@
             <a:pPr algn="ctr"/>
             <a:r>
               <a:rPr lang="en-US" dirty="0" smtClean="0"/>
-              <a:t>exchange</a:t>
+              <a:t>funds</a:t>
             </a:r>
             <a:endParaRPr lang="en-US" dirty="0"/>
           </a:p>
@@ -6364,14 +6364,14 @@
       </p:sp>
       <p:sp>
         <p:nvSpPr>
-          <p:cNvPr id="16" name="Rectangle 15"/>
+          <p:cNvPr id="17" name="Rectangle 16"/>
           <p:cNvSpPr/>
           <p:nvPr/>
         </p:nvSpPr>
         <p:spPr>
           <a:xfrm>
-            <a:off x="1007347" y="1676400"/>
-            <a:ext cx="1371600" cy="462306"/>
+            <a:off x="5102419" y="3607171"/>
+            <a:ext cx="1624588" cy="391967"/>
           </a:xfrm>
           <a:prstGeom prst="rect">
             <a:avLst/>
@@ -6405,8 +6405,12 @@
           <a:p>
             <a:pPr algn="ctr"/>
             <a:r>
+              <a:rPr lang="en-US" dirty="0"/>
+              <a:t>o</a:t>
+            </a:r>
+            <a:r>
               <a:rPr lang="en-US" dirty="0" smtClean="0"/>
-              <a:t>funds</a:t>
+              <a:t>rder_book</a:t>
             </a:r>
             <a:endParaRPr lang="en-US" dirty="0"/>
           </a:p>
@@ -6414,14 +6418,14 @@
       </p:sp>
       <p:sp>
         <p:nvSpPr>
-          <p:cNvPr id="17" name="Rectangle 16"/>
+          <p:cNvPr id="19" name="Rectangle 18"/>
           <p:cNvSpPr/>
           <p:nvPr/>
         </p:nvSpPr>
         <p:spPr>
           <a:xfrm>
-            <a:off x="6096000" y="3048000"/>
-            <a:ext cx="2057400" cy="462306"/>
+            <a:off x="5102419" y="4280681"/>
+            <a:ext cx="1592246" cy="402737"/>
           </a:xfrm>
           <a:prstGeom prst="rect">
             <a:avLst/>
@@ -6455,12 +6459,8 @@
           <a:p>
             <a:pPr algn="ctr"/>
             <a:r>
-              <a:rPr lang="en-US" dirty="0"/>
-              <a:t>o</a:t>
-            </a:r>
-            <a:r>
               <a:rPr lang="en-US" dirty="0" smtClean="0"/>
-              <a:t>rder_book</a:t>
+              <a:t>lots</a:t>
             </a:r>
             <a:endParaRPr lang="en-US" dirty="0"/>
           </a:p>
@@ -6468,14 +6468,14 @@
       </p:sp>
       <p:sp>
         <p:nvSpPr>
-          <p:cNvPr id="19" name="Rectangle 18"/>
+          <p:cNvPr id="20" name="Rectangle 19"/>
           <p:cNvSpPr/>
           <p:nvPr/>
         </p:nvSpPr>
         <p:spPr>
           <a:xfrm>
-            <a:off x="2930769" y="2204694"/>
-            <a:ext cx="1371600" cy="462306"/>
+            <a:off x="5454657" y="5667277"/>
+            <a:ext cx="1592246" cy="386106"/>
           </a:xfrm>
           <a:prstGeom prst="rect">
             <a:avLst/>
@@ -6510,7 +6510,7 @@
             <a:pPr algn="ctr"/>
             <a:r>
               <a:rPr lang="en-US" dirty="0" smtClean="0"/>
-              <a:t>orders</a:t>
+              <a:t>trades</a:t>
             </a:r>
             <a:endParaRPr lang="en-US" dirty="0"/>
           </a:p>
@@ -6518,13 +6518,13 @@
       </p:sp>
       <p:sp>
         <p:nvSpPr>
-          <p:cNvPr id="20" name="Rectangle 19"/>
+          <p:cNvPr id="21" name="Rectangle 20"/>
           <p:cNvSpPr/>
           <p:nvPr/>
         </p:nvSpPr>
         <p:spPr>
           <a:xfrm>
-            <a:off x="5867400" y="5489831"/>
+            <a:off x="3921631" y="440575"/>
             <a:ext cx="1371600" cy="462306"/>
           </a:xfrm>
           <a:prstGeom prst="rect">
@@ -6560,7 +6560,7 @@
             <a:pPr algn="ctr"/>
             <a:r>
               <a:rPr lang="en-US" dirty="0" smtClean="0"/>
-              <a:t>trades</a:t>
+              <a:t>socket</a:t>
             </a:r>
             <a:endParaRPr lang="en-US" dirty="0"/>
           </a:p>
@@ -6568,13 +6568,13 @@
       </p:sp>
       <p:sp>
         <p:nvSpPr>
-          <p:cNvPr id="21" name="Rectangle 20"/>
+          <p:cNvPr id="22" name="Rectangle 21"/>
           <p:cNvSpPr/>
           <p:nvPr/>
         </p:nvSpPr>
         <p:spPr>
           <a:xfrm>
-            <a:off x="5029200" y="1524000"/>
+            <a:off x="762000" y="1358202"/>
             <a:ext cx="1371600" cy="462306"/>
           </a:xfrm>
           <a:prstGeom prst="rect">
@@ -6610,7 +6610,7 @@
             <a:pPr algn="ctr"/>
             <a:r>
               <a:rPr lang="en-US" dirty="0" smtClean="0"/>
-              <a:t>socket</a:t>
+              <a:t>time</a:t>
             </a:r>
             <a:endParaRPr lang="en-US" dirty="0"/>
           </a:p>
@@ -6618,13 +6618,13 @@
       </p:sp>
       <p:sp>
         <p:nvSpPr>
-          <p:cNvPr id="22" name="Rectangle 21"/>
+          <p:cNvPr id="23" name="Rectangle 22"/>
           <p:cNvSpPr/>
           <p:nvPr/>
         </p:nvSpPr>
         <p:spPr>
           <a:xfrm>
-            <a:off x="3505200" y="457527"/>
+            <a:off x="5337822" y="1427029"/>
             <a:ext cx="1371600" cy="462306"/>
           </a:xfrm>
           <a:prstGeom prst="rect">
@@ -6660,7 +6660,7 @@
             <a:pPr algn="ctr"/>
             <a:r>
               <a:rPr lang="en-US" dirty="0" smtClean="0"/>
-              <a:t>time</a:t>
+              <a:t>interface</a:t>
             </a:r>
             <a:endParaRPr lang="en-US" dirty="0"/>
           </a:p>
@@ -6668,13 +6668,13 @@
       </p:sp>
       <p:sp>
         <p:nvSpPr>
-          <p:cNvPr id="23" name="Rectangle 22"/>
+          <p:cNvPr id="25" name="Rectangle 24"/>
           <p:cNvSpPr/>
           <p:nvPr/>
         </p:nvSpPr>
         <p:spPr>
           <a:xfrm>
-            <a:off x="3352800" y="4184324"/>
+            <a:off x="762000" y="440575"/>
             <a:ext cx="1371600" cy="462306"/>
           </a:xfrm>
           <a:prstGeom prst="rect">
@@ -6710,7 +6710,7 @@
             <a:pPr algn="ctr"/>
             <a:r>
               <a:rPr lang="en-US" dirty="0" smtClean="0"/>
-              <a:t>interface</a:t>
+              <a:t>javascript</a:t>
             </a:r>
             <a:endParaRPr lang="en-US" dirty="0"/>
           </a:p>
@@ -6718,13 +6718,13 @@
       </p:sp>
       <p:sp>
         <p:nvSpPr>
-          <p:cNvPr id="24" name="Rectangle 23"/>
+          <p:cNvPr id="26" name="Rectangle 25"/>
           <p:cNvSpPr/>
           <p:nvPr/>
         </p:nvSpPr>
         <p:spPr>
           <a:xfrm>
-            <a:off x="5715000" y="4191000"/>
+            <a:off x="761999" y="2469881"/>
             <a:ext cx="1371600" cy="462306"/>
           </a:xfrm>
           <a:prstGeom prst="rect">
@@ -6760,7 +6760,7 @@
             <a:pPr algn="ctr"/>
             <a:r>
               <a:rPr lang="en-US" dirty="0" smtClean="0"/>
-              <a:t>api</a:t>
+              <a:t>php</a:t>
             </a:r>
             <a:endParaRPr lang="en-US" dirty="0"/>
           </a:p>
@@ -6768,13 +6768,13 @@
       </p:sp>
       <p:sp>
         <p:nvSpPr>
-          <p:cNvPr id="25" name="Rectangle 24"/>
+          <p:cNvPr id="27" name="Rectangle 26"/>
           <p:cNvSpPr/>
           <p:nvPr/>
         </p:nvSpPr>
         <p:spPr>
           <a:xfrm>
-            <a:off x="762000" y="440575"/>
+            <a:off x="1938887" y="4442971"/>
             <a:ext cx="1371600" cy="462306"/>
           </a:xfrm>
           <a:prstGeom prst="rect">
@@ -6810,21 +6810,318 @@
             <a:pPr algn="ctr"/>
             <a:r>
               <a:rPr lang="en-US" dirty="0" smtClean="0"/>
-              <a:t>javascript</a:t>
+              <a:t>session</a:t>
             </a:r>
             <a:endParaRPr lang="en-US" dirty="0"/>
           </a:p>
         </p:txBody>
       </p:sp>
-      <p:sp>
-        <p:nvSpPr>
-          <p:cNvPr id="26" name="Rectangle 25"/>
+      <p:cxnSp>
+        <p:nvCxnSpPr>
+          <p:cNvPr id="3" name="Straight Connector 2"/>
+          <p:cNvCxnSpPr>
+            <a:stCxn id="15" idx="1"/>
+            <a:endCxn id="21" idx="3"/>
+          </p:cNvCxnSpPr>
+          <p:nvPr/>
+        </p:nvCxnSpPr>
+        <p:spPr>
+          <a:xfrm flipH="1" flipV="1">
+            <a:off x="5293231" y="671728"/>
+            <a:ext cx="1564769" cy="58860"/>
+          </a:xfrm>
+          <a:prstGeom prst="line">
+            <a:avLst/>
+          </a:prstGeom>
+        </p:spPr>
+        <p:style>
+          <a:lnRef idx="1">
+            <a:schemeClr val="accent1"/>
+          </a:lnRef>
+          <a:fillRef idx="0">
+            <a:schemeClr val="accent1"/>
+          </a:fillRef>
+          <a:effectRef idx="0">
+            <a:schemeClr val="accent1"/>
+          </a:effectRef>
+          <a:fontRef idx="minor">
+            <a:schemeClr val="tx1"/>
+          </a:fontRef>
+        </p:style>
+      </p:cxnSp>
+      <p:cxnSp>
+        <p:nvCxnSpPr>
+          <p:cNvPr id="5" name="Straight Connector 4"/>
+          <p:cNvCxnSpPr>
+            <a:stCxn id="25" idx="3"/>
+            <a:endCxn id="21" idx="1"/>
+          </p:cNvCxnSpPr>
+          <p:nvPr/>
+        </p:nvCxnSpPr>
+        <p:spPr>
+          <a:xfrm>
+            <a:off x="2133600" y="671728"/>
+            <a:ext cx="1788031" cy="0"/>
+          </a:xfrm>
+          <a:prstGeom prst="line">
+            <a:avLst/>
+          </a:prstGeom>
+        </p:spPr>
+        <p:style>
+          <a:lnRef idx="1">
+            <a:schemeClr val="accent1"/>
+          </a:lnRef>
+          <a:fillRef idx="0">
+            <a:schemeClr val="accent1"/>
+          </a:fillRef>
+          <a:effectRef idx="0">
+            <a:schemeClr val="accent1"/>
+          </a:effectRef>
+          <a:fontRef idx="minor">
+            <a:schemeClr val="tx1"/>
+          </a:fontRef>
+        </p:style>
+      </p:cxnSp>
+      <p:cxnSp>
+        <p:nvCxnSpPr>
+          <p:cNvPr id="7" name="Straight Connector 6"/>
+          <p:cNvCxnSpPr>
+            <a:stCxn id="25" idx="2"/>
+            <a:endCxn id="22" idx="0"/>
+          </p:cNvCxnSpPr>
+          <p:nvPr/>
+        </p:nvCxnSpPr>
+        <p:spPr>
+          <a:xfrm>
+            <a:off x="1447800" y="902881"/>
+            <a:ext cx="0" cy="455321"/>
+          </a:xfrm>
+          <a:prstGeom prst="line">
+            <a:avLst/>
+          </a:prstGeom>
+        </p:spPr>
+        <p:style>
+          <a:lnRef idx="1">
+            <a:schemeClr val="accent1"/>
+          </a:lnRef>
+          <a:fillRef idx="0">
+            <a:schemeClr val="accent1"/>
+          </a:fillRef>
+          <a:effectRef idx="0">
+            <a:schemeClr val="accent1"/>
+          </a:effectRef>
+          <a:fontRef idx="minor">
+            <a:schemeClr val="tx1"/>
+          </a:fontRef>
+        </p:style>
+      </p:cxnSp>
+      <p:cxnSp>
+        <p:nvCxnSpPr>
+          <p:cNvPr id="9" name="Straight Connector 8"/>
+          <p:cNvCxnSpPr>
+            <a:stCxn id="22" idx="2"/>
+            <a:endCxn id="26" idx="0"/>
+          </p:cNvCxnSpPr>
+          <p:nvPr/>
+        </p:nvCxnSpPr>
+        <p:spPr>
+          <a:xfrm flipH="1">
+            <a:off x="1447799" y="1820508"/>
+            <a:ext cx="1" cy="649373"/>
+          </a:xfrm>
+          <a:prstGeom prst="line">
+            <a:avLst/>
+          </a:prstGeom>
+        </p:spPr>
+        <p:style>
+          <a:lnRef idx="1">
+            <a:schemeClr val="accent1"/>
+          </a:lnRef>
+          <a:fillRef idx="0">
+            <a:schemeClr val="accent1"/>
+          </a:fillRef>
+          <a:effectRef idx="0">
+            <a:schemeClr val="accent1"/>
+          </a:effectRef>
+          <a:fontRef idx="minor">
+            <a:schemeClr val="tx1"/>
+          </a:fontRef>
+        </p:style>
+      </p:cxnSp>
+      <p:cxnSp>
+        <p:nvCxnSpPr>
+          <p:cNvPr id="13" name="Elbow Connector 12"/>
+          <p:cNvCxnSpPr>
+            <a:stCxn id="26" idx="2"/>
+            <a:endCxn id="27" idx="1"/>
+          </p:cNvCxnSpPr>
+          <p:nvPr/>
+        </p:nvCxnSpPr>
+        <p:spPr>
+          <a:xfrm rot="16200000" flipH="1">
+            <a:off x="822375" y="3557611"/>
+            <a:ext cx="1741937" cy="491088"/>
+          </a:xfrm>
+          <a:prstGeom prst="bentConnector2">
+            <a:avLst/>
+          </a:prstGeom>
+        </p:spPr>
+        <p:style>
+          <a:lnRef idx="1">
+            <a:schemeClr val="accent1"/>
+          </a:lnRef>
+          <a:fillRef idx="0">
+            <a:schemeClr val="accent1"/>
+          </a:fillRef>
+          <a:effectRef idx="0">
+            <a:schemeClr val="accent1"/>
+          </a:effectRef>
+          <a:fontRef idx="minor">
+            <a:schemeClr val="tx1"/>
+          </a:fontRef>
+        </p:style>
+      </p:cxnSp>
+      <p:cxnSp>
+        <p:nvCxnSpPr>
+          <p:cNvPr id="18" name="Straight Connector 17"/>
+          <p:cNvCxnSpPr>
+            <a:stCxn id="53" idx="3"/>
+            <a:endCxn id="23" idx="1"/>
+          </p:cNvCxnSpPr>
+          <p:nvPr/>
+        </p:nvCxnSpPr>
+        <p:spPr>
+          <a:xfrm flipV="1">
+            <a:off x="3505200" y="1658182"/>
+            <a:ext cx="1832622" cy="1681098"/>
+          </a:xfrm>
+          <a:prstGeom prst="line">
+            <a:avLst/>
+          </a:prstGeom>
+        </p:spPr>
+        <p:style>
+          <a:lnRef idx="1">
+            <a:schemeClr val="accent1"/>
+          </a:lnRef>
+          <a:fillRef idx="0">
+            <a:schemeClr val="accent1"/>
+          </a:fillRef>
+          <a:effectRef idx="0">
+            <a:schemeClr val="accent1"/>
+          </a:effectRef>
+          <a:fontRef idx="minor">
+            <a:schemeClr val="tx1"/>
+          </a:fontRef>
+        </p:style>
+      </p:cxnSp>
+      <p:cxnSp>
+        <p:nvCxnSpPr>
+          <p:cNvPr id="32" name="Straight Connector 31"/>
+          <p:cNvCxnSpPr>
+            <a:stCxn id="23" idx="3"/>
+            <a:endCxn id="15" idx="2"/>
+          </p:cNvCxnSpPr>
+          <p:nvPr/>
+        </p:nvCxnSpPr>
+        <p:spPr>
+          <a:xfrm flipV="1">
+            <a:off x="6709422" y="961741"/>
+            <a:ext cx="834378" cy="696441"/>
+          </a:xfrm>
+          <a:prstGeom prst="line">
+            <a:avLst/>
+          </a:prstGeom>
+        </p:spPr>
+        <p:style>
+          <a:lnRef idx="1">
+            <a:schemeClr val="accent1"/>
+          </a:lnRef>
+          <a:fillRef idx="0">
+            <a:schemeClr val="accent1"/>
+          </a:fillRef>
+          <a:effectRef idx="0">
+            <a:schemeClr val="accent1"/>
+          </a:effectRef>
+          <a:fontRef idx="minor">
+            <a:schemeClr val="tx1"/>
+          </a:fontRef>
+        </p:style>
+      </p:cxnSp>
+      <p:cxnSp>
+        <p:nvCxnSpPr>
+          <p:cNvPr id="49" name="Elbow Connector 48"/>
+          <p:cNvCxnSpPr>
+            <a:stCxn id="27" idx="3"/>
+            <a:endCxn id="17" idx="1"/>
+          </p:cNvCxnSpPr>
+          <p:nvPr/>
+        </p:nvCxnSpPr>
+        <p:spPr>
+          <a:xfrm flipV="1">
+            <a:off x="3310487" y="3803155"/>
+            <a:ext cx="1791932" cy="870969"/>
+          </a:xfrm>
+          <a:prstGeom prst="bentConnector3">
+            <a:avLst/>
+          </a:prstGeom>
+        </p:spPr>
+        <p:style>
+          <a:lnRef idx="1">
+            <a:schemeClr val="accent1"/>
+          </a:lnRef>
+          <a:fillRef idx="0">
+            <a:schemeClr val="accent1"/>
+          </a:fillRef>
+          <a:effectRef idx="0">
+            <a:schemeClr val="accent1"/>
+          </a:effectRef>
+          <a:fontRef idx="minor">
+            <a:schemeClr val="tx1"/>
+          </a:fontRef>
+        </p:style>
+      </p:cxnSp>
+      <p:cxnSp>
+        <p:nvCxnSpPr>
+          <p:cNvPr id="51" name="Elbow Connector 50"/>
+          <p:cNvCxnSpPr>
+            <a:stCxn id="168" idx="3"/>
+            <a:endCxn id="20" idx="1"/>
+          </p:cNvCxnSpPr>
+          <p:nvPr/>
+        </p:nvCxnSpPr>
+        <p:spPr>
+          <a:xfrm>
+            <a:off x="3255928" y="5629177"/>
+            <a:ext cx="2198729" cy="231153"/>
+          </a:xfrm>
+          <a:prstGeom prst="bentConnector3">
+            <a:avLst/>
+          </a:prstGeom>
+        </p:spPr>
+        <p:style>
+          <a:lnRef idx="1">
+            <a:schemeClr val="accent1"/>
+          </a:lnRef>
+          <a:fillRef idx="0">
+            <a:schemeClr val="accent1"/>
+          </a:fillRef>
+          <a:effectRef idx="0">
+            <a:schemeClr val="accent1"/>
+          </a:effectRef>
+          <a:fontRef idx="minor">
+            <a:schemeClr val="tx1"/>
+          </a:fontRef>
+        </p:style>
+      </p:cxnSp>
+      <p:sp>
+        <p:nvSpPr>
+          <p:cNvPr id="53" name="Rectangle 52"/>
           <p:cNvSpPr/>
           <p:nvPr/>
         </p:nvSpPr>
         <p:spPr>
           <a:xfrm>
-            <a:off x="775398" y="4093051"/>
+            <a:off x="2133600" y="3108127"/>
             <a:ext cx="1371600" cy="462306"/>
           </a:xfrm>
           <a:prstGeom prst="rect">
@@ -6860,21 +7157,122 @@
             <a:pPr algn="ctr"/>
             <a:r>
               <a:rPr lang="en-US" dirty="0" smtClean="0"/>
-              <a:t>php</a:t>
+              <a:t>trader</a:t>
             </a:r>
             <a:endParaRPr lang="en-US" dirty="0"/>
           </a:p>
         </p:txBody>
       </p:sp>
-      <p:sp>
-        <p:nvSpPr>
-          <p:cNvPr id="27" name="Rectangle 26"/>
+      <p:cxnSp>
+        <p:nvCxnSpPr>
+          <p:cNvPr id="55" name="Elbow Connector 54"/>
+          <p:cNvCxnSpPr>
+            <a:stCxn id="26" idx="2"/>
+            <a:endCxn id="53" idx="1"/>
+          </p:cNvCxnSpPr>
+          <p:nvPr/>
+        </p:nvCxnSpPr>
+        <p:spPr>
+          <a:xfrm rot="16200000" flipH="1">
+            <a:off x="1587153" y="2792832"/>
+            <a:ext cx="407093" cy="685801"/>
+          </a:xfrm>
+          <a:prstGeom prst="bentConnector2">
+            <a:avLst/>
+          </a:prstGeom>
+        </p:spPr>
+        <p:style>
+          <a:lnRef idx="1">
+            <a:schemeClr val="accent1"/>
+          </a:lnRef>
+          <a:fillRef idx="0">
+            <a:schemeClr val="accent1"/>
+          </a:fillRef>
+          <a:effectRef idx="0">
+            <a:schemeClr val="accent1"/>
+          </a:effectRef>
+          <a:fontRef idx="minor">
+            <a:schemeClr val="tx1"/>
+          </a:fontRef>
+        </p:style>
+      </p:cxnSp>
+      <p:cxnSp>
+        <p:nvCxnSpPr>
+          <p:cNvPr id="73" name="Elbow Connector 72"/>
+          <p:cNvCxnSpPr>
+            <a:stCxn id="53" idx="3"/>
+            <a:endCxn id="16" idx="1"/>
+          </p:cNvCxnSpPr>
+          <p:nvPr/>
+        </p:nvCxnSpPr>
+        <p:spPr>
+          <a:xfrm flipV="1">
+            <a:off x="3505200" y="2707533"/>
+            <a:ext cx="2971669" cy="631747"/>
+          </a:xfrm>
+          <a:prstGeom prst="bentConnector3">
+            <a:avLst>
+              <a:gd name="adj1" fmla="val 50000"/>
+            </a:avLst>
+          </a:prstGeom>
+        </p:spPr>
+        <p:style>
+          <a:lnRef idx="1">
+            <a:schemeClr val="accent1"/>
+          </a:lnRef>
+          <a:fillRef idx="0">
+            <a:schemeClr val="accent1"/>
+          </a:fillRef>
+          <a:effectRef idx="0">
+            <a:schemeClr val="accent1"/>
+          </a:effectRef>
+          <a:fontRef idx="minor">
+            <a:schemeClr val="tx1"/>
+          </a:fontRef>
+        </p:style>
+      </p:cxnSp>
+      <p:cxnSp>
+        <p:nvCxnSpPr>
+          <p:cNvPr id="77" name="Elbow Connector 76"/>
+          <p:cNvCxnSpPr>
+            <a:stCxn id="27" idx="3"/>
+            <a:endCxn id="19" idx="1"/>
+          </p:cNvCxnSpPr>
+          <p:nvPr/>
+        </p:nvCxnSpPr>
+        <p:spPr>
+          <a:xfrm flipV="1">
+            <a:off x="3310487" y="4482050"/>
+            <a:ext cx="1791932" cy="192074"/>
+          </a:xfrm>
+          <a:prstGeom prst="bentConnector3">
+            <a:avLst/>
+          </a:prstGeom>
+        </p:spPr>
+        <p:style>
+          <a:lnRef idx="1">
+            <a:schemeClr val="accent1"/>
+          </a:lnRef>
+          <a:fillRef idx="0">
+            <a:schemeClr val="accent1"/>
+          </a:fillRef>
+          <a:effectRef idx="0">
+            <a:schemeClr val="accent1"/>
+          </a:effectRef>
+          <a:fontRef idx="minor">
+            <a:schemeClr val="tx1"/>
+          </a:fontRef>
+        </p:style>
+      </p:cxnSp>
+      <p:sp>
+        <p:nvSpPr>
+          <p:cNvPr id="168" name="Rectangle 167"/>
           <p:cNvSpPr/>
           <p:nvPr/>
         </p:nvSpPr>
         <p:spPr>
           <a:xfrm>
-            <a:off x="1684773" y="5258678"/>
+            <a:off x="1884328" y="5398024"/>
             <a:ext cx="1371600" cy="462306"/>
           </a:xfrm>
           <a:prstGeom prst="rect">
@@ -6910,12 +7308,211 @@
             <a:pPr algn="ctr"/>
             <a:r>
               <a:rPr lang="en-US" dirty="0" smtClean="0"/>
-              <a:t>session</a:t>
+              <a:t>crud</a:t>
             </a:r>
             <a:endParaRPr lang="en-US" dirty="0"/>
           </a:p>
         </p:txBody>
       </p:sp>
+      <p:cxnSp>
+        <p:nvCxnSpPr>
+          <p:cNvPr id="170" name="Elbow Connector 169"/>
+          <p:cNvCxnSpPr>
+            <a:stCxn id="26" idx="2"/>
+            <a:endCxn id="168" idx="1"/>
+          </p:cNvCxnSpPr>
+          <p:nvPr/>
+        </p:nvCxnSpPr>
+        <p:spPr>
+          <a:xfrm rot="16200000" flipH="1">
+            <a:off x="317568" y="4062417"/>
+            <a:ext cx="2696990" cy="436529"/>
+          </a:xfrm>
+          <a:prstGeom prst="bentConnector2">
+            <a:avLst/>
+          </a:prstGeom>
+        </p:spPr>
+        <p:style>
+          <a:lnRef idx="1">
+            <a:schemeClr val="accent1"/>
+          </a:lnRef>
+          <a:fillRef idx="0">
+            <a:schemeClr val="accent1"/>
+          </a:fillRef>
+          <a:effectRef idx="0">
+            <a:schemeClr val="accent1"/>
+          </a:effectRef>
+          <a:fontRef idx="minor">
+            <a:schemeClr val="tx1"/>
+          </a:fontRef>
+        </p:style>
+      </p:cxnSp>
+      <p:sp>
+        <p:nvSpPr>
+          <p:cNvPr id="176" name="Rectangle 175"/>
+          <p:cNvSpPr/>
+          <p:nvPr/>
+        </p:nvSpPr>
+        <p:spPr>
+          <a:xfrm>
+            <a:off x="5471198" y="5100294"/>
+            <a:ext cx="1592246" cy="380018"/>
+          </a:xfrm>
+          <a:prstGeom prst="rect">
+            <a:avLst/>
+          </a:prstGeom>
+          <a:solidFill>
+            <a:schemeClr val="accent6">
+              <a:lumMod val="60000"/>
+              <a:lumOff val="40000"/>
+            </a:schemeClr>
+          </a:solidFill>
+        </p:spPr>
+        <p:style>
+          <a:lnRef idx="2">
+            <a:schemeClr val="accent1">
+              <a:shade val="50000"/>
+            </a:schemeClr>
+          </a:lnRef>
+          <a:fillRef idx="1">
+            <a:schemeClr val="accent1"/>
+          </a:fillRef>
+          <a:effectRef idx="0">
+            <a:schemeClr val="accent1"/>
+          </a:effectRef>
+          <a:fontRef idx="minor">
+            <a:schemeClr val="lt1"/>
+          </a:fontRef>
+        </p:style>
+        <p:txBody>
+          <a:bodyPr rtlCol="0" anchor="ctr"/>
+          <a:lstStyle/>
+          <a:p>
+            <a:pPr algn="ctr"/>
+            <a:r>
+              <a:rPr lang="en-US" dirty="0" smtClean="0"/>
+              <a:t>sales</a:t>
+            </a:r>
+            <a:endParaRPr lang="en-US" dirty="0"/>
+          </a:p>
+        </p:txBody>
+      </p:sp>
+      <p:cxnSp>
+        <p:nvCxnSpPr>
+          <p:cNvPr id="178" name="Elbow Connector 177"/>
+          <p:cNvCxnSpPr>
+            <a:stCxn id="168" idx="3"/>
+            <a:endCxn id="176" idx="1"/>
+          </p:cNvCxnSpPr>
+          <p:nvPr/>
+        </p:nvCxnSpPr>
+        <p:spPr>
+          <a:xfrm flipV="1">
+            <a:off x="3255928" y="5290303"/>
+            <a:ext cx="2215270" cy="338874"/>
+          </a:xfrm>
+          <a:prstGeom prst="bentConnector3">
+            <a:avLst/>
+          </a:prstGeom>
+        </p:spPr>
+        <p:style>
+          <a:lnRef idx="1">
+            <a:schemeClr val="accent1"/>
+          </a:lnRef>
+          <a:fillRef idx="0">
+            <a:schemeClr val="accent1"/>
+          </a:fillRef>
+          <a:effectRef idx="0">
+            <a:schemeClr val="accent1"/>
+          </a:effectRef>
+          <a:fontRef idx="minor">
+            <a:schemeClr val="tx1"/>
+          </a:fontRef>
+        </p:style>
+      </p:cxnSp>
+      <p:sp>
+        <p:nvSpPr>
+          <p:cNvPr id="201" name="Rectangle 200"/>
+          <p:cNvSpPr/>
+          <p:nvPr/>
+        </p:nvSpPr>
+        <p:spPr>
+          <a:xfrm>
+            <a:off x="5471198" y="6248400"/>
+            <a:ext cx="1592246" cy="381000"/>
+          </a:xfrm>
+          <a:prstGeom prst="rect">
+            <a:avLst/>
+          </a:prstGeom>
+          <a:solidFill>
+            <a:schemeClr val="accent6">
+              <a:lumMod val="60000"/>
+              <a:lumOff val="40000"/>
+            </a:schemeClr>
+          </a:solidFill>
+        </p:spPr>
+        <p:style>
+          <a:lnRef idx="2">
+            <a:schemeClr val="accent1">
+              <a:shade val="50000"/>
+            </a:schemeClr>
+          </a:lnRef>
+          <a:fillRef idx="1">
+            <a:schemeClr val="accent1"/>
+          </a:fillRef>
+          <a:effectRef idx="0">
+            <a:schemeClr val="accent1"/>
+          </a:effectRef>
+          <a:fontRef idx="minor">
+            <a:schemeClr val="lt1"/>
+          </a:fontRef>
+        </p:style>
+        <p:txBody>
+          <a:bodyPr rtlCol="0" anchor="ctr"/>
+          <a:lstStyle/>
+          <a:p>
+            <a:pPr algn="ctr"/>
+            <a:r>
+              <a:rPr lang="en-US" dirty="0" smtClean="0"/>
+              <a:t>state</a:t>
+            </a:r>
+            <a:endParaRPr lang="en-US" dirty="0"/>
+          </a:p>
+        </p:txBody>
+      </p:sp>
+      <p:cxnSp>
+        <p:nvCxnSpPr>
+          <p:cNvPr id="208" name="Elbow Connector 207"/>
+          <p:cNvCxnSpPr>
+            <a:stCxn id="168" idx="3"/>
+            <a:endCxn id="201" idx="1"/>
+          </p:cNvCxnSpPr>
+          <p:nvPr/>
+        </p:nvCxnSpPr>
+        <p:spPr>
+          <a:xfrm>
+            <a:off x="3255928" y="5629177"/>
+            <a:ext cx="2215270" cy="809723"/>
+          </a:xfrm>
+          <a:prstGeom prst="bentConnector3">
+            <a:avLst/>
+          </a:prstGeom>
+        </p:spPr>
+        <p:style>
+          <a:lnRef idx="1">
+            <a:schemeClr val="accent1"/>
+          </a:lnRef>
+          <a:fillRef idx="0">
+            <a:schemeClr val="accent1"/>
+          </a:fillRef>
+          <a:effectRef idx="0">
+            <a:schemeClr val="accent1"/>
+          </a:effectRef>
+          <a:fontRef idx="minor">
+            <a:schemeClr val="tx1"/>
+          </a:fontRef>
+        </p:style>
+      </p:cxnSp>
     </p:spTree>
     <p:extLst>
       <p:ext uri="{BB962C8B-B14F-4D97-AF65-F5344CB8AC3E}">

--- a/Document.pptx
+++ b/Document.pptx
@@ -8,7 +8,10 @@
     <p:sldId id="256" r:id="rId2"/>
     <p:sldId id="257" r:id="rId3"/>
     <p:sldId id="258" r:id="rId4"/>
-    <p:sldId id="259" r:id="rId5"/>
+    <p:sldId id="260" r:id="rId5"/>
+    <p:sldId id="259" r:id="rId6"/>
+    <p:sldId id="261" r:id="rId7"/>
+    <p:sldId id="262" r:id="rId8"/>
   </p:sldIdLst>
   <p:sldSz cx="9144000" cy="6858000" type="screen4x3"/>
   <p:notesSz cx="6858000" cy="9144000"/>
@@ -303,7 +306,7 @@
             <a:fld id="{1D8BD707-D9CF-40AE-B4C6-C98DA3205C09}" type="datetimeFigureOut">
               <a:rPr lang="en-US" smtClean="0"/>
               <a:pPr/>
-              <a:t>8/6/2015</a:t>
+              <a:t>8/13/2015</a:t>
             </a:fld>
             <a:endParaRPr lang="en-US"/>
           </a:p>
@@ -470,7 +473,7 @@
             <a:fld id="{1D8BD707-D9CF-40AE-B4C6-C98DA3205C09}" type="datetimeFigureOut">
               <a:rPr lang="en-US" smtClean="0"/>
               <a:pPr/>
-              <a:t>8/6/2015</a:t>
+              <a:t>8/13/2015</a:t>
             </a:fld>
             <a:endParaRPr lang="en-US"/>
           </a:p>
@@ -647,7 +650,7 @@
             <a:fld id="{1D8BD707-D9CF-40AE-B4C6-C98DA3205C09}" type="datetimeFigureOut">
               <a:rPr lang="en-US" smtClean="0"/>
               <a:pPr/>
-              <a:t>8/6/2015</a:t>
+              <a:t>8/13/2015</a:t>
             </a:fld>
             <a:endParaRPr lang="en-US"/>
           </a:p>
@@ -832,7 +835,7 @@
             <a:fld id="{1D8BD707-D9CF-40AE-B4C6-C98DA3205C09}" type="datetimeFigureOut">
               <a:rPr lang="en-US" smtClean="0"/>
               <a:pPr/>
-              <a:t>8/6/2015</a:t>
+              <a:t>8/13/2015</a:t>
             </a:fld>
             <a:endParaRPr lang="en-US"/>
           </a:p>
@@ -1096,7 +1099,7 @@
             <a:fld id="{1D8BD707-D9CF-40AE-B4C6-C98DA3205C09}" type="datetimeFigureOut">
               <a:rPr lang="en-US" smtClean="0"/>
               <a:pPr/>
-              <a:t>8/6/2015</a:t>
+              <a:t>8/13/2015</a:t>
             </a:fld>
             <a:endParaRPr lang="en-US"/>
           </a:p>
@@ -1446,7 +1449,7 @@
             <a:fld id="{1D8BD707-D9CF-40AE-B4C6-C98DA3205C09}" type="datetimeFigureOut">
               <a:rPr lang="en-US" smtClean="0"/>
               <a:pPr/>
-              <a:t>8/6/2015</a:t>
+              <a:t>8/13/2015</a:t>
             </a:fld>
             <a:endParaRPr lang="en-US"/>
           </a:p>
@@ -1756,7 +1759,7 @@
             <a:fld id="{1D8BD707-D9CF-40AE-B4C6-C98DA3205C09}" type="datetimeFigureOut">
               <a:rPr lang="en-US" smtClean="0"/>
               <a:pPr/>
-              <a:t>8/6/2015</a:t>
+              <a:t>8/13/2015</a:t>
             </a:fld>
             <a:endParaRPr lang="en-US"/>
           </a:p>
@@ -1985,7 +1988,7 @@
             <a:fld id="{1D8BD707-D9CF-40AE-B4C6-C98DA3205C09}" type="datetimeFigureOut">
               <a:rPr lang="en-US" smtClean="0"/>
               <a:pPr/>
-              <a:t>8/6/2015</a:t>
+              <a:t>8/13/2015</a:t>
             </a:fld>
             <a:endParaRPr lang="en-US"/>
           </a:p>
@@ -2077,7 +2080,7 @@
             <a:fld id="{1D8BD707-D9CF-40AE-B4C6-C98DA3205C09}" type="datetimeFigureOut">
               <a:rPr lang="en-US" smtClean="0"/>
               <a:pPr/>
-              <a:t>8/6/2015</a:t>
+              <a:t>8/13/2015</a:t>
             </a:fld>
             <a:endParaRPr lang="en-US"/>
           </a:p>
@@ -2367,7 +2370,7 @@
             <a:fld id="{1D8BD707-D9CF-40AE-B4C6-C98DA3205C09}" type="datetimeFigureOut">
               <a:rPr lang="en-US" smtClean="0"/>
               <a:pPr/>
-              <a:t>8/6/2015</a:t>
+              <a:t>8/13/2015</a:t>
             </a:fld>
             <a:endParaRPr lang="en-US"/>
           </a:p>
@@ -2549,7 +2552,7 @@
               <a:rPr lang="en-US" smtClean="0"/>
               <a:t>Click icon to add picture</a:t>
             </a:r>
-            <a:endParaRPr lang="en-US" dirty="0"/>
+            <a:endParaRPr lang="en-US"/>
           </a:p>
         </p:txBody>
       </p:sp>
@@ -2638,7 +2641,7 @@
             <a:fld id="{1D8BD707-D9CF-40AE-B4C6-C98DA3205C09}" type="datetimeFigureOut">
               <a:rPr lang="en-US" smtClean="0"/>
               <a:pPr/>
-              <a:t>8/6/2015</a:t>
+              <a:t>8/13/2015</a:t>
             </a:fld>
             <a:endParaRPr lang="en-US"/>
           </a:p>
@@ -2850,7 +2853,7 @@
             <a:fld id="{1D8BD707-D9CF-40AE-B4C6-C98DA3205C09}" type="datetimeFigureOut">
               <a:rPr lang="en-US" smtClean="0"/>
               <a:pPr/>
-              <a:t>8/6/2015</a:t>
+              <a:t>8/13/2015</a:t>
             </a:fld>
             <a:endParaRPr lang="en-US"/>
           </a:p>
@@ -3412,10 +3415,10 @@
           <a:p>
             <a:pPr algn="ctr"/>
             <a:r>
-              <a:rPr lang="en-US" dirty="0" smtClean="0"/>
+              <a:rPr lang="en-US" smtClean="0"/>
               <a:t>View</a:t>
             </a:r>
-            <a:endParaRPr lang="en-US" dirty="0"/>
+            <a:endParaRPr lang="en-US"/>
           </a:p>
         </p:txBody>
       </p:sp>
@@ -3462,10 +3465,10 @@
           <a:p>
             <a:pPr algn="ctr"/>
             <a:r>
-              <a:rPr lang="en-US" dirty="0" smtClean="0"/>
+              <a:rPr lang="en-US" smtClean="0"/>
               <a:t>Control</a:t>
             </a:r>
-            <a:endParaRPr lang="en-US" dirty="0"/>
+            <a:endParaRPr lang="en-US"/>
           </a:p>
         </p:txBody>
       </p:sp>
@@ -3511,10 +3514,10 @@
           <a:p>
             <a:pPr algn="ctr"/>
             <a:r>
-              <a:rPr lang="en-US" dirty="0" smtClean="0"/>
+              <a:rPr lang="en-US" smtClean="0"/>
               <a:t>Model</a:t>
             </a:r>
-            <a:endParaRPr lang="en-US" dirty="0"/>
+            <a:endParaRPr lang="en-US"/>
           </a:p>
         </p:txBody>
       </p:sp>
@@ -3627,10 +3630,10 @@
           <a:p>
             <a:pPr algn="ctr"/>
             <a:r>
-              <a:rPr lang="en-US" dirty="0" smtClean="0"/>
+              <a:rPr lang="en-US" smtClean="0"/>
               <a:t>html</a:t>
             </a:r>
-            <a:endParaRPr lang="en-US" dirty="0"/>
+            <a:endParaRPr lang="en-US"/>
           </a:p>
         </p:txBody>
       </p:sp>
@@ -3677,10 +3680,10 @@
           <a:p>
             <a:pPr algn="ctr"/>
             <a:r>
-              <a:rPr lang="en-US" dirty="0" smtClean="0"/>
+              <a:rPr lang="en-US" smtClean="0"/>
               <a:t>css</a:t>
             </a:r>
-            <a:endParaRPr lang="en-US" dirty="0"/>
+            <a:endParaRPr lang="en-US"/>
           </a:p>
         </p:txBody>
       </p:sp>
@@ -3727,10 +3730,10 @@
           <a:p>
             <a:pPr algn="ctr"/>
             <a:r>
-              <a:rPr lang="en-US" dirty="0" smtClean="0"/>
+              <a:rPr lang="en-US" smtClean="0"/>
               <a:t>javascript</a:t>
             </a:r>
-            <a:endParaRPr lang="en-US" dirty="0"/>
+            <a:endParaRPr lang="en-US"/>
           </a:p>
         </p:txBody>
       </p:sp>
@@ -3875,10 +3878,10 @@
           <a:p>
             <a:pPr algn="ctr"/>
             <a:r>
-              <a:rPr lang="en-US" dirty="0" smtClean="0"/>
+              <a:rPr lang="en-US" smtClean="0"/>
               <a:t>file</a:t>
             </a:r>
-            <a:endParaRPr lang="en-US" dirty="0"/>
+            <a:endParaRPr lang="en-US"/>
           </a:p>
         </p:txBody>
       </p:sp>
@@ -3924,10 +3927,10 @@
           <a:p>
             <a:pPr algn="ctr"/>
             <a:r>
-              <a:rPr lang="en-US" dirty="0" smtClean="0"/>
+              <a:rPr lang="en-US" smtClean="0"/>
               <a:t>ftp</a:t>
             </a:r>
-            <a:endParaRPr lang="en-US" dirty="0"/>
+            <a:endParaRPr lang="en-US"/>
           </a:p>
         </p:txBody>
       </p:sp>
@@ -3973,10 +3976,10 @@
           <a:p>
             <a:pPr algn="ctr"/>
             <a:r>
-              <a:rPr lang="en-US" dirty="0" smtClean="0"/>
+              <a:rPr lang="en-US" smtClean="0"/>
               <a:t>mysql</a:t>
             </a:r>
-            <a:endParaRPr lang="en-US" dirty="0"/>
+            <a:endParaRPr lang="en-US"/>
           </a:p>
         </p:txBody>
       </p:sp>
@@ -4122,10 +4125,10 @@
           <a:p>
             <a:pPr algn="ctr"/>
             <a:r>
-              <a:rPr lang="en-US" dirty="0" smtClean="0"/>
+              <a:rPr lang="en-US" smtClean="0"/>
               <a:t>time</a:t>
             </a:r>
-            <a:endParaRPr lang="en-US" dirty="0"/>
+            <a:endParaRPr lang="en-US"/>
           </a:p>
         </p:txBody>
       </p:sp>
@@ -4242,10 +4245,10 @@
           <a:p>
             <a:pPr algn="ctr"/>
             <a:r>
-              <a:rPr lang="en-US" dirty="0" smtClean="0"/>
+              <a:rPr lang="en-US" smtClean="0"/>
               <a:t>exchange</a:t>
             </a:r>
-            <a:endParaRPr lang="en-US" dirty="0"/>
+            <a:endParaRPr lang="en-US"/>
           </a:p>
         </p:txBody>
       </p:sp>
@@ -4328,10 +4331,10 @@
           <a:p>
             <a:pPr algn="ctr"/>
             <a:r>
-              <a:rPr lang="en-US" dirty="0" smtClean="0"/>
+              <a:rPr lang="en-US" smtClean="0"/>
               <a:t>interface</a:t>
             </a:r>
-            <a:endParaRPr lang="en-US" dirty="0"/>
+            <a:endParaRPr lang="en-US"/>
           </a:p>
         </p:txBody>
       </p:sp>
@@ -4448,10 +4451,10 @@
           <a:p>
             <a:pPr algn="ctr"/>
             <a:r>
-              <a:rPr lang="en-US" dirty="0" smtClean="0"/>
+              <a:rPr lang="en-US" smtClean="0"/>
               <a:t>socket</a:t>
             </a:r>
-            <a:endParaRPr lang="en-US" dirty="0"/>
+            <a:endParaRPr lang="en-US"/>
           </a:p>
         </p:txBody>
       </p:sp>
@@ -4498,10 +4501,10 @@
           <a:p>
             <a:pPr algn="ctr"/>
             <a:r>
-              <a:rPr lang="en-US" dirty="0" smtClean="0"/>
+              <a:rPr lang="en-US" smtClean="0"/>
               <a:t>api</a:t>
             </a:r>
-            <a:endParaRPr lang="en-US" dirty="0"/>
+            <a:endParaRPr lang="en-US"/>
           </a:p>
         </p:txBody>
       </p:sp>
@@ -4613,10 +4616,10 @@
           <a:p>
             <a:pPr algn="ctr"/>
             <a:r>
-              <a:rPr lang="en-US" dirty="0" smtClean="0"/>
+              <a:rPr lang="en-US" smtClean="0"/>
               <a:t>session</a:t>
             </a:r>
-            <a:endParaRPr lang="en-US" dirty="0"/>
+            <a:endParaRPr lang="en-US"/>
           </a:p>
         </p:txBody>
       </p:sp>
@@ -4733,10 +4736,10 @@
           <a:p>
             <a:pPr algn="ctr"/>
             <a:r>
-              <a:rPr lang="en-US" dirty="0" smtClean="0"/>
+              <a:rPr lang="en-US" smtClean="0"/>
               <a:t>View</a:t>
             </a:r>
-            <a:endParaRPr lang="en-US" dirty="0"/>
+            <a:endParaRPr lang="en-US"/>
           </a:p>
         </p:txBody>
       </p:sp>
@@ -4783,10 +4786,10 @@
           <a:p>
             <a:pPr algn="ctr"/>
             <a:r>
-              <a:rPr lang="en-US" dirty="0" smtClean="0"/>
+              <a:rPr lang="en-US" smtClean="0"/>
               <a:t>html</a:t>
             </a:r>
-            <a:endParaRPr lang="en-US" dirty="0"/>
+            <a:endParaRPr lang="en-US"/>
           </a:p>
         </p:txBody>
       </p:sp>
@@ -4833,10 +4836,10 @@
           <a:p>
             <a:pPr algn="ctr"/>
             <a:r>
-              <a:rPr lang="en-US" dirty="0" smtClean="0"/>
+              <a:rPr lang="en-US" smtClean="0"/>
               <a:t>css</a:t>
             </a:r>
-            <a:endParaRPr lang="en-US" dirty="0"/>
+            <a:endParaRPr lang="en-US"/>
           </a:p>
         </p:txBody>
       </p:sp>
@@ -4883,10 +4886,10 @@
           <a:p>
             <a:pPr algn="ctr"/>
             <a:r>
-              <a:rPr lang="en-US" dirty="0" smtClean="0"/>
+              <a:rPr lang="en-US" smtClean="0"/>
               <a:t>javascript</a:t>
             </a:r>
-            <a:endParaRPr lang="en-US" dirty="0"/>
+            <a:endParaRPr lang="en-US"/>
           </a:p>
         </p:txBody>
       </p:sp>
@@ -4898,7 +4901,7 @@
         </p:nvSpPr>
         <p:spPr>
           <a:xfrm>
-            <a:off x="1752600" y="3084720"/>
+            <a:off x="1397977" y="3215616"/>
             <a:ext cx="1371600" cy="462306"/>
           </a:xfrm>
           <a:prstGeom prst="rect">
@@ -4933,10 +4936,10 @@
           <a:p>
             <a:pPr algn="ctr"/>
             <a:r>
-              <a:rPr lang="en-US" dirty="0" smtClean="0"/>
+              <a:rPr lang="en-US" smtClean="0"/>
               <a:t>head</a:t>
             </a:r>
-            <a:endParaRPr lang="en-US" dirty="0"/>
+            <a:endParaRPr lang="en-US"/>
           </a:p>
         </p:txBody>
       </p:sp>
@@ -4948,7 +4951,7 @@
         </p:nvSpPr>
         <p:spPr>
           <a:xfrm>
-            <a:off x="1871611" y="5203989"/>
+            <a:off x="1752600" y="5055566"/>
             <a:ext cx="1371600" cy="462306"/>
           </a:xfrm>
           <a:prstGeom prst="rect">
@@ -4983,10 +4986,10 @@
           <a:p>
             <a:pPr algn="ctr"/>
             <a:r>
-              <a:rPr lang="en-US" dirty="0" smtClean="0"/>
+              <a:rPr lang="en-US" smtClean="0"/>
               <a:t>body</a:t>
             </a:r>
-            <a:endParaRPr lang="en-US" dirty="0"/>
+            <a:endParaRPr lang="en-US"/>
           </a:p>
         </p:txBody>
       </p:sp>
@@ -5001,8 +5004,8 @@
         </p:nvCxnSpPr>
         <p:spPr>
           <a:xfrm rot="16200000" flipH="1">
-            <a:off x="646227" y="2209500"/>
-            <a:ext cx="1526946" cy="685800"/>
+            <a:off x="403467" y="2452259"/>
+            <a:ext cx="1657842" cy="331177"/>
           </a:xfrm>
           <a:prstGeom prst="bentConnector2">
             <a:avLst/>
@@ -5034,8 +5037,8 @@
         </p:nvCxnSpPr>
         <p:spPr>
           <a:xfrm rot="16200000" flipH="1">
-            <a:off x="-353902" y="3209628"/>
-            <a:ext cx="3646215" cy="804811"/>
+            <a:off x="-339196" y="3194923"/>
+            <a:ext cx="3497792" cy="685800"/>
           </a:xfrm>
           <a:prstGeom prst="bentConnector2">
             <a:avLst/>
@@ -5099,10 +5102,10 @@
           <a:p>
             <a:pPr algn="ctr"/>
             <a:r>
-              <a:rPr lang="en-US" dirty="0" smtClean="0"/>
+              <a:rPr lang="en-US" smtClean="0"/>
               <a:t>jquery.js</a:t>
             </a:r>
-            <a:endParaRPr lang="en-US" dirty="0"/>
+            <a:endParaRPr lang="en-US"/>
           </a:p>
         </p:txBody>
       </p:sp>
@@ -5149,10 +5152,10 @@
           <a:p>
             <a:pPr algn="ctr"/>
             <a:r>
-              <a:rPr lang="en-US" dirty="0" smtClean="0"/>
+              <a:rPr lang="en-US" smtClean="0"/>
               <a:t>jquery_ui.js</a:t>
             </a:r>
-            <a:endParaRPr lang="en-US" dirty="0"/>
+            <a:endParaRPr lang="en-US"/>
           </a:p>
         </p:txBody>
       </p:sp>
@@ -5167,8 +5170,8 @@
         </p:nvCxnSpPr>
         <p:spPr>
           <a:xfrm flipV="1">
-            <a:off x="3124200" y="2329987"/>
-            <a:ext cx="1371600" cy="985886"/>
+            <a:off x="2769577" y="2329987"/>
+            <a:ext cx="1726223" cy="1116782"/>
           </a:xfrm>
           <a:prstGeom prst="bentConnector3">
             <a:avLst/>
@@ -5200,8 +5203,8 @@
         </p:nvCxnSpPr>
         <p:spPr>
           <a:xfrm flipV="1">
-            <a:off x="3124200" y="3013679"/>
-            <a:ext cx="1371600" cy="302194"/>
+            <a:off x="2769577" y="3013679"/>
+            <a:ext cx="1726223" cy="433090"/>
           </a:xfrm>
           <a:prstGeom prst="bentConnector3">
             <a:avLst/>
@@ -5265,10 +5268,10 @@
           <a:p>
             <a:pPr algn="ctr"/>
             <a:r>
-              <a:rPr lang="en-US" dirty="0" smtClean="0"/>
+              <a:rPr lang="en-US" smtClean="0"/>
               <a:t>jquery_ui.css</a:t>
             </a:r>
-            <a:endParaRPr lang="en-US" dirty="0"/>
+            <a:endParaRPr lang="en-US"/>
           </a:p>
         </p:txBody>
       </p:sp>
@@ -5283,8 +5286,8 @@
         </p:nvCxnSpPr>
         <p:spPr>
           <a:xfrm>
-            <a:off x="3124200" y="3315873"/>
-            <a:ext cx="1342534" cy="1739346"/>
+            <a:off x="2769577" y="3446769"/>
+            <a:ext cx="1697157" cy="1608450"/>
           </a:xfrm>
           <a:prstGeom prst="bentConnector3">
             <a:avLst/>
@@ -5449,10 +5452,10 @@
           <a:p>
             <a:pPr algn="ctr"/>
             <a:r>
-              <a:rPr lang="en-US" dirty="0" smtClean="0"/>
+              <a:rPr lang="en-US" smtClean="0"/>
               <a:t>style</a:t>
             </a:r>
-            <a:endParaRPr lang="en-US" dirty="0"/>
+            <a:endParaRPr lang="en-US"/>
           </a:p>
         </p:txBody>
       </p:sp>
@@ -5499,10 +5502,10 @@
           <a:p>
             <a:pPr algn="ctr"/>
             <a:r>
-              <a:rPr lang="en-US" dirty="0" smtClean="0"/>
+              <a:rPr lang="en-US" smtClean="0"/>
               <a:t>script</a:t>
             </a:r>
-            <a:endParaRPr lang="en-US" dirty="0"/>
+            <a:endParaRPr lang="en-US"/>
           </a:p>
         </p:txBody>
       </p:sp>
@@ -5517,8 +5520,8 @@
         </p:nvCxnSpPr>
         <p:spPr>
           <a:xfrm rot="10800000">
-            <a:off x="3124200" y="3315873"/>
-            <a:ext cx="1346462" cy="2313108"/>
+            <a:off x="2769578" y="3446769"/>
+            <a:ext cx="1701085" cy="2182212"/>
           </a:xfrm>
           <a:prstGeom prst="bentConnector3">
             <a:avLst/>
@@ -5550,8 +5553,8 @@
         </p:nvCxnSpPr>
         <p:spPr>
           <a:xfrm rot="10800000">
-            <a:off x="3124200" y="3315874"/>
-            <a:ext cx="1371600" cy="362049"/>
+            <a:off x="2769578" y="3446770"/>
+            <a:ext cx="1726223" cy="231153"/>
           </a:xfrm>
           <a:prstGeom prst="bentConnector3">
             <a:avLst/>
@@ -5718,10 +5721,10 @@
           <a:p>
             <a:pPr algn="ctr"/>
             <a:r>
-              <a:rPr lang="en-US" dirty="0" smtClean="0"/>
+              <a:rPr lang="en-US" smtClean="0"/>
               <a:t>body</a:t>
             </a:r>
-            <a:endParaRPr lang="en-US" dirty="0"/>
+            <a:endParaRPr lang="en-US"/>
           </a:p>
         </p:txBody>
       </p:sp>
@@ -5768,10 +5771,10 @@
           <a:p>
             <a:pPr algn="ctr"/>
             <a:r>
-              <a:rPr lang="en-US" dirty="0" smtClean="0"/>
+              <a:rPr lang="en-US" smtClean="0"/>
               <a:t>#tab1</a:t>
             </a:r>
-            <a:endParaRPr lang="en-US" dirty="0"/>
+            <a:endParaRPr lang="en-US"/>
           </a:p>
         </p:txBody>
       </p:sp>
@@ -5818,10 +5821,10 @@
           <a:p>
             <a:pPr algn="ctr"/>
             <a:r>
-              <a:rPr lang="en-US" dirty="0" smtClean="0"/>
+              <a:rPr lang="en-US" smtClean="0"/>
               <a:t>#tabs</a:t>
             </a:r>
-            <a:endParaRPr lang="en-US" dirty="0"/>
+            <a:endParaRPr lang="en-US"/>
           </a:p>
         </p:txBody>
       </p:sp>
@@ -5868,10 +5871,10 @@
           <a:p>
             <a:pPr algn="ctr"/>
             <a:r>
-              <a:rPr lang="en-US" dirty="0" smtClean="0"/>
+              <a:rPr lang="en-US" smtClean="0"/>
               <a:t>#wrapper</a:t>
             </a:r>
-            <a:endParaRPr lang="en-US" dirty="0"/>
+            <a:endParaRPr lang="en-US"/>
           </a:p>
         </p:txBody>
       </p:sp>
@@ -5951,10 +5954,10 @@
           <a:p>
             <a:pPr algn="ctr"/>
             <a:r>
-              <a:rPr lang="en-US" dirty="0" smtClean="0"/>
+              <a:rPr lang="en-US" smtClean="0"/>
               <a:t>#header</a:t>
             </a:r>
-            <a:endParaRPr lang="en-US" dirty="0"/>
+            <a:endParaRPr lang="en-US"/>
           </a:p>
         </p:txBody>
       </p:sp>
@@ -6001,10 +6004,10 @@
           <a:p>
             <a:pPr algn="ctr"/>
             <a:r>
-              <a:rPr lang="en-US" dirty="0" smtClean="0"/>
+              <a:rPr lang="en-US" smtClean="0"/>
               <a:t>#main</a:t>
             </a:r>
-            <a:endParaRPr lang="en-US" dirty="0"/>
+            <a:endParaRPr lang="en-US"/>
           </a:p>
         </p:txBody>
       </p:sp>
@@ -6152,10 +6155,10 @@
           <a:p>
             <a:pPr algn="ctr"/>
             <a:r>
-              <a:rPr lang="en-US" dirty="0" smtClean="0"/>
+              <a:rPr lang="en-US" smtClean="0"/>
               <a:t>#footer</a:t>
             </a:r>
-            <a:endParaRPr lang="en-US" dirty="0"/>
+            <a:endParaRPr lang="en-US"/>
           </a:p>
         </p:txBody>
       </p:sp>
@@ -6264,13 +6267,13 @@
       </p:grpSpPr>
       <p:sp>
         <p:nvSpPr>
-          <p:cNvPr id="15" name="Rectangle 14"/>
+          <p:cNvPr id="31" name="Rectangle 30"/>
           <p:cNvSpPr/>
           <p:nvPr/>
         </p:nvSpPr>
         <p:spPr>
           <a:xfrm>
-            <a:off x="6858000" y="499435"/>
+            <a:off x="533400" y="457200"/>
             <a:ext cx="1371600" cy="462306"/>
           </a:xfrm>
           <a:prstGeom prst="rect">
@@ -6305,23 +6308,23 @@
           <a:p>
             <a:pPr algn="ctr"/>
             <a:r>
-              <a:rPr lang="en-US" dirty="0" smtClean="0"/>
-              <a:t>exchange</a:t>
-            </a:r>
-            <a:endParaRPr lang="en-US" dirty="0"/>
-          </a:p>
-        </p:txBody>
-      </p:sp>
-      <p:sp>
-        <p:nvSpPr>
-          <p:cNvPr id="16" name="Rectangle 15"/>
+              <a:rPr lang="en-US" smtClean="0"/>
+              <a:t>#tab1</a:t>
+            </a:r>
+            <a:endParaRPr lang="en-US"/>
+          </a:p>
+        </p:txBody>
+      </p:sp>
+      <p:sp>
+        <p:nvSpPr>
+          <p:cNvPr id="15" name="Rectangle 14"/>
           <p:cNvSpPr/>
           <p:nvPr/>
         </p:nvSpPr>
         <p:spPr>
           <a:xfrm>
-            <a:off x="6476869" y="2476380"/>
-            <a:ext cx="1371600" cy="462306"/>
+            <a:off x="2057399" y="1219200"/>
+            <a:ext cx="1696649" cy="462306"/>
           </a:xfrm>
           <a:prstGeom prst="rect">
             <a:avLst/>
@@ -6355,23 +6358,27 @@
           <a:p>
             <a:pPr algn="ctr"/>
             <a:r>
-              <a:rPr lang="en-US" dirty="0" smtClean="0"/>
-              <a:t>funds</a:t>
-            </a:r>
-            <a:endParaRPr lang="en-US" dirty="0"/>
-          </a:p>
-        </p:txBody>
-      </p:sp>
-      <p:sp>
-        <p:nvSpPr>
-          <p:cNvPr id="17" name="Rectangle 16"/>
+              <a:rPr lang="en-US" smtClean="0"/>
+              <a:t>#</a:t>
+            </a:r>
+            <a:r>
+              <a:rPr lang="en-US" smtClean="0"/>
+              <a:t>kTime</a:t>
+            </a:r>
+            <a:endParaRPr lang="en-US"/>
+          </a:p>
+        </p:txBody>
+      </p:sp>
+      <p:sp>
+        <p:nvSpPr>
+          <p:cNvPr id="16" name="Rectangle 15"/>
           <p:cNvSpPr/>
           <p:nvPr/>
         </p:nvSpPr>
         <p:spPr>
           <a:xfrm>
-            <a:off x="5102419" y="3607171"/>
-            <a:ext cx="1624588" cy="391967"/>
+            <a:off x="2092568" y="1905000"/>
+            <a:ext cx="1696649" cy="462306"/>
           </a:xfrm>
           <a:prstGeom prst="rect">
             <a:avLst/>
@@ -6405,27 +6412,93 @@
           <a:p>
             <a:pPr algn="ctr"/>
             <a:r>
-              <a:rPr lang="en-US" dirty="0"/>
-              <a:t>o</a:t>
-            </a:r>
-            <a:r>
-              <a:rPr lang="en-US" dirty="0" smtClean="0"/>
-              <a:t>rder_book</a:t>
-            </a:r>
-            <a:endParaRPr lang="en-US" dirty="0"/>
-          </a:p>
-        </p:txBody>
-      </p:sp>
-      <p:sp>
-        <p:nvSpPr>
-          <p:cNvPr id="19" name="Rectangle 18"/>
+              <a:rPr lang="en-US" smtClean="0"/>
+              <a:t>#</a:t>
+            </a:r>
+            <a:r>
+              <a:rPr lang="en-US" smtClean="0"/>
+              <a:t>kSocket</a:t>
+            </a:r>
+            <a:endParaRPr lang="en-US"/>
+          </a:p>
+        </p:txBody>
+      </p:sp>
+      <p:cxnSp>
+        <p:nvCxnSpPr>
+          <p:cNvPr id="3" name="Elbow Connector 2"/>
+          <p:cNvCxnSpPr>
+            <a:stCxn id="31" idx="2"/>
+            <a:endCxn id="15" idx="1"/>
+          </p:cNvCxnSpPr>
+          <p:nvPr/>
+        </p:nvCxnSpPr>
+        <p:spPr>
+          <a:xfrm rot="16200000" flipH="1">
+            <a:off x="1372876" y="765829"/>
+            <a:ext cx="530847" cy="838199"/>
+          </a:xfrm>
+          <a:prstGeom prst="bentConnector2">
+            <a:avLst/>
+          </a:prstGeom>
+        </p:spPr>
+        <p:style>
+          <a:lnRef idx="1">
+            <a:schemeClr val="accent1"/>
+          </a:lnRef>
+          <a:fillRef idx="0">
+            <a:schemeClr val="accent1"/>
+          </a:fillRef>
+          <a:effectRef idx="0">
+            <a:schemeClr val="accent1"/>
+          </a:effectRef>
+          <a:fontRef idx="minor">
+            <a:schemeClr val="tx1"/>
+          </a:fontRef>
+        </p:style>
+      </p:cxnSp>
+      <p:cxnSp>
+        <p:nvCxnSpPr>
+          <p:cNvPr id="5" name="Elbow Connector 4"/>
+          <p:cNvCxnSpPr>
+            <a:stCxn id="31" idx="2"/>
+            <a:endCxn id="16" idx="1"/>
+          </p:cNvCxnSpPr>
+          <p:nvPr/>
+        </p:nvCxnSpPr>
+        <p:spPr>
+          <a:xfrm rot="16200000" flipH="1">
+            <a:off x="1047561" y="1091145"/>
+            <a:ext cx="1216647" cy="873368"/>
+          </a:xfrm>
+          <a:prstGeom prst="bentConnector2">
+            <a:avLst/>
+          </a:prstGeom>
+        </p:spPr>
+        <p:style>
+          <a:lnRef idx="1">
+            <a:schemeClr val="accent1"/>
+          </a:lnRef>
+          <a:fillRef idx="0">
+            <a:schemeClr val="accent1"/>
+          </a:fillRef>
+          <a:effectRef idx="0">
+            <a:schemeClr val="accent1"/>
+          </a:effectRef>
+          <a:fontRef idx="minor">
+            <a:schemeClr val="tx1"/>
+          </a:fontRef>
+        </p:style>
+      </p:cxnSp>
+      <p:sp>
+        <p:nvSpPr>
+          <p:cNvPr id="24" name="Rectangle 23"/>
           <p:cNvSpPr/>
           <p:nvPr/>
         </p:nvSpPr>
         <p:spPr>
           <a:xfrm>
-            <a:off x="5102419" y="4280681"/>
-            <a:ext cx="1592246" cy="402737"/>
+            <a:off x="2113350" y="5334000"/>
+            <a:ext cx="1696649" cy="462306"/>
           </a:xfrm>
           <a:prstGeom prst="rect">
             <a:avLst/>
@@ -6459,23 +6532,23 @@
           <a:p>
             <a:pPr algn="ctr"/>
             <a:r>
-              <a:rPr lang="en-US" dirty="0" smtClean="0"/>
-              <a:t>lots</a:t>
-            </a:r>
-            <a:endParaRPr lang="en-US" dirty="0"/>
-          </a:p>
-        </p:txBody>
-      </p:sp>
-      <p:sp>
-        <p:nvSpPr>
-          <p:cNvPr id="20" name="Rectangle 19"/>
+              <a:rPr lang="en-US" smtClean="0"/>
+              <a:t>#ktrades</a:t>
+            </a:r>
+            <a:endParaRPr lang="en-US"/>
+          </a:p>
+        </p:txBody>
+      </p:sp>
+      <p:sp>
+        <p:nvSpPr>
+          <p:cNvPr id="25" name="Rectangle 24"/>
           <p:cNvSpPr/>
           <p:nvPr/>
         </p:nvSpPr>
         <p:spPr>
           <a:xfrm>
-            <a:off x="5454657" y="5667277"/>
-            <a:ext cx="1592246" cy="386106"/>
+            <a:off x="2113350" y="4648200"/>
+            <a:ext cx="1696649" cy="462306"/>
           </a:xfrm>
           <a:prstGeom prst="rect">
             <a:avLst/>
@@ -6509,23 +6582,23 @@
           <a:p>
             <a:pPr algn="ctr"/>
             <a:r>
-              <a:rPr lang="en-US" dirty="0" smtClean="0"/>
-              <a:t>trades</a:t>
-            </a:r>
-            <a:endParaRPr lang="en-US" dirty="0"/>
-          </a:p>
-        </p:txBody>
-      </p:sp>
-      <p:sp>
-        <p:nvSpPr>
-          <p:cNvPr id="21" name="Rectangle 20"/>
+              <a:rPr lang="en-US" smtClean="0"/>
+              <a:t>#klots</a:t>
+            </a:r>
+            <a:endParaRPr lang="en-US"/>
+          </a:p>
+        </p:txBody>
+      </p:sp>
+      <p:sp>
+        <p:nvSpPr>
+          <p:cNvPr id="26" name="Rectangle 25"/>
           <p:cNvSpPr/>
           <p:nvPr/>
         </p:nvSpPr>
         <p:spPr>
           <a:xfrm>
-            <a:off x="3921631" y="440575"/>
-            <a:ext cx="1371600" cy="462306"/>
+            <a:off x="2113350" y="3962400"/>
+            <a:ext cx="1696649" cy="462306"/>
           </a:xfrm>
           <a:prstGeom prst="rect">
             <a:avLst/>
@@ -6559,23 +6632,23 @@
           <a:p>
             <a:pPr algn="ctr"/>
             <a:r>
-              <a:rPr lang="en-US" dirty="0" smtClean="0"/>
-              <a:t>socket</a:t>
-            </a:r>
-            <a:endParaRPr lang="en-US" dirty="0"/>
-          </a:p>
-        </p:txBody>
-      </p:sp>
-      <p:sp>
-        <p:nvSpPr>
-          <p:cNvPr id="22" name="Rectangle 21"/>
+              <a:rPr lang="en-US" smtClean="0"/>
+              <a:t>#korders</a:t>
+            </a:r>
+            <a:endParaRPr lang="en-US"/>
+          </a:p>
+        </p:txBody>
+      </p:sp>
+      <p:sp>
+        <p:nvSpPr>
+          <p:cNvPr id="27" name="Rectangle 26"/>
           <p:cNvSpPr/>
           <p:nvPr/>
         </p:nvSpPr>
         <p:spPr>
           <a:xfrm>
-            <a:off x="762000" y="1358202"/>
-            <a:ext cx="1371600" cy="462306"/>
+            <a:off x="2113350" y="3276600"/>
+            <a:ext cx="1696649" cy="462306"/>
           </a:xfrm>
           <a:prstGeom prst="rect">
             <a:avLst/>
@@ -6609,23 +6682,23 @@
           <a:p>
             <a:pPr algn="ctr"/>
             <a:r>
-              <a:rPr lang="en-US" dirty="0" smtClean="0"/>
-              <a:t>time</a:t>
-            </a:r>
-            <a:endParaRPr lang="en-US" dirty="0"/>
-          </a:p>
-        </p:txBody>
-      </p:sp>
-      <p:sp>
-        <p:nvSpPr>
-          <p:cNvPr id="23" name="Rectangle 22"/>
+              <a:rPr lang="en-US" smtClean="0"/>
+              <a:t>#ktrader</a:t>
+            </a:r>
+            <a:endParaRPr lang="en-US"/>
+          </a:p>
+        </p:txBody>
+      </p:sp>
+      <p:sp>
+        <p:nvSpPr>
+          <p:cNvPr id="28" name="Rectangle 27"/>
           <p:cNvSpPr/>
           <p:nvPr/>
         </p:nvSpPr>
         <p:spPr>
           <a:xfrm>
-            <a:off x="5337822" y="1427029"/>
-            <a:ext cx="1371600" cy="462306"/>
+            <a:off x="2113350" y="2590800"/>
+            <a:ext cx="1696649" cy="462306"/>
           </a:xfrm>
           <a:prstGeom prst="rect">
             <a:avLst/>
@@ -6659,22 +6732,224 @@
           <a:p>
             <a:pPr algn="ctr"/>
             <a:r>
-              <a:rPr lang="en-US" dirty="0" smtClean="0"/>
-              <a:t>interface</a:t>
-            </a:r>
-            <a:endParaRPr lang="en-US" dirty="0"/>
-          </a:p>
-        </p:txBody>
-      </p:sp>
-      <p:sp>
-        <p:nvSpPr>
-          <p:cNvPr id="25" name="Rectangle 24"/>
+              <a:rPr lang="en-US" smtClean="0"/>
+              <a:t>#korderBook</a:t>
+            </a:r>
+            <a:endParaRPr lang="en-US"/>
+          </a:p>
+        </p:txBody>
+      </p:sp>
+      <p:cxnSp>
+        <p:nvCxnSpPr>
+          <p:cNvPr id="7" name="Elbow Connector 6"/>
+          <p:cNvCxnSpPr>
+            <a:stCxn id="31" idx="2"/>
+            <a:endCxn id="28" idx="1"/>
+          </p:cNvCxnSpPr>
+          <p:nvPr/>
+        </p:nvCxnSpPr>
+        <p:spPr>
+          <a:xfrm rot="16200000" flipH="1">
+            <a:off x="715052" y="1423654"/>
+            <a:ext cx="1902447" cy="894150"/>
+          </a:xfrm>
+          <a:prstGeom prst="bentConnector2">
+            <a:avLst/>
+          </a:prstGeom>
+        </p:spPr>
+        <p:style>
+          <a:lnRef idx="1">
+            <a:schemeClr val="accent1"/>
+          </a:lnRef>
+          <a:fillRef idx="0">
+            <a:schemeClr val="accent1"/>
+          </a:fillRef>
+          <a:effectRef idx="0">
+            <a:schemeClr val="accent1"/>
+          </a:effectRef>
+          <a:fontRef idx="minor">
+            <a:schemeClr val="tx1"/>
+          </a:fontRef>
+        </p:style>
+      </p:cxnSp>
+      <p:cxnSp>
+        <p:nvCxnSpPr>
+          <p:cNvPr id="9" name="Elbow Connector 8"/>
+          <p:cNvCxnSpPr>
+            <a:stCxn id="31" idx="2"/>
+            <a:endCxn id="27" idx="1"/>
+          </p:cNvCxnSpPr>
+          <p:nvPr/>
+        </p:nvCxnSpPr>
+        <p:spPr>
+          <a:xfrm rot="16200000" flipH="1">
+            <a:off x="372152" y="1766554"/>
+            <a:ext cx="2588247" cy="894150"/>
+          </a:xfrm>
+          <a:prstGeom prst="bentConnector2">
+            <a:avLst/>
+          </a:prstGeom>
+        </p:spPr>
+        <p:style>
+          <a:lnRef idx="1">
+            <a:schemeClr val="accent1"/>
+          </a:lnRef>
+          <a:fillRef idx="0">
+            <a:schemeClr val="accent1"/>
+          </a:fillRef>
+          <a:effectRef idx="0">
+            <a:schemeClr val="accent1"/>
+          </a:effectRef>
+          <a:fontRef idx="minor">
+            <a:schemeClr val="tx1"/>
+          </a:fontRef>
+        </p:style>
+      </p:cxnSp>
+      <p:cxnSp>
+        <p:nvCxnSpPr>
+          <p:cNvPr id="12" name="Elbow Connector 11"/>
+          <p:cNvCxnSpPr>
+            <a:stCxn id="31" idx="2"/>
+            <a:endCxn id="26" idx="1"/>
+          </p:cNvCxnSpPr>
+          <p:nvPr/>
+        </p:nvCxnSpPr>
+        <p:spPr>
+          <a:xfrm rot="16200000" flipH="1">
+            <a:off x="29252" y="2109454"/>
+            <a:ext cx="3274047" cy="894150"/>
+          </a:xfrm>
+          <a:prstGeom prst="bentConnector2">
+            <a:avLst/>
+          </a:prstGeom>
+        </p:spPr>
+        <p:style>
+          <a:lnRef idx="1">
+            <a:schemeClr val="accent1"/>
+          </a:lnRef>
+          <a:fillRef idx="0">
+            <a:schemeClr val="accent1"/>
+          </a:fillRef>
+          <a:effectRef idx="0">
+            <a:schemeClr val="accent1"/>
+          </a:effectRef>
+          <a:fontRef idx="minor">
+            <a:schemeClr val="tx1"/>
+          </a:fontRef>
+        </p:style>
+      </p:cxnSp>
+      <p:cxnSp>
+        <p:nvCxnSpPr>
+          <p:cNvPr id="14" name="Elbow Connector 13"/>
+          <p:cNvCxnSpPr>
+            <a:stCxn id="31" idx="2"/>
+            <a:endCxn id="25" idx="1"/>
+          </p:cNvCxnSpPr>
+          <p:nvPr/>
+        </p:nvCxnSpPr>
+        <p:spPr>
+          <a:xfrm rot="16200000" flipH="1">
+            <a:off x="-313648" y="2452354"/>
+            <a:ext cx="3959847" cy="894150"/>
+          </a:xfrm>
+          <a:prstGeom prst="bentConnector2">
+            <a:avLst/>
+          </a:prstGeom>
+        </p:spPr>
+        <p:style>
+          <a:lnRef idx="1">
+            <a:schemeClr val="accent1"/>
+          </a:lnRef>
+          <a:fillRef idx="0">
+            <a:schemeClr val="accent1"/>
+          </a:fillRef>
+          <a:effectRef idx="0">
+            <a:schemeClr val="accent1"/>
+          </a:effectRef>
+          <a:fontRef idx="minor">
+            <a:schemeClr val="tx1"/>
+          </a:fontRef>
+        </p:style>
+      </p:cxnSp>
+      <p:cxnSp>
+        <p:nvCxnSpPr>
+          <p:cNvPr id="19" name="Elbow Connector 18"/>
+          <p:cNvCxnSpPr>
+            <a:stCxn id="31" idx="2"/>
+            <a:endCxn id="24" idx="1"/>
+          </p:cNvCxnSpPr>
+          <p:nvPr/>
+        </p:nvCxnSpPr>
+        <p:spPr>
+          <a:xfrm rot="16200000" flipH="1">
+            <a:off x="-656548" y="2795254"/>
+            <a:ext cx="4645647" cy="894150"/>
+          </a:xfrm>
+          <a:prstGeom prst="bentConnector2">
+            <a:avLst/>
+          </a:prstGeom>
+        </p:spPr>
+        <p:style>
+          <a:lnRef idx="1">
+            <a:schemeClr val="accent1"/>
+          </a:lnRef>
+          <a:fillRef idx="0">
+            <a:schemeClr val="accent1"/>
+          </a:fillRef>
+          <a:effectRef idx="0">
+            <a:schemeClr val="accent1"/>
+          </a:effectRef>
+          <a:fontRef idx="minor">
+            <a:schemeClr val="tx1"/>
+          </a:fontRef>
+        </p:style>
+      </p:cxnSp>
+    </p:spTree>
+    <p:extLst>
+      <p:ext uri="{BB962C8B-B14F-4D97-AF65-F5344CB8AC3E}">
+        <p14:creationId xmlns:p14="http://schemas.microsoft.com/office/powerpoint/2010/main" val="1034114762"/>
+      </p:ext>
+    </p:extLst>
+  </p:cSld>
+  <p:clrMapOvr>
+    <a:masterClrMapping/>
+  </p:clrMapOvr>
+  <p:timing>
+    <p:tnLst>
+      <p:par>
+        <p:cTn id="1" dur="indefinite" restart="never" nodeType="tmRoot"/>
+      </p:par>
+    </p:tnLst>
+  </p:timing>
+</p:sld>
+</file>
+
+<file path=ppt/slides/slide5.xml><?xml version="1.0" encoding="utf-8"?>
+<p:sld xmlns:a="http://schemas.openxmlformats.org/drawingml/2006/main" xmlns:r="http://schemas.openxmlformats.org/officeDocument/2006/relationships" xmlns:p="http://schemas.openxmlformats.org/presentationml/2006/main">
+  <p:cSld>
+    <p:spTree>
+      <p:nvGrpSpPr>
+        <p:cNvPr id="1" name=""/>
+        <p:cNvGrpSpPr/>
+        <p:nvPr/>
+      </p:nvGrpSpPr>
+      <p:grpSpPr>
+        <a:xfrm>
+          <a:off x="0" y="0"/>
+          <a:ext cx="0" cy="0"/>
+          <a:chOff x="0" y="0"/>
+          <a:chExt cx="0" cy="0"/>
+        </a:xfrm>
+      </p:grpSpPr>
+      <p:sp>
+        <p:nvSpPr>
+          <p:cNvPr id="15" name="Rectangle 14"/>
           <p:cNvSpPr/>
           <p:nvPr/>
         </p:nvSpPr>
         <p:spPr>
           <a:xfrm>
-            <a:off x="762000" y="440575"/>
+            <a:off x="6858000" y="499435"/>
             <a:ext cx="1371600" cy="462306"/>
           </a:xfrm>
           <a:prstGeom prst="rect">
@@ -6709,22 +6984,22 @@
           <a:p>
             <a:pPr algn="ctr"/>
             <a:r>
-              <a:rPr lang="en-US" dirty="0" smtClean="0"/>
-              <a:t>javascript</a:t>
-            </a:r>
-            <a:endParaRPr lang="en-US" dirty="0"/>
-          </a:p>
-        </p:txBody>
-      </p:sp>
-      <p:sp>
-        <p:nvSpPr>
-          <p:cNvPr id="26" name="Rectangle 25"/>
+              <a:rPr lang="en-US" smtClean="0"/>
+              <a:t>exchange</a:t>
+            </a:r>
+            <a:endParaRPr lang="en-US"/>
+          </a:p>
+        </p:txBody>
+      </p:sp>
+      <p:sp>
+        <p:nvSpPr>
+          <p:cNvPr id="16" name="Rectangle 15"/>
           <p:cNvSpPr/>
           <p:nvPr/>
         </p:nvSpPr>
         <p:spPr>
           <a:xfrm>
-            <a:off x="761999" y="2469881"/>
+            <a:off x="6476869" y="2476380"/>
             <a:ext cx="1371600" cy="462306"/>
           </a:xfrm>
           <a:prstGeom prst="rect">
@@ -6759,23 +7034,23 @@
           <a:p>
             <a:pPr algn="ctr"/>
             <a:r>
-              <a:rPr lang="en-US" dirty="0" smtClean="0"/>
-              <a:t>php</a:t>
-            </a:r>
-            <a:endParaRPr lang="en-US" dirty="0"/>
-          </a:p>
-        </p:txBody>
-      </p:sp>
-      <p:sp>
-        <p:nvSpPr>
-          <p:cNvPr id="27" name="Rectangle 26"/>
+              <a:rPr lang="en-US" smtClean="0"/>
+              <a:t>funds</a:t>
+            </a:r>
+            <a:endParaRPr lang="en-US"/>
+          </a:p>
+        </p:txBody>
+      </p:sp>
+      <p:sp>
+        <p:nvSpPr>
+          <p:cNvPr id="17" name="Rectangle 16"/>
           <p:cNvSpPr/>
           <p:nvPr/>
         </p:nvSpPr>
         <p:spPr>
           <a:xfrm>
-            <a:off x="1938887" y="4442971"/>
-            <a:ext cx="1371600" cy="462306"/>
+            <a:off x="5102419" y="3607171"/>
+            <a:ext cx="1624588" cy="391967"/>
           </a:xfrm>
           <a:prstGeom prst="rect">
             <a:avLst/>
@@ -6809,10 +7084,414 @@
           <a:p>
             <a:pPr algn="ctr"/>
             <a:r>
-              <a:rPr lang="en-US" dirty="0" smtClean="0"/>
+              <a:rPr lang="en-US"/>
+              <a:t>o</a:t>
+            </a:r>
+            <a:r>
+              <a:rPr lang="en-US" smtClean="0"/>
+              <a:t>rder_book</a:t>
+            </a:r>
+            <a:endParaRPr lang="en-US"/>
+          </a:p>
+        </p:txBody>
+      </p:sp>
+      <p:sp>
+        <p:nvSpPr>
+          <p:cNvPr id="19" name="Rectangle 18"/>
+          <p:cNvSpPr/>
+          <p:nvPr/>
+        </p:nvSpPr>
+        <p:spPr>
+          <a:xfrm>
+            <a:off x="5102419" y="4280681"/>
+            <a:ext cx="1592246" cy="402737"/>
+          </a:xfrm>
+          <a:prstGeom prst="rect">
+            <a:avLst/>
+          </a:prstGeom>
+          <a:solidFill>
+            <a:schemeClr val="accent6">
+              <a:lumMod val="60000"/>
+              <a:lumOff val="40000"/>
+            </a:schemeClr>
+          </a:solidFill>
+        </p:spPr>
+        <p:style>
+          <a:lnRef idx="2">
+            <a:schemeClr val="accent1">
+              <a:shade val="50000"/>
+            </a:schemeClr>
+          </a:lnRef>
+          <a:fillRef idx="1">
+            <a:schemeClr val="accent1"/>
+          </a:fillRef>
+          <a:effectRef idx="0">
+            <a:schemeClr val="accent1"/>
+          </a:effectRef>
+          <a:fontRef idx="minor">
+            <a:schemeClr val="lt1"/>
+          </a:fontRef>
+        </p:style>
+        <p:txBody>
+          <a:bodyPr rtlCol="0" anchor="ctr"/>
+          <a:lstStyle/>
+          <a:p>
+            <a:pPr algn="ctr"/>
+            <a:r>
+              <a:rPr lang="en-US" smtClean="0"/>
+              <a:t>lots</a:t>
+            </a:r>
+            <a:endParaRPr lang="en-US"/>
+          </a:p>
+        </p:txBody>
+      </p:sp>
+      <p:sp>
+        <p:nvSpPr>
+          <p:cNvPr id="20" name="Rectangle 19"/>
+          <p:cNvSpPr/>
+          <p:nvPr/>
+        </p:nvSpPr>
+        <p:spPr>
+          <a:xfrm>
+            <a:off x="5454657" y="5667277"/>
+            <a:ext cx="1592246" cy="386106"/>
+          </a:xfrm>
+          <a:prstGeom prst="rect">
+            <a:avLst/>
+          </a:prstGeom>
+          <a:solidFill>
+            <a:schemeClr val="accent6">
+              <a:lumMod val="60000"/>
+              <a:lumOff val="40000"/>
+            </a:schemeClr>
+          </a:solidFill>
+        </p:spPr>
+        <p:style>
+          <a:lnRef idx="2">
+            <a:schemeClr val="accent1">
+              <a:shade val="50000"/>
+            </a:schemeClr>
+          </a:lnRef>
+          <a:fillRef idx="1">
+            <a:schemeClr val="accent1"/>
+          </a:fillRef>
+          <a:effectRef idx="0">
+            <a:schemeClr val="accent1"/>
+          </a:effectRef>
+          <a:fontRef idx="minor">
+            <a:schemeClr val="lt1"/>
+          </a:fontRef>
+        </p:style>
+        <p:txBody>
+          <a:bodyPr rtlCol="0" anchor="ctr"/>
+          <a:lstStyle/>
+          <a:p>
+            <a:pPr algn="ctr"/>
+            <a:r>
+              <a:rPr lang="en-US" smtClean="0"/>
+              <a:t>trades</a:t>
+            </a:r>
+            <a:endParaRPr lang="en-US"/>
+          </a:p>
+        </p:txBody>
+      </p:sp>
+      <p:sp>
+        <p:nvSpPr>
+          <p:cNvPr id="21" name="Rectangle 20"/>
+          <p:cNvSpPr/>
+          <p:nvPr/>
+        </p:nvSpPr>
+        <p:spPr>
+          <a:xfrm>
+            <a:off x="3921631" y="440575"/>
+            <a:ext cx="1371600" cy="462306"/>
+          </a:xfrm>
+          <a:prstGeom prst="rect">
+            <a:avLst/>
+          </a:prstGeom>
+          <a:solidFill>
+            <a:schemeClr val="accent6">
+              <a:lumMod val="60000"/>
+              <a:lumOff val="40000"/>
+            </a:schemeClr>
+          </a:solidFill>
+        </p:spPr>
+        <p:style>
+          <a:lnRef idx="2">
+            <a:schemeClr val="accent1">
+              <a:shade val="50000"/>
+            </a:schemeClr>
+          </a:lnRef>
+          <a:fillRef idx="1">
+            <a:schemeClr val="accent1"/>
+          </a:fillRef>
+          <a:effectRef idx="0">
+            <a:schemeClr val="accent1"/>
+          </a:effectRef>
+          <a:fontRef idx="minor">
+            <a:schemeClr val="lt1"/>
+          </a:fontRef>
+        </p:style>
+        <p:txBody>
+          <a:bodyPr rtlCol="0" anchor="ctr"/>
+          <a:lstStyle/>
+          <a:p>
+            <a:pPr algn="ctr"/>
+            <a:r>
+              <a:rPr lang="en-US" smtClean="0"/>
+              <a:t>socket</a:t>
+            </a:r>
+            <a:endParaRPr lang="en-US"/>
+          </a:p>
+        </p:txBody>
+      </p:sp>
+      <p:sp>
+        <p:nvSpPr>
+          <p:cNvPr id="22" name="Rectangle 21"/>
+          <p:cNvSpPr/>
+          <p:nvPr/>
+        </p:nvSpPr>
+        <p:spPr>
+          <a:xfrm>
+            <a:off x="762000" y="1358202"/>
+            <a:ext cx="1371600" cy="462306"/>
+          </a:xfrm>
+          <a:prstGeom prst="rect">
+            <a:avLst/>
+          </a:prstGeom>
+          <a:solidFill>
+            <a:schemeClr val="accent6">
+              <a:lumMod val="60000"/>
+              <a:lumOff val="40000"/>
+            </a:schemeClr>
+          </a:solidFill>
+        </p:spPr>
+        <p:style>
+          <a:lnRef idx="2">
+            <a:schemeClr val="accent1">
+              <a:shade val="50000"/>
+            </a:schemeClr>
+          </a:lnRef>
+          <a:fillRef idx="1">
+            <a:schemeClr val="accent1"/>
+          </a:fillRef>
+          <a:effectRef idx="0">
+            <a:schemeClr val="accent1"/>
+          </a:effectRef>
+          <a:fontRef idx="minor">
+            <a:schemeClr val="lt1"/>
+          </a:fontRef>
+        </p:style>
+        <p:txBody>
+          <a:bodyPr rtlCol="0" anchor="ctr"/>
+          <a:lstStyle/>
+          <a:p>
+            <a:pPr algn="ctr"/>
+            <a:r>
+              <a:rPr lang="en-US" smtClean="0"/>
+              <a:t>time</a:t>
+            </a:r>
+            <a:endParaRPr lang="en-US"/>
+          </a:p>
+        </p:txBody>
+      </p:sp>
+      <p:sp>
+        <p:nvSpPr>
+          <p:cNvPr id="23" name="Rectangle 22"/>
+          <p:cNvSpPr/>
+          <p:nvPr/>
+        </p:nvSpPr>
+        <p:spPr>
+          <a:xfrm>
+            <a:off x="5337822" y="1427029"/>
+            <a:ext cx="1371600" cy="462306"/>
+          </a:xfrm>
+          <a:prstGeom prst="rect">
+            <a:avLst/>
+          </a:prstGeom>
+          <a:solidFill>
+            <a:schemeClr val="accent6">
+              <a:lumMod val="60000"/>
+              <a:lumOff val="40000"/>
+            </a:schemeClr>
+          </a:solidFill>
+        </p:spPr>
+        <p:style>
+          <a:lnRef idx="2">
+            <a:schemeClr val="accent1">
+              <a:shade val="50000"/>
+            </a:schemeClr>
+          </a:lnRef>
+          <a:fillRef idx="1">
+            <a:schemeClr val="accent1"/>
+          </a:fillRef>
+          <a:effectRef idx="0">
+            <a:schemeClr val="accent1"/>
+          </a:effectRef>
+          <a:fontRef idx="minor">
+            <a:schemeClr val="lt1"/>
+          </a:fontRef>
+        </p:style>
+        <p:txBody>
+          <a:bodyPr rtlCol="0" anchor="ctr"/>
+          <a:lstStyle/>
+          <a:p>
+            <a:pPr algn="ctr"/>
+            <a:r>
+              <a:rPr lang="en-US" smtClean="0"/>
+              <a:t>interface</a:t>
+            </a:r>
+            <a:endParaRPr lang="en-US"/>
+          </a:p>
+        </p:txBody>
+      </p:sp>
+      <p:sp>
+        <p:nvSpPr>
+          <p:cNvPr id="25" name="Rectangle 24"/>
+          <p:cNvSpPr/>
+          <p:nvPr/>
+        </p:nvSpPr>
+        <p:spPr>
+          <a:xfrm>
+            <a:off x="762000" y="440575"/>
+            <a:ext cx="1371600" cy="462306"/>
+          </a:xfrm>
+          <a:prstGeom prst="rect">
+            <a:avLst/>
+          </a:prstGeom>
+          <a:solidFill>
+            <a:schemeClr val="accent6">
+              <a:lumMod val="60000"/>
+              <a:lumOff val="40000"/>
+            </a:schemeClr>
+          </a:solidFill>
+        </p:spPr>
+        <p:style>
+          <a:lnRef idx="2">
+            <a:schemeClr val="accent1">
+              <a:shade val="50000"/>
+            </a:schemeClr>
+          </a:lnRef>
+          <a:fillRef idx="1">
+            <a:schemeClr val="accent1"/>
+          </a:fillRef>
+          <a:effectRef idx="0">
+            <a:schemeClr val="accent1"/>
+          </a:effectRef>
+          <a:fontRef idx="minor">
+            <a:schemeClr val="lt1"/>
+          </a:fontRef>
+        </p:style>
+        <p:txBody>
+          <a:bodyPr rtlCol="0" anchor="ctr"/>
+          <a:lstStyle/>
+          <a:p>
+            <a:pPr algn="ctr"/>
+            <a:r>
+              <a:rPr lang="en-US" smtClean="0"/>
+              <a:t>javascript</a:t>
+            </a:r>
+            <a:endParaRPr lang="en-US"/>
+          </a:p>
+        </p:txBody>
+      </p:sp>
+      <p:sp>
+        <p:nvSpPr>
+          <p:cNvPr id="26" name="Rectangle 25"/>
+          <p:cNvSpPr/>
+          <p:nvPr/>
+        </p:nvSpPr>
+        <p:spPr>
+          <a:xfrm>
+            <a:off x="761999" y="2469881"/>
+            <a:ext cx="1371600" cy="462306"/>
+          </a:xfrm>
+          <a:prstGeom prst="rect">
+            <a:avLst/>
+          </a:prstGeom>
+          <a:solidFill>
+            <a:schemeClr val="accent6">
+              <a:lumMod val="60000"/>
+              <a:lumOff val="40000"/>
+            </a:schemeClr>
+          </a:solidFill>
+        </p:spPr>
+        <p:style>
+          <a:lnRef idx="2">
+            <a:schemeClr val="accent1">
+              <a:shade val="50000"/>
+            </a:schemeClr>
+          </a:lnRef>
+          <a:fillRef idx="1">
+            <a:schemeClr val="accent1"/>
+          </a:fillRef>
+          <a:effectRef idx="0">
+            <a:schemeClr val="accent1"/>
+          </a:effectRef>
+          <a:fontRef idx="minor">
+            <a:schemeClr val="lt1"/>
+          </a:fontRef>
+        </p:style>
+        <p:txBody>
+          <a:bodyPr rtlCol="0" anchor="ctr"/>
+          <a:lstStyle/>
+          <a:p>
+            <a:pPr algn="ctr"/>
+            <a:r>
+              <a:rPr lang="en-US" smtClean="0"/>
+              <a:t>php</a:t>
+            </a:r>
+            <a:endParaRPr lang="en-US"/>
+          </a:p>
+        </p:txBody>
+      </p:sp>
+      <p:sp>
+        <p:nvSpPr>
+          <p:cNvPr id="27" name="Rectangle 26"/>
+          <p:cNvSpPr/>
+          <p:nvPr/>
+        </p:nvSpPr>
+        <p:spPr>
+          <a:xfrm>
+            <a:off x="1938887" y="4442971"/>
+            <a:ext cx="1371600" cy="462306"/>
+          </a:xfrm>
+          <a:prstGeom prst="rect">
+            <a:avLst/>
+          </a:prstGeom>
+          <a:solidFill>
+            <a:schemeClr val="accent6">
+              <a:lumMod val="60000"/>
+              <a:lumOff val="40000"/>
+            </a:schemeClr>
+          </a:solidFill>
+        </p:spPr>
+        <p:style>
+          <a:lnRef idx="2">
+            <a:schemeClr val="accent1">
+              <a:shade val="50000"/>
+            </a:schemeClr>
+          </a:lnRef>
+          <a:fillRef idx="1">
+            <a:schemeClr val="accent1"/>
+          </a:fillRef>
+          <a:effectRef idx="0">
+            <a:schemeClr val="accent1"/>
+          </a:effectRef>
+          <a:fontRef idx="minor">
+            <a:schemeClr val="lt1"/>
+          </a:fontRef>
+        </p:style>
+        <p:txBody>
+          <a:bodyPr rtlCol="0" anchor="ctr"/>
+          <a:lstStyle/>
+          <a:p>
+            <a:pPr algn="ctr"/>
+            <a:r>
+              <a:rPr lang="en-US" smtClean="0"/>
               <a:t>session</a:t>
             </a:r>
-            <a:endParaRPr lang="en-US" dirty="0"/>
+            <a:endParaRPr lang="en-US"/>
           </a:p>
         </p:txBody>
       </p:sp>
@@ -6992,8 +7671,8 @@
         </p:nvCxnSpPr>
         <p:spPr>
           <a:xfrm flipV="1">
-            <a:off x="3505200" y="1658182"/>
-            <a:ext cx="1832622" cy="1681098"/>
+            <a:off x="3310488" y="1658182"/>
+            <a:ext cx="2027334" cy="1769214"/>
           </a:xfrm>
           <a:prstGeom prst="line">
             <a:avLst/>
@@ -7121,7 +7800,7 @@
         </p:nvSpPr>
         <p:spPr>
           <a:xfrm>
-            <a:off x="2133600" y="3108127"/>
+            <a:off x="1938888" y="3196243"/>
             <a:ext cx="1371600" cy="462306"/>
           </a:xfrm>
           <a:prstGeom prst="rect">
@@ -7156,10 +7835,10 @@
           <a:p>
             <a:pPr algn="ctr"/>
             <a:r>
-              <a:rPr lang="en-US" dirty="0" smtClean="0"/>
+              <a:rPr lang="en-US" smtClean="0"/>
               <a:t>trader</a:t>
             </a:r>
-            <a:endParaRPr lang="en-US" dirty="0"/>
+            <a:endParaRPr lang="en-US"/>
           </a:p>
         </p:txBody>
       </p:sp>
@@ -7174,8 +7853,8 @@
         </p:nvCxnSpPr>
         <p:spPr>
           <a:xfrm rot="16200000" flipH="1">
-            <a:off x="1587153" y="2792832"/>
-            <a:ext cx="407093" cy="685801"/>
+            <a:off x="1445739" y="2934246"/>
+            <a:ext cx="495209" cy="491089"/>
           </a:xfrm>
           <a:prstGeom prst="bentConnector2">
             <a:avLst/>
@@ -7207,8 +7886,8 @@
         </p:nvCxnSpPr>
         <p:spPr>
           <a:xfrm flipV="1">
-            <a:off x="3505200" y="2707533"/>
-            <a:ext cx="2971669" cy="631747"/>
+            <a:off x="3310488" y="2707533"/>
+            <a:ext cx="3166381" cy="719863"/>
           </a:xfrm>
           <a:prstGeom prst="bentConnector3">
             <a:avLst>
@@ -7307,10 +7986,10 @@
           <a:p>
             <a:pPr algn="ctr"/>
             <a:r>
-              <a:rPr lang="en-US" dirty="0" smtClean="0"/>
+              <a:rPr lang="en-US" smtClean="0"/>
               <a:t>crud</a:t>
             </a:r>
-            <a:endParaRPr lang="en-US" dirty="0"/>
+            <a:endParaRPr lang="en-US"/>
           </a:p>
         </p:txBody>
       </p:sp>
@@ -7390,10 +8069,10 @@
           <a:p>
             <a:pPr algn="ctr"/>
             <a:r>
-              <a:rPr lang="en-US" dirty="0" smtClean="0"/>
+              <a:rPr lang="en-US" smtClean="0"/>
               <a:t>sales</a:t>
             </a:r>
-            <a:endParaRPr lang="en-US" dirty="0"/>
+            <a:endParaRPr lang="en-US"/>
           </a:p>
         </p:txBody>
       </p:sp>
@@ -7473,10 +8152,10 @@
           <a:p>
             <a:pPr algn="ctr"/>
             <a:r>
-              <a:rPr lang="en-US" dirty="0" smtClean="0"/>
+              <a:rPr lang="en-US" smtClean="0"/>
               <a:t>state</a:t>
             </a:r>
-            <a:endParaRPr lang="en-US" dirty="0"/>
+            <a:endParaRPr lang="en-US"/>
           </a:p>
         </p:txBody>
       </p:sp>
@@ -7517,6 +8196,2132 @@
     <p:extLst>
       <p:ext uri="{BB962C8B-B14F-4D97-AF65-F5344CB8AC3E}">
         <p14:creationId xmlns:p14="http://schemas.microsoft.com/office/powerpoint/2010/main" val="871240030"/>
+      </p:ext>
+    </p:extLst>
+  </p:cSld>
+  <p:clrMapOvr>
+    <a:masterClrMapping/>
+  </p:clrMapOvr>
+  <p:timing>
+    <p:tnLst>
+      <p:par>
+        <p:cTn id="1" dur="indefinite" restart="never" nodeType="tmRoot"/>
+      </p:par>
+    </p:tnLst>
+  </p:timing>
+</p:sld>
+</file>
+
+<file path=ppt/slides/slide6.xml><?xml version="1.0" encoding="utf-8"?>
+<p:sld xmlns:a="http://schemas.openxmlformats.org/drawingml/2006/main" xmlns:r="http://schemas.openxmlformats.org/officeDocument/2006/relationships" xmlns:p="http://schemas.openxmlformats.org/presentationml/2006/main">
+  <p:cSld>
+    <p:spTree>
+      <p:nvGrpSpPr>
+        <p:cNvPr id="1" name=""/>
+        <p:cNvGrpSpPr/>
+        <p:nvPr/>
+      </p:nvGrpSpPr>
+      <p:grpSpPr>
+        <a:xfrm>
+          <a:off x="0" y="0"/>
+          <a:ext cx="0" cy="0"/>
+          <a:chOff x="0" y="0"/>
+          <a:chExt cx="0" cy="0"/>
+        </a:xfrm>
+      </p:grpSpPr>
+      <p:sp>
+        <p:nvSpPr>
+          <p:cNvPr id="31" name="Rectangle 30"/>
+          <p:cNvSpPr/>
+          <p:nvPr/>
+        </p:nvSpPr>
+        <p:spPr>
+          <a:xfrm>
+            <a:off x="471055" y="5201105"/>
+            <a:ext cx="1371600" cy="462306"/>
+          </a:xfrm>
+          <a:prstGeom prst="rect">
+            <a:avLst/>
+          </a:prstGeom>
+          <a:solidFill>
+            <a:schemeClr val="accent6">
+              <a:lumMod val="60000"/>
+              <a:lumOff val="40000"/>
+            </a:schemeClr>
+          </a:solidFill>
+        </p:spPr>
+        <p:style>
+          <a:lnRef idx="2">
+            <a:schemeClr val="accent1">
+              <a:shade val="50000"/>
+            </a:schemeClr>
+          </a:lnRef>
+          <a:fillRef idx="1">
+            <a:schemeClr val="accent1"/>
+          </a:fillRef>
+          <a:effectRef idx="0">
+            <a:schemeClr val="accent1"/>
+          </a:effectRef>
+          <a:fontRef idx="minor">
+            <a:schemeClr val="lt1"/>
+          </a:fontRef>
+        </p:style>
+        <p:txBody>
+          <a:bodyPr rtlCol="0" anchor="ctr"/>
+          <a:lstStyle/>
+          <a:p>
+            <a:pPr algn="ctr"/>
+            <a:endParaRPr lang="en-US"/>
+          </a:p>
+        </p:txBody>
+      </p:sp>
+      <p:sp>
+        <p:nvSpPr>
+          <p:cNvPr id="7" name="Rectangle 6"/>
+          <p:cNvSpPr/>
+          <p:nvPr/>
+        </p:nvSpPr>
+        <p:spPr>
+          <a:xfrm>
+            <a:off x="2646218" y="456244"/>
+            <a:ext cx="1371600" cy="462306"/>
+          </a:xfrm>
+          <a:prstGeom prst="rect">
+            <a:avLst/>
+          </a:prstGeom>
+          <a:solidFill>
+            <a:schemeClr val="accent6">
+              <a:lumMod val="60000"/>
+              <a:lumOff val="40000"/>
+            </a:schemeClr>
+          </a:solidFill>
+        </p:spPr>
+        <p:style>
+          <a:lnRef idx="2">
+            <a:schemeClr val="accent1">
+              <a:shade val="50000"/>
+            </a:schemeClr>
+          </a:lnRef>
+          <a:fillRef idx="1">
+            <a:schemeClr val="accent1"/>
+          </a:fillRef>
+          <a:effectRef idx="0">
+            <a:schemeClr val="accent1"/>
+          </a:effectRef>
+          <a:fontRef idx="minor">
+            <a:schemeClr val="lt1"/>
+          </a:fontRef>
+        </p:style>
+        <p:txBody>
+          <a:bodyPr rtlCol="0" anchor="ctr"/>
+          <a:lstStyle/>
+          <a:p>
+            <a:pPr algn="ctr"/>
+            <a:r>
+              <a:rPr lang="en-US" smtClean="0"/>
+              <a:t>cost</a:t>
+            </a:r>
+            <a:endParaRPr lang="en-US"/>
+          </a:p>
+        </p:txBody>
+      </p:sp>
+      <p:sp>
+        <p:nvSpPr>
+          <p:cNvPr id="8" name="Rectangle 7"/>
+          <p:cNvSpPr/>
+          <p:nvPr/>
+        </p:nvSpPr>
+        <p:spPr>
+          <a:xfrm>
+            <a:off x="2653145" y="1220710"/>
+            <a:ext cx="1371600" cy="462306"/>
+          </a:xfrm>
+          <a:prstGeom prst="rect">
+            <a:avLst/>
+          </a:prstGeom>
+          <a:solidFill>
+            <a:schemeClr val="accent6">
+              <a:lumMod val="60000"/>
+              <a:lumOff val="40000"/>
+            </a:schemeClr>
+          </a:solidFill>
+        </p:spPr>
+        <p:style>
+          <a:lnRef idx="2">
+            <a:schemeClr val="accent1">
+              <a:shade val="50000"/>
+            </a:schemeClr>
+          </a:lnRef>
+          <a:fillRef idx="1">
+            <a:schemeClr val="accent1"/>
+          </a:fillRef>
+          <a:effectRef idx="0">
+            <a:schemeClr val="accent1"/>
+          </a:effectRef>
+          <a:fontRef idx="minor">
+            <a:schemeClr val="lt1"/>
+          </a:fontRef>
+        </p:style>
+        <p:txBody>
+          <a:bodyPr rtlCol="0" anchor="ctr"/>
+          <a:lstStyle/>
+          <a:p>
+            <a:pPr algn="ctr"/>
+            <a:r>
+              <a:rPr lang="en-US" smtClean="0"/>
+              <a:t>price</a:t>
+            </a:r>
+            <a:endParaRPr lang="en-US"/>
+          </a:p>
+        </p:txBody>
+      </p:sp>
+      <p:sp>
+        <p:nvSpPr>
+          <p:cNvPr id="9" name="Rectangle 8"/>
+          <p:cNvSpPr/>
+          <p:nvPr/>
+        </p:nvSpPr>
+        <p:spPr>
+          <a:xfrm>
+            <a:off x="4267200" y="4793672"/>
+            <a:ext cx="1371600" cy="462306"/>
+          </a:xfrm>
+          <a:prstGeom prst="rect">
+            <a:avLst/>
+          </a:prstGeom>
+          <a:solidFill>
+            <a:schemeClr val="accent6">
+              <a:lumMod val="60000"/>
+              <a:lumOff val="40000"/>
+            </a:schemeClr>
+          </a:solidFill>
+        </p:spPr>
+        <p:style>
+          <a:lnRef idx="2">
+            <a:schemeClr val="accent1">
+              <a:shade val="50000"/>
+            </a:schemeClr>
+          </a:lnRef>
+          <a:fillRef idx="1">
+            <a:schemeClr val="accent1"/>
+          </a:fillRef>
+          <a:effectRef idx="0">
+            <a:schemeClr val="accent1"/>
+          </a:effectRef>
+          <a:fontRef idx="minor">
+            <a:schemeClr val="lt1"/>
+          </a:fontRef>
+        </p:style>
+        <p:txBody>
+          <a:bodyPr rtlCol="0" anchor="ctr"/>
+          <a:lstStyle/>
+          <a:p>
+            <a:pPr algn="ctr"/>
+            <a:r>
+              <a:rPr lang="en-US" smtClean="0"/>
+              <a:t>trade</a:t>
+            </a:r>
+            <a:endParaRPr lang="en-US"/>
+          </a:p>
+        </p:txBody>
+      </p:sp>
+      <p:sp>
+        <p:nvSpPr>
+          <p:cNvPr id="10" name="Rectangle 9"/>
+          <p:cNvSpPr/>
+          <p:nvPr/>
+        </p:nvSpPr>
+        <p:spPr>
+          <a:xfrm>
+            <a:off x="7128163" y="1143000"/>
+            <a:ext cx="1371600" cy="462306"/>
+          </a:xfrm>
+          <a:prstGeom prst="rect">
+            <a:avLst/>
+          </a:prstGeom>
+          <a:solidFill>
+            <a:schemeClr val="accent6">
+              <a:lumMod val="60000"/>
+              <a:lumOff val="40000"/>
+            </a:schemeClr>
+          </a:solidFill>
+        </p:spPr>
+        <p:style>
+          <a:lnRef idx="2">
+            <a:schemeClr val="accent1">
+              <a:shade val="50000"/>
+            </a:schemeClr>
+          </a:lnRef>
+          <a:fillRef idx="1">
+            <a:schemeClr val="accent1"/>
+          </a:fillRef>
+          <a:effectRef idx="0">
+            <a:schemeClr val="accent1"/>
+          </a:effectRef>
+          <a:fontRef idx="minor">
+            <a:schemeClr val="lt1"/>
+          </a:fontRef>
+        </p:style>
+        <p:txBody>
+          <a:bodyPr rtlCol="0" anchor="ctr"/>
+          <a:lstStyle/>
+          <a:p>
+            <a:pPr algn="ctr"/>
+            <a:r>
+              <a:rPr lang="en-US" smtClean="0"/>
+              <a:t>lot</a:t>
+            </a:r>
+            <a:endParaRPr lang="en-US"/>
+          </a:p>
+        </p:txBody>
+      </p:sp>
+      <p:sp>
+        <p:nvSpPr>
+          <p:cNvPr id="11" name="Rectangle 10"/>
+          <p:cNvSpPr/>
+          <p:nvPr/>
+        </p:nvSpPr>
+        <p:spPr>
+          <a:xfrm>
+            <a:off x="2261754" y="3066007"/>
+            <a:ext cx="1371600" cy="462306"/>
+          </a:xfrm>
+          <a:prstGeom prst="rect">
+            <a:avLst/>
+          </a:prstGeom>
+          <a:solidFill>
+            <a:schemeClr val="accent6">
+              <a:lumMod val="60000"/>
+              <a:lumOff val="40000"/>
+            </a:schemeClr>
+          </a:solidFill>
+        </p:spPr>
+        <p:style>
+          <a:lnRef idx="2">
+            <a:schemeClr val="accent1">
+              <a:shade val="50000"/>
+            </a:schemeClr>
+          </a:lnRef>
+          <a:fillRef idx="1">
+            <a:schemeClr val="accent1"/>
+          </a:fillRef>
+          <a:effectRef idx="0">
+            <a:schemeClr val="accent1"/>
+          </a:effectRef>
+          <a:fontRef idx="minor">
+            <a:schemeClr val="lt1"/>
+          </a:fontRef>
+        </p:style>
+        <p:txBody>
+          <a:bodyPr rtlCol="0" anchor="ctr"/>
+          <a:lstStyle/>
+          <a:p>
+            <a:pPr algn="ctr"/>
+            <a:r>
+              <a:rPr lang="en-US" smtClean="0"/>
+              <a:t>order</a:t>
+            </a:r>
+            <a:endParaRPr lang="en-US"/>
+          </a:p>
+        </p:txBody>
+      </p:sp>
+      <p:sp>
+        <p:nvSpPr>
+          <p:cNvPr id="12" name="Rectangle 11"/>
+          <p:cNvSpPr/>
+          <p:nvPr/>
+        </p:nvSpPr>
+        <p:spPr>
+          <a:xfrm>
+            <a:off x="7128163" y="370921"/>
+            <a:ext cx="1371600" cy="462306"/>
+          </a:xfrm>
+          <a:prstGeom prst="rect">
+            <a:avLst/>
+          </a:prstGeom>
+          <a:solidFill>
+            <a:schemeClr val="accent6">
+              <a:lumMod val="60000"/>
+              <a:lumOff val="40000"/>
+            </a:schemeClr>
+          </a:solidFill>
+        </p:spPr>
+        <p:style>
+          <a:lnRef idx="2">
+            <a:schemeClr val="accent1">
+              <a:shade val="50000"/>
+            </a:schemeClr>
+          </a:lnRef>
+          <a:fillRef idx="1">
+            <a:schemeClr val="accent1"/>
+          </a:fillRef>
+          <a:effectRef idx="0">
+            <a:schemeClr val="accent1"/>
+          </a:effectRef>
+          <a:fontRef idx="minor">
+            <a:schemeClr val="lt1"/>
+          </a:fontRef>
+        </p:style>
+        <p:txBody>
+          <a:bodyPr rtlCol="0" anchor="ctr"/>
+          <a:lstStyle/>
+          <a:p>
+            <a:pPr algn="ctr"/>
+            <a:r>
+              <a:rPr lang="en-US" smtClean="0"/>
+              <a:t>funds</a:t>
+            </a:r>
+            <a:endParaRPr lang="en-US"/>
+          </a:p>
+        </p:txBody>
+      </p:sp>
+      <p:sp>
+        <p:nvSpPr>
+          <p:cNvPr id="14" name="Rectangle 13"/>
+          <p:cNvSpPr/>
+          <p:nvPr/>
+        </p:nvSpPr>
+        <p:spPr>
+          <a:xfrm>
+            <a:off x="6605954" y="5049249"/>
+            <a:ext cx="1371600" cy="462306"/>
+          </a:xfrm>
+          <a:prstGeom prst="rect">
+            <a:avLst/>
+          </a:prstGeom>
+          <a:solidFill>
+            <a:schemeClr val="accent6">
+              <a:lumMod val="60000"/>
+              <a:lumOff val="40000"/>
+            </a:schemeClr>
+          </a:solidFill>
+        </p:spPr>
+        <p:style>
+          <a:lnRef idx="2">
+            <a:schemeClr val="accent1">
+              <a:shade val="50000"/>
+            </a:schemeClr>
+          </a:lnRef>
+          <a:fillRef idx="1">
+            <a:schemeClr val="accent1"/>
+          </a:fillRef>
+          <a:effectRef idx="0">
+            <a:schemeClr val="accent1"/>
+          </a:effectRef>
+          <a:fontRef idx="minor">
+            <a:schemeClr val="lt1"/>
+          </a:fontRef>
+        </p:style>
+        <p:txBody>
+          <a:bodyPr rtlCol="0" anchor="ctr"/>
+          <a:lstStyle/>
+          <a:p>
+            <a:pPr algn="ctr"/>
+            <a:r>
+              <a:rPr lang="en-US"/>
+              <a:t>s</a:t>
+            </a:r>
+            <a:r>
+              <a:rPr lang="en-US" smtClean="0"/>
+              <a:t>ell</a:t>
+            </a:r>
+            <a:endParaRPr lang="en-US"/>
+          </a:p>
+        </p:txBody>
+      </p:sp>
+      <p:sp>
+        <p:nvSpPr>
+          <p:cNvPr id="17" name="Rectangle 16"/>
+          <p:cNvSpPr/>
+          <p:nvPr/>
+        </p:nvSpPr>
+        <p:spPr>
+          <a:xfrm>
+            <a:off x="6605954" y="4366002"/>
+            <a:ext cx="1371600" cy="462306"/>
+          </a:xfrm>
+          <a:prstGeom prst="rect">
+            <a:avLst/>
+          </a:prstGeom>
+          <a:solidFill>
+            <a:schemeClr val="accent6">
+              <a:lumMod val="60000"/>
+              <a:lumOff val="40000"/>
+            </a:schemeClr>
+          </a:solidFill>
+        </p:spPr>
+        <p:style>
+          <a:lnRef idx="2">
+            <a:schemeClr val="accent1">
+              <a:shade val="50000"/>
+            </a:schemeClr>
+          </a:lnRef>
+          <a:fillRef idx="1">
+            <a:schemeClr val="accent1"/>
+          </a:fillRef>
+          <a:effectRef idx="0">
+            <a:schemeClr val="accent1"/>
+          </a:effectRef>
+          <a:fontRef idx="minor">
+            <a:schemeClr val="lt1"/>
+          </a:fontRef>
+        </p:style>
+        <p:txBody>
+          <a:bodyPr rtlCol="0" anchor="ctr"/>
+          <a:lstStyle/>
+          <a:p>
+            <a:pPr algn="ctr"/>
+            <a:r>
+              <a:rPr lang="en-US" smtClean="0"/>
+              <a:t>buy</a:t>
+            </a:r>
+            <a:endParaRPr lang="en-US"/>
+          </a:p>
+        </p:txBody>
+      </p:sp>
+      <p:sp>
+        <p:nvSpPr>
+          <p:cNvPr id="18" name="Rectangle 17"/>
+          <p:cNvSpPr/>
+          <p:nvPr/>
+        </p:nvSpPr>
+        <p:spPr>
+          <a:xfrm>
+            <a:off x="4575463" y="3447118"/>
+            <a:ext cx="1371600" cy="462306"/>
+          </a:xfrm>
+          <a:prstGeom prst="rect">
+            <a:avLst/>
+          </a:prstGeom>
+          <a:solidFill>
+            <a:schemeClr val="accent6">
+              <a:lumMod val="60000"/>
+              <a:lumOff val="40000"/>
+            </a:schemeClr>
+          </a:solidFill>
+        </p:spPr>
+        <p:style>
+          <a:lnRef idx="2">
+            <a:schemeClr val="accent1">
+              <a:shade val="50000"/>
+            </a:schemeClr>
+          </a:lnRef>
+          <a:fillRef idx="1">
+            <a:schemeClr val="accent1"/>
+          </a:fillRef>
+          <a:effectRef idx="0">
+            <a:schemeClr val="accent1"/>
+          </a:effectRef>
+          <a:fontRef idx="minor">
+            <a:schemeClr val="lt1"/>
+          </a:fontRef>
+        </p:style>
+        <p:txBody>
+          <a:bodyPr rtlCol="0" anchor="ctr"/>
+          <a:lstStyle/>
+          <a:p>
+            <a:pPr algn="ctr"/>
+            <a:r>
+              <a:rPr lang="en-US" smtClean="0"/>
+              <a:t>ask</a:t>
+            </a:r>
+            <a:endParaRPr lang="en-US"/>
+          </a:p>
+        </p:txBody>
+      </p:sp>
+      <p:sp>
+        <p:nvSpPr>
+          <p:cNvPr id="19" name="Rectangle 18"/>
+          <p:cNvSpPr/>
+          <p:nvPr/>
+        </p:nvSpPr>
+        <p:spPr>
+          <a:xfrm>
+            <a:off x="4575463" y="2690224"/>
+            <a:ext cx="1371600" cy="462306"/>
+          </a:xfrm>
+          <a:prstGeom prst="rect">
+            <a:avLst/>
+          </a:prstGeom>
+          <a:solidFill>
+            <a:schemeClr val="accent6">
+              <a:lumMod val="60000"/>
+              <a:lumOff val="40000"/>
+            </a:schemeClr>
+          </a:solidFill>
+        </p:spPr>
+        <p:style>
+          <a:lnRef idx="2">
+            <a:schemeClr val="accent1">
+              <a:shade val="50000"/>
+            </a:schemeClr>
+          </a:lnRef>
+          <a:fillRef idx="1">
+            <a:schemeClr val="accent1"/>
+          </a:fillRef>
+          <a:effectRef idx="0">
+            <a:schemeClr val="accent1"/>
+          </a:effectRef>
+          <a:fontRef idx="minor">
+            <a:schemeClr val="lt1"/>
+          </a:fontRef>
+        </p:style>
+        <p:txBody>
+          <a:bodyPr rtlCol="0" anchor="ctr"/>
+          <a:lstStyle/>
+          <a:p>
+            <a:pPr algn="ctr"/>
+            <a:r>
+              <a:rPr lang="en-US" smtClean="0"/>
+              <a:t>bid</a:t>
+            </a:r>
+            <a:endParaRPr lang="en-US"/>
+          </a:p>
+        </p:txBody>
+      </p:sp>
+      <p:sp>
+        <p:nvSpPr>
+          <p:cNvPr id="20" name="Rectangle 19"/>
+          <p:cNvSpPr/>
+          <p:nvPr/>
+        </p:nvSpPr>
+        <p:spPr>
+          <a:xfrm>
+            <a:off x="450273" y="883492"/>
+            <a:ext cx="1371600" cy="462306"/>
+          </a:xfrm>
+          <a:prstGeom prst="rect">
+            <a:avLst/>
+          </a:prstGeom>
+          <a:solidFill>
+            <a:schemeClr val="accent6">
+              <a:lumMod val="60000"/>
+              <a:lumOff val="40000"/>
+            </a:schemeClr>
+          </a:solidFill>
+        </p:spPr>
+        <p:style>
+          <a:lnRef idx="2">
+            <a:schemeClr val="accent1">
+              <a:shade val="50000"/>
+            </a:schemeClr>
+          </a:lnRef>
+          <a:fillRef idx="1">
+            <a:schemeClr val="accent1"/>
+          </a:fillRef>
+          <a:effectRef idx="0">
+            <a:schemeClr val="accent1"/>
+          </a:effectRef>
+          <a:fontRef idx="minor">
+            <a:schemeClr val="lt1"/>
+          </a:fontRef>
+        </p:style>
+        <p:txBody>
+          <a:bodyPr rtlCol="0" anchor="ctr"/>
+          <a:lstStyle/>
+          <a:p>
+            <a:pPr algn="ctr"/>
+            <a:r>
+              <a:rPr lang="en-US" smtClean="0"/>
+              <a:t>orderBook</a:t>
+            </a:r>
+            <a:endParaRPr lang="en-US"/>
+          </a:p>
+        </p:txBody>
+      </p:sp>
+      <p:sp>
+        <p:nvSpPr>
+          <p:cNvPr id="21" name="Rectangle 20"/>
+          <p:cNvSpPr/>
+          <p:nvPr/>
+        </p:nvSpPr>
+        <p:spPr>
+          <a:xfrm>
+            <a:off x="623455" y="5353505"/>
+            <a:ext cx="1371600" cy="462306"/>
+          </a:xfrm>
+          <a:prstGeom prst="rect">
+            <a:avLst/>
+          </a:prstGeom>
+          <a:solidFill>
+            <a:schemeClr val="accent6">
+              <a:lumMod val="60000"/>
+              <a:lumOff val="40000"/>
+            </a:schemeClr>
+          </a:solidFill>
+        </p:spPr>
+        <p:style>
+          <a:lnRef idx="2">
+            <a:schemeClr val="accent1">
+              <a:shade val="50000"/>
+            </a:schemeClr>
+          </a:lnRef>
+          <a:fillRef idx="1">
+            <a:schemeClr val="accent1"/>
+          </a:fillRef>
+          <a:effectRef idx="0">
+            <a:schemeClr val="accent1"/>
+          </a:effectRef>
+          <a:fontRef idx="minor">
+            <a:schemeClr val="lt1"/>
+          </a:fontRef>
+        </p:style>
+        <p:txBody>
+          <a:bodyPr rtlCol="0" anchor="ctr"/>
+          <a:lstStyle/>
+          <a:p>
+            <a:pPr algn="ctr"/>
+            <a:endParaRPr lang="en-US"/>
+          </a:p>
+        </p:txBody>
+      </p:sp>
+      <p:sp>
+        <p:nvSpPr>
+          <p:cNvPr id="22" name="Rectangle 21"/>
+          <p:cNvSpPr/>
+          <p:nvPr/>
+        </p:nvSpPr>
+        <p:spPr>
+          <a:xfrm>
+            <a:off x="775855" y="5505905"/>
+            <a:ext cx="1371600" cy="462306"/>
+          </a:xfrm>
+          <a:prstGeom prst="rect">
+            <a:avLst/>
+          </a:prstGeom>
+          <a:solidFill>
+            <a:schemeClr val="accent6">
+              <a:lumMod val="60000"/>
+              <a:lumOff val="40000"/>
+            </a:schemeClr>
+          </a:solidFill>
+        </p:spPr>
+        <p:style>
+          <a:lnRef idx="2">
+            <a:schemeClr val="accent1">
+              <a:shade val="50000"/>
+            </a:schemeClr>
+          </a:lnRef>
+          <a:fillRef idx="1">
+            <a:schemeClr val="accent1"/>
+          </a:fillRef>
+          <a:effectRef idx="0">
+            <a:schemeClr val="accent1"/>
+          </a:effectRef>
+          <a:fontRef idx="minor">
+            <a:schemeClr val="lt1"/>
+          </a:fontRef>
+        </p:style>
+        <p:txBody>
+          <a:bodyPr rtlCol="0" anchor="ctr"/>
+          <a:lstStyle/>
+          <a:p>
+            <a:pPr algn="ctr"/>
+            <a:endParaRPr lang="en-US"/>
+          </a:p>
+        </p:txBody>
+      </p:sp>
+      <p:sp>
+        <p:nvSpPr>
+          <p:cNvPr id="23" name="Rectangle 22"/>
+          <p:cNvSpPr/>
+          <p:nvPr/>
+        </p:nvSpPr>
+        <p:spPr>
+          <a:xfrm>
+            <a:off x="928255" y="5658305"/>
+            <a:ext cx="1371600" cy="462306"/>
+          </a:xfrm>
+          <a:prstGeom prst="rect">
+            <a:avLst/>
+          </a:prstGeom>
+          <a:solidFill>
+            <a:schemeClr val="accent6">
+              <a:lumMod val="60000"/>
+              <a:lumOff val="40000"/>
+            </a:schemeClr>
+          </a:solidFill>
+        </p:spPr>
+        <p:style>
+          <a:lnRef idx="2">
+            <a:schemeClr val="accent1">
+              <a:shade val="50000"/>
+            </a:schemeClr>
+          </a:lnRef>
+          <a:fillRef idx="1">
+            <a:schemeClr val="accent1"/>
+          </a:fillRef>
+          <a:effectRef idx="0">
+            <a:schemeClr val="accent1"/>
+          </a:effectRef>
+          <a:fontRef idx="minor">
+            <a:schemeClr val="lt1"/>
+          </a:fontRef>
+        </p:style>
+        <p:txBody>
+          <a:bodyPr rtlCol="0" anchor="ctr"/>
+          <a:lstStyle/>
+          <a:p>
+            <a:pPr algn="ctr"/>
+            <a:endParaRPr lang="en-US"/>
+          </a:p>
+        </p:txBody>
+      </p:sp>
+      <p:sp>
+        <p:nvSpPr>
+          <p:cNvPr id="24" name="Rectangle 23"/>
+          <p:cNvSpPr/>
+          <p:nvPr/>
+        </p:nvSpPr>
+        <p:spPr>
+          <a:xfrm>
+            <a:off x="4828309" y="758404"/>
+            <a:ext cx="1371600" cy="462306"/>
+          </a:xfrm>
+          <a:prstGeom prst="rect">
+            <a:avLst/>
+          </a:prstGeom>
+          <a:solidFill>
+            <a:schemeClr val="accent6">
+              <a:lumMod val="60000"/>
+              <a:lumOff val="40000"/>
+            </a:schemeClr>
+          </a:solidFill>
+        </p:spPr>
+        <p:style>
+          <a:lnRef idx="2">
+            <a:schemeClr val="accent1">
+              <a:shade val="50000"/>
+            </a:schemeClr>
+          </a:lnRef>
+          <a:fillRef idx="1">
+            <a:schemeClr val="accent1"/>
+          </a:fillRef>
+          <a:effectRef idx="0">
+            <a:schemeClr val="accent1"/>
+          </a:effectRef>
+          <a:fontRef idx="minor">
+            <a:schemeClr val="lt1"/>
+          </a:fontRef>
+        </p:style>
+        <p:txBody>
+          <a:bodyPr rtlCol="0" anchor="ctr"/>
+          <a:lstStyle/>
+          <a:p>
+            <a:pPr algn="ctr"/>
+            <a:r>
+              <a:rPr lang="en-US" smtClean="0"/>
+              <a:t>trader</a:t>
+            </a:r>
+            <a:endParaRPr lang="en-US"/>
+          </a:p>
+        </p:txBody>
+      </p:sp>
+      <p:cxnSp>
+        <p:nvCxnSpPr>
+          <p:cNvPr id="4" name="Elbow Connector 3"/>
+          <p:cNvCxnSpPr>
+            <a:stCxn id="9" idx="3"/>
+            <a:endCxn id="17" idx="1"/>
+          </p:cNvCxnSpPr>
+          <p:nvPr/>
+        </p:nvCxnSpPr>
+        <p:spPr>
+          <a:xfrm flipV="1">
+            <a:off x="5638800" y="4597155"/>
+            <a:ext cx="967154" cy="427670"/>
+          </a:xfrm>
+          <a:prstGeom prst="bentConnector3">
+            <a:avLst/>
+          </a:prstGeom>
+        </p:spPr>
+        <p:style>
+          <a:lnRef idx="1">
+            <a:schemeClr val="accent1"/>
+          </a:lnRef>
+          <a:fillRef idx="0">
+            <a:schemeClr val="accent1"/>
+          </a:fillRef>
+          <a:effectRef idx="0">
+            <a:schemeClr val="accent1"/>
+          </a:effectRef>
+          <a:fontRef idx="minor">
+            <a:schemeClr val="tx1"/>
+          </a:fontRef>
+        </p:style>
+      </p:cxnSp>
+      <p:cxnSp>
+        <p:nvCxnSpPr>
+          <p:cNvPr id="25" name="Elbow Connector 24"/>
+          <p:cNvCxnSpPr>
+            <a:stCxn id="9" idx="3"/>
+            <a:endCxn id="14" idx="1"/>
+          </p:cNvCxnSpPr>
+          <p:nvPr/>
+        </p:nvCxnSpPr>
+        <p:spPr>
+          <a:xfrm>
+            <a:off x="5638800" y="5024825"/>
+            <a:ext cx="967154" cy="255577"/>
+          </a:xfrm>
+          <a:prstGeom prst="bentConnector3">
+            <a:avLst/>
+          </a:prstGeom>
+        </p:spPr>
+        <p:style>
+          <a:lnRef idx="1">
+            <a:schemeClr val="accent1"/>
+          </a:lnRef>
+          <a:fillRef idx="0">
+            <a:schemeClr val="accent1"/>
+          </a:fillRef>
+          <a:effectRef idx="0">
+            <a:schemeClr val="accent1"/>
+          </a:effectRef>
+          <a:fontRef idx="minor">
+            <a:schemeClr val="tx1"/>
+          </a:fontRef>
+        </p:style>
+      </p:cxnSp>
+      <p:cxnSp>
+        <p:nvCxnSpPr>
+          <p:cNvPr id="29" name="Elbow Connector 28"/>
+          <p:cNvCxnSpPr>
+            <a:stCxn id="11" idx="3"/>
+            <a:endCxn id="19" idx="1"/>
+          </p:cNvCxnSpPr>
+          <p:nvPr/>
+        </p:nvCxnSpPr>
+        <p:spPr>
+          <a:xfrm flipV="1">
+            <a:off x="3633354" y="2921377"/>
+            <a:ext cx="942109" cy="375783"/>
+          </a:xfrm>
+          <a:prstGeom prst="bentConnector3">
+            <a:avLst/>
+          </a:prstGeom>
+        </p:spPr>
+        <p:style>
+          <a:lnRef idx="1">
+            <a:schemeClr val="accent1"/>
+          </a:lnRef>
+          <a:fillRef idx="0">
+            <a:schemeClr val="accent1"/>
+          </a:fillRef>
+          <a:effectRef idx="0">
+            <a:schemeClr val="accent1"/>
+          </a:effectRef>
+          <a:fontRef idx="minor">
+            <a:schemeClr val="tx1"/>
+          </a:fontRef>
+        </p:style>
+      </p:cxnSp>
+      <p:cxnSp>
+        <p:nvCxnSpPr>
+          <p:cNvPr id="32" name="Elbow Connector 31"/>
+          <p:cNvCxnSpPr>
+            <a:stCxn id="11" idx="3"/>
+            <a:endCxn id="18" idx="1"/>
+          </p:cNvCxnSpPr>
+          <p:nvPr/>
+        </p:nvCxnSpPr>
+        <p:spPr>
+          <a:xfrm>
+            <a:off x="3633354" y="3297160"/>
+            <a:ext cx="942109" cy="381111"/>
+          </a:xfrm>
+          <a:prstGeom prst="bentConnector3">
+            <a:avLst/>
+          </a:prstGeom>
+        </p:spPr>
+        <p:style>
+          <a:lnRef idx="1">
+            <a:schemeClr val="accent1"/>
+          </a:lnRef>
+          <a:fillRef idx="0">
+            <a:schemeClr val="accent1"/>
+          </a:fillRef>
+          <a:effectRef idx="0">
+            <a:schemeClr val="accent1"/>
+          </a:effectRef>
+          <a:fontRef idx="minor">
+            <a:schemeClr val="tx1"/>
+          </a:fontRef>
+        </p:style>
+      </p:cxnSp>
+      <p:cxnSp>
+        <p:nvCxnSpPr>
+          <p:cNvPr id="36" name="Elbow Connector 35"/>
+          <p:cNvCxnSpPr>
+            <a:stCxn id="20" idx="3"/>
+            <a:endCxn id="7" idx="1"/>
+          </p:cNvCxnSpPr>
+          <p:nvPr/>
+        </p:nvCxnSpPr>
+        <p:spPr>
+          <a:xfrm flipV="1">
+            <a:off x="1821873" y="687397"/>
+            <a:ext cx="824345" cy="427248"/>
+          </a:xfrm>
+          <a:prstGeom prst="bentConnector3">
+            <a:avLst>
+              <a:gd name="adj1" fmla="val 50000"/>
+            </a:avLst>
+          </a:prstGeom>
+        </p:spPr>
+        <p:style>
+          <a:lnRef idx="1">
+            <a:schemeClr val="accent1"/>
+          </a:lnRef>
+          <a:fillRef idx="0">
+            <a:schemeClr val="accent1"/>
+          </a:fillRef>
+          <a:effectRef idx="0">
+            <a:schemeClr val="accent1"/>
+          </a:effectRef>
+          <a:fontRef idx="minor">
+            <a:schemeClr val="tx1"/>
+          </a:fontRef>
+        </p:style>
+      </p:cxnSp>
+      <p:cxnSp>
+        <p:nvCxnSpPr>
+          <p:cNvPr id="39" name="Elbow Connector 38"/>
+          <p:cNvCxnSpPr>
+            <a:stCxn id="20" idx="3"/>
+            <a:endCxn id="8" idx="1"/>
+          </p:cNvCxnSpPr>
+          <p:nvPr/>
+        </p:nvCxnSpPr>
+        <p:spPr>
+          <a:xfrm>
+            <a:off x="1821873" y="1114645"/>
+            <a:ext cx="831272" cy="337218"/>
+          </a:xfrm>
+          <a:prstGeom prst="bentConnector3">
+            <a:avLst/>
+          </a:prstGeom>
+        </p:spPr>
+        <p:style>
+          <a:lnRef idx="1">
+            <a:schemeClr val="accent1"/>
+          </a:lnRef>
+          <a:fillRef idx="0">
+            <a:schemeClr val="accent1"/>
+          </a:fillRef>
+          <a:effectRef idx="0">
+            <a:schemeClr val="accent1"/>
+          </a:effectRef>
+          <a:fontRef idx="minor">
+            <a:schemeClr val="tx1"/>
+          </a:fontRef>
+        </p:style>
+      </p:cxnSp>
+      <p:cxnSp>
+        <p:nvCxnSpPr>
+          <p:cNvPr id="50" name="Elbow Connector 49"/>
+          <p:cNvCxnSpPr>
+            <a:stCxn id="24" idx="3"/>
+            <a:endCxn id="10" idx="1"/>
+          </p:cNvCxnSpPr>
+          <p:nvPr/>
+        </p:nvCxnSpPr>
+        <p:spPr>
+          <a:xfrm>
+            <a:off x="6199909" y="989557"/>
+            <a:ext cx="928254" cy="384596"/>
+          </a:xfrm>
+          <a:prstGeom prst="bentConnector3">
+            <a:avLst/>
+          </a:prstGeom>
+        </p:spPr>
+        <p:style>
+          <a:lnRef idx="1">
+            <a:schemeClr val="accent1"/>
+          </a:lnRef>
+          <a:fillRef idx="0">
+            <a:schemeClr val="accent1"/>
+          </a:fillRef>
+          <a:effectRef idx="0">
+            <a:schemeClr val="accent1"/>
+          </a:effectRef>
+          <a:fontRef idx="minor">
+            <a:schemeClr val="tx1"/>
+          </a:fontRef>
+        </p:style>
+      </p:cxnSp>
+      <p:cxnSp>
+        <p:nvCxnSpPr>
+          <p:cNvPr id="52" name="Elbow Connector 51"/>
+          <p:cNvCxnSpPr>
+            <a:stCxn id="24" idx="3"/>
+            <a:endCxn id="12" idx="1"/>
+          </p:cNvCxnSpPr>
+          <p:nvPr/>
+        </p:nvCxnSpPr>
+        <p:spPr>
+          <a:xfrm flipV="1">
+            <a:off x="6199909" y="602074"/>
+            <a:ext cx="928254" cy="387483"/>
+          </a:xfrm>
+          <a:prstGeom prst="bentConnector3">
+            <a:avLst/>
+          </a:prstGeom>
+        </p:spPr>
+        <p:style>
+          <a:lnRef idx="1">
+            <a:schemeClr val="accent1"/>
+          </a:lnRef>
+          <a:fillRef idx="0">
+            <a:schemeClr val="accent1"/>
+          </a:fillRef>
+          <a:effectRef idx="0">
+            <a:schemeClr val="accent1"/>
+          </a:effectRef>
+          <a:fontRef idx="minor">
+            <a:schemeClr val="tx1"/>
+          </a:fontRef>
+        </p:style>
+      </p:cxnSp>
+      <p:cxnSp>
+        <p:nvCxnSpPr>
+          <p:cNvPr id="57" name="Elbow Connector 56"/>
+          <p:cNvCxnSpPr>
+            <a:stCxn id="20" idx="2"/>
+            <a:endCxn id="11" idx="1"/>
+          </p:cNvCxnSpPr>
+          <p:nvPr/>
+        </p:nvCxnSpPr>
+        <p:spPr>
+          <a:xfrm rot="16200000" flipH="1">
+            <a:off x="723232" y="1758638"/>
+            <a:ext cx="1951362" cy="1125681"/>
+          </a:xfrm>
+          <a:prstGeom prst="bentConnector2">
+            <a:avLst/>
+          </a:prstGeom>
+        </p:spPr>
+        <p:style>
+          <a:lnRef idx="1">
+            <a:schemeClr val="accent1"/>
+          </a:lnRef>
+          <a:fillRef idx="0">
+            <a:schemeClr val="accent1"/>
+          </a:fillRef>
+          <a:effectRef idx="0">
+            <a:schemeClr val="accent1"/>
+          </a:effectRef>
+          <a:fontRef idx="minor">
+            <a:schemeClr val="tx1"/>
+          </a:fontRef>
+        </p:style>
+      </p:cxnSp>
+    </p:spTree>
+    <p:extLst>
+      <p:ext uri="{BB962C8B-B14F-4D97-AF65-F5344CB8AC3E}">
+        <p14:creationId xmlns:p14="http://schemas.microsoft.com/office/powerpoint/2010/main" val="4203086965"/>
+      </p:ext>
+    </p:extLst>
+  </p:cSld>
+  <p:clrMapOvr>
+    <a:masterClrMapping/>
+  </p:clrMapOvr>
+  <p:timing>
+    <p:tnLst>
+      <p:par>
+        <p:cTn id="1" dur="indefinite" restart="never" nodeType="tmRoot"/>
+      </p:par>
+    </p:tnLst>
+  </p:timing>
+</p:sld>
+</file>
+
+<file path=ppt/slides/slide7.xml><?xml version="1.0" encoding="utf-8"?>
+<p:sld xmlns:a="http://schemas.openxmlformats.org/drawingml/2006/main" xmlns:r="http://schemas.openxmlformats.org/officeDocument/2006/relationships" xmlns:p="http://schemas.openxmlformats.org/presentationml/2006/main">
+  <p:cSld>
+    <p:spTree>
+      <p:nvGrpSpPr>
+        <p:cNvPr id="1" name=""/>
+        <p:cNvGrpSpPr/>
+        <p:nvPr/>
+      </p:nvGrpSpPr>
+      <p:grpSpPr>
+        <a:xfrm>
+          <a:off x="0" y="0"/>
+          <a:ext cx="0" cy="0"/>
+          <a:chOff x="0" y="0"/>
+          <a:chExt cx="0" cy="0"/>
+        </a:xfrm>
+      </p:grpSpPr>
+      <p:sp>
+        <p:nvSpPr>
+          <p:cNvPr id="31" name="Rectangle 30"/>
+          <p:cNvSpPr/>
+          <p:nvPr/>
+        </p:nvSpPr>
+        <p:spPr>
+          <a:xfrm>
+            <a:off x="533400" y="457200"/>
+            <a:ext cx="1371600" cy="462306"/>
+          </a:xfrm>
+          <a:prstGeom prst="rect">
+            <a:avLst/>
+          </a:prstGeom>
+          <a:solidFill>
+            <a:schemeClr val="accent6">
+              <a:lumMod val="60000"/>
+              <a:lumOff val="40000"/>
+            </a:schemeClr>
+          </a:solidFill>
+        </p:spPr>
+        <p:style>
+          <a:lnRef idx="2">
+            <a:schemeClr val="accent1">
+              <a:shade val="50000"/>
+            </a:schemeClr>
+          </a:lnRef>
+          <a:fillRef idx="1">
+            <a:schemeClr val="accent1"/>
+          </a:fillRef>
+          <a:effectRef idx="0">
+            <a:schemeClr val="accent1"/>
+          </a:effectRef>
+          <a:fontRef idx="minor">
+            <a:schemeClr val="lt1"/>
+          </a:fontRef>
+        </p:style>
+        <p:txBody>
+          <a:bodyPr rtlCol="0" anchor="ctr"/>
+          <a:lstStyle/>
+          <a:p>
+            <a:pPr algn="ctr"/>
+            <a:r>
+              <a:rPr lang="en-US" smtClean="0"/>
+              <a:t>LOT</a:t>
+            </a:r>
+            <a:endParaRPr lang="en-US"/>
+          </a:p>
+        </p:txBody>
+      </p:sp>
+      <p:sp>
+        <p:nvSpPr>
+          <p:cNvPr id="7" name="Rectangle 6"/>
+          <p:cNvSpPr/>
+          <p:nvPr/>
+        </p:nvSpPr>
+        <p:spPr>
+          <a:xfrm>
+            <a:off x="533400" y="1905000"/>
+            <a:ext cx="914400" cy="462306"/>
+          </a:xfrm>
+          <a:prstGeom prst="rect">
+            <a:avLst/>
+          </a:prstGeom>
+          <a:solidFill>
+            <a:schemeClr val="accent6">
+              <a:lumMod val="60000"/>
+              <a:lumOff val="40000"/>
+            </a:schemeClr>
+          </a:solidFill>
+        </p:spPr>
+        <p:style>
+          <a:lnRef idx="2">
+            <a:schemeClr val="accent1">
+              <a:shade val="50000"/>
+            </a:schemeClr>
+          </a:lnRef>
+          <a:fillRef idx="1">
+            <a:schemeClr val="accent1"/>
+          </a:fillRef>
+          <a:effectRef idx="0">
+            <a:schemeClr val="accent1"/>
+          </a:effectRef>
+          <a:fontRef idx="minor">
+            <a:schemeClr val="lt1"/>
+          </a:fontRef>
+        </p:style>
+        <p:txBody>
+          <a:bodyPr rtlCol="0" anchor="ctr"/>
+          <a:lstStyle/>
+          <a:p>
+            <a:pPr algn="ctr"/>
+            <a:r>
+              <a:rPr lang="en-US" smtClean="0"/>
+              <a:t>Id</a:t>
+            </a:r>
+            <a:endParaRPr lang="en-US"/>
+          </a:p>
+        </p:txBody>
+      </p:sp>
+      <p:sp>
+        <p:nvSpPr>
+          <p:cNvPr id="8" name="Rectangle 7"/>
+          <p:cNvSpPr/>
+          <p:nvPr/>
+        </p:nvSpPr>
+        <p:spPr>
+          <a:xfrm>
+            <a:off x="1447800" y="1905000"/>
+            <a:ext cx="914400" cy="462306"/>
+          </a:xfrm>
+          <a:prstGeom prst="rect">
+            <a:avLst/>
+          </a:prstGeom>
+          <a:solidFill>
+            <a:schemeClr val="accent6">
+              <a:lumMod val="60000"/>
+              <a:lumOff val="40000"/>
+            </a:schemeClr>
+          </a:solidFill>
+        </p:spPr>
+        <p:style>
+          <a:lnRef idx="2">
+            <a:schemeClr val="accent1">
+              <a:shade val="50000"/>
+            </a:schemeClr>
+          </a:lnRef>
+          <a:fillRef idx="1">
+            <a:schemeClr val="accent1"/>
+          </a:fillRef>
+          <a:effectRef idx="0">
+            <a:schemeClr val="accent1"/>
+          </a:effectRef>
+          <a:fontRef idx="minor">
+            <a:schemeClr val="lt1"/>
+          </a:fontRef>
+        </p:style>
+        <p:txBody>
+          <a:bodyPr rtlCol="0" anchor="ctr"/>
+          <a:lstStyle/>
+          <a:p>
+            <a:pPr algn="ctr"/>
+            <a:r>
+              <a:rPr lang="en-US" smtClean="0"/>
+              <a:t>Amout</a:t>
+            </a:r>
+            <a:endParaRPr lang="en-US"/>
+          </a:p>
+        </p:txBody>
+      </p:sp>
+      <p:sp>
+        <p:nvSpPr>
+          <p:cNvPr id="9" name="Rectangle 8"/>
+          <p:cNvSpPr/>
+          <p:nvPr/>
+        </p:nvSpPr>
+        <p:spPr>
+          <a:xfrm>
+            <a:off x="2362200" y="1905000"/>
+            <a:ext cx="914400" cy="462306"/>
+          </a:xfrm>
+          <a:prstGeom prst="rect">
+            <a:avLst/>
+          </a:prstGeom>
+          <a:solidFill>
+            <a:schemeClr val="accent6">
+              <a:lumMod val="60000"/>
+              <a:lumOff val="40000"/>
+            </a:schemeClr>
+          </a:solidFill>
+        </p:spPr>
+        <p:style>
+          <a:lnRef idx="2">
+            <a:schemeClr val="accent1">
+              <a:shade val="50000"/>
+            </a:schemeClr>
+          </a:lnRef>
+          <a:fillRef idx="1">
+            <a:schemeClr val="accent1"/>
+          </a:fillRef>
+          <a:effectRef idx="0">
+            <a:schemeClr val="accent1"/>
+          </a:effectRef>
+          <a:fontRef idx="minor">
+            <a:schemeClr val="lt1"/>
+          </a:fontRef>
+        </p:style>
+        <p:txBody>
+          <a:bodyPr rtlCol="0" anchor="ctr"/>
+          <a:lstStyle/>
+          <a:p>
+            <a:pPr algn="ctr"/>
+            <a:r>
+              <a:rPr lang="en-US" smtClean="0"/>
+              <a:t>Cost</a:t>
+            </a:r>
+            <a:endParaRPr lang="en-US"/>
+          </a:p>
+        </p:txBody>
+      </p:sp>
+      <p:sp>
+        <p:nvSpPr>
+          <p:cNvPr id="10" name="Rectangle 9"/>
+          <p:cNvSpPr/>
+          <p:nvPr/>
+        </p:nvSpPr>
+        <p:spPr>
+          <a:xfrm>
+            <a:off x="3276600" y="1905000"/>
+            <a:ext cx="914400" cy="462306"/>
+          </a:xfrm>
+          <a:prstGeom prst="rect">
+            <a:avLst/>
+          </a:prstGeom>
+          <a:solidFill>
+            <a:schemeClr val="accent6">
+              <a:lumMod val="60000"/>
+              <a:lumOff val="40000"/>
+            </a:schemeClr>
+          </a:solidFill>
+        </p:spPr>
+        <p:style>
+          <a:lnRef idx="2">
+            <a:schemeClr val="accent1">
+              <a:shade val="50000"/>
+            </a:schemeClr>
+          </a:lnRef>
+          <a:fillRef idx="1">
+            <a:schemeClr val="accent1"/>
+          </a:fillRef>
+          <a:effectRef idx="0">
+            <a:schemeClr val="accent1"/>
+          </a:effectRef>
+          <a:fontRef idx="minor">
+            <a:schemeClr val="lt1"/>
+          </a:fontRef>
+        </p:style>
+        <p:txBody>
+          <a:bodyPr rtlCol="0" anchor="ctr"/>
+          <a:lstStyle/>
+          <a:p>
+            <a:pPr algn="ctr"/>
+            <a:r>
+              <a:rPr lang="en-US" smtClean="0"/>
+              <a:t>@sale</a:t>
+            </a:r>
+            <a:endParaRPr lang="en-US"/>
+          </a:p>
+        </p:txBody>
+      </p:sp>
+      <p:sp>
+        <p:nvSpPr>
+          <p:cNvPr id="11" name="Rectangle 10"/>
+          <p:cNvSpPr/>
+          <p:nvPr/>
+        </p:nvSpPr>
+        <p:spPr>
+          <a:xfrm>
+            <a:off x="4572000" y="3524161"/>
+            <a:ext cx="914400" cy="462306"/>
+          </a:xfrm>
+          <a:prstGeom prst="rect">
+            <a:avLst/>
+          </a:prstGeom>
+          <a:solidFill>
+            <a:schemeClr val="accent6">
+              <a:lumMod val="60000"/>
+              <a:lumOff val="40000"/>
+            </a:schemeClr>
+          </a:solidFill>
+        </p:spPr>
+        <p:style>
+          <a:lnRef idx="2">
+            <a:schemeClr val="accent1">
+              <a:shade val="50000"/>
+            </a:schemeClr>
+          </a:lnRef>
+          <a:fillRef idx="1">
+            <a:schemeClr val="accent1"/>
+          </a:fillRef>
+          <a:effectRef idx="0">
+            <a:schemeClr val="accent1"/>
+          </a:effectRef>
+          <a:fontRef idx="minor">
+            <a:schemeClr val="lt1"/>
+          </a:fontRef>
+        </p:style>
+        <p:txBody>
+          <a:bodyPr rtlCol="0" anchor="ctr"/>
+          <a:lstStyle/>
+          <a:p>
+            <a:pPr algn="ctr"/>
+            <a:r>
+              <a:rPr lang="en-US" smtClean="0"/>
+              <a:t>Id</a:t>
+            </a:r>
+            <a:endParaRPr lang="en-US"/>
+          </a:p>
+        </p:txBody>
+      </p:sp>
+      <p:sp>
+        <p:nvSpPr>
+          <p:cNvPr id="12" name="Rectangle 11"/>
+          <p:cNvSpPr/>
+          <p:nvPr/>
+        </p:nvSpPr>
+        <p:spPr>
+          <a:xfrm>
+            <a:off x="5486400" y="3524161"/>
+            <a:ext cx="914400" cy="462306"/>
+          </a:xfrm>
+          <a:prstGeom prst="rect">
+            <a:avLst/>
+          </a:prstGeom>
+          <a:solidFill>
+            <a:schemeClr val="accent6">
+              <a:lumMod val="60000"/>
+              <a:lumOff val="40000"/>
+            </a:schemeClr>
+          </a:solidFill>
+        </p:spPr>
+        <p:style>
+          <a:lnRef idx="2">
+            <a:schemeClr val="accent1">
+              <a:shade val="50000"/>
+            </a:schemeClr>
+          </a:lnRef>
+          <a:fillRef idx="1">
+            <a:schemeClr val="accent1"/>
+          </a:fillRef>
+          <a:effectRef idx="0">
+            <a:schemeClr val="accent1"/>
+          </a:effectRef>
+          <a:fontRef idx="minor">
+            <a:schemeClr val="lt1"/>
+          </a:fontRef>
+        </p:style>
+        <p:txBody>
+          <a:bodyPr rtlCol="0" anchor="ctr"/>
+          <a:lstStyle/>
+          <a:p>
+            <a:pPr algn="ctr"/>
+            <a:r>
+              <a:rPr lang="en-US" smtClean="0"/>
+              <a:t>Amout</a:t>
+            </a:r>
+            <a:endParaRPr lang="en-US"/>
+          </a:p>
+        </p:txBody>
+      </p:sp>
+      <p:sp>
+        <p:nvSpPr>
+          <p:cNvPr id="13" name="Rectangle 12"/>
+          <p:cNvSpPr/>
+          <p:nvPr/>
+        </p:nvSpPr>
+        <p:spPr>
+          <a:xfrm>
+            <a:off x="6400800" y="3524161"/>
+            <a:ext cx="914400" cy="462306"/>
+          </a:xfrm>
+          <a:prstGeom prst="rect">
+            <a:avLst/>
+          </a:prstGeom>
+          <a:solidFill>
+            <a:schemeClr val="accent6">
+              <a:lumMod val="60000"/>
+              <a:lumOff val="40000"/>
+            </a:schemeClr>
+          </a:solidFill>
+        </p:spPr>
+        <p:style>
+          <a:lnRef idx="2">
+            <a:schemeClr val="accent1">
+              <a:shade val="50000"/>
+            </a:schemeClr>
+          </a:lnRef>
+          <a:fillRef idx="1">
+            <a:schemeClr val="accent1"/>
+          </a:fillRef>
+          <a:effectRef idx="0">
+            <a:schemeClr val="accent1"/>
+          </a:effectRef>
+          <a:fontRef idx="minor">
+            <a:schemeClr val="lt1"/>
+          </a:fontRef>
+        </p:style>
+        <p:txBody>
+          <a:bodyPr rtlCol="0" anchor="ctr"/>
+          <a:lstStyle/>
+          <a:p>
+            <a:pPr algn="ctr"/>
+            <a:r>
+              <a:rPr lang="en-US" smtClean="0"/>
+              <a:t>Price</a:t>
+            </a:r>
+            <a:endParaRPr lang="en-US"/>
+          </a:p>
+        </p:txBody>
+      </p:sp>
+      <p:cxnSp>
+        <p:nvCxnSpPr>
+          <p:cNvPr id="4" name="Elbow Connector 3"/>
+          <p:cNvCxnSpPr>
+            <a:stCxn id="10" idx="2"/>
+            <a:endCxn id="12" idx="0"/>
+          </p:cNvCxnSpPr>
+          <p:nvPr/>
+        </p:nvCxnSpPr>
+        <p:spPr>
+          <a:xfrm rot="16200000" flipH="1">
+            <a:off x="4260273" y="1840833"/>
+            <a:ext cx="1156855" cy="2209800"/>
+          </a:xfrm>
+          <a:prstGeom prst="bentConnector3">
+            <a:avLst/>
+          </a:prstGeom>
+        </p:spPr>
+        <p:style>
+          <a:lnRef idx="1">
+            <a:schemeClr val="accent1"/>
+          </a:lnRef>
+          <a:fillRef idx="0">
+            <a:schemeClr val="accent1"/>
+          </a:fillRef>
+          <a:effectRef idx="0">
+            <a:schemeClr val="accent1"/>
+          </a:effectRef>
+          <a:fontRef idx="minor">
+            <a:schemeClr val="tx1"/>
+          </a:fontRef>
+        </p:style>
+      </p:cxnSp>
+      <p:sp>
+        <p:nvSpPr>
+          <p:cNvPr id="17" name="Rectangle 16"/>
+          <p:cNvSpPr/>
+          <p:nvPr/>
+        </p:nvSpPr>
+        <p:spPr>
+          <a:xfrm>
+            <a:off x="4191000" y="1905000"/>
+            <a:ext cx="914400" cy="462306"/>
+          </a:xfrm>
+          <a:prstGeom prst="rect">
+            <a:avLst/>
+          </a:prstGeom>
+          <a:solidFill>
+            <a:schemeClr val="accent6">
+              <a:lumMod val="60000"/>
+              <a:lumOff val="40000"/>
+            </a:schemeClr>
+          </a:solidFill>
+        </p:spPr>
+        <p:style>
+          <a:lnRef idx="2">
+            <a:schemeClr val="accent1">
+              <a:shade val="50000"/>
+            </a:schemeClr>
+          </a:lnRef>
+          <a:fillRef idx="1">
+            <a:schemeClr val="accent1"/>
+          </a:fillRef>
+          <a:effectRef idx="0">
+            <a:schemeClr val="accent1"/>
+          </a:effectRef>
+          <a:fontRef idx="minor">
+            <a:schemeClr val="lt1"/>
+          </a:fontRef>
+        </p:style>
+        <p:txBody>
+          <a:bodyPr rtlCol="0" anchor="ctr"/>
+          <a:lstStyle/>
+          <a:p>
+            <a:pPr algn="ctr"/>
+            <a:r>
+              <a:rPr lang="en-US" smtClean="0"/>
+              <a:t>status</a:t>
+            </a:r>
+            <a:endParaRPr lang="en-US"/>
+          </a:p>
+        </p:txBody>
+      </p:sp>
+      <p:sp>
+        <p:nvSpPr>
+          <p:cNvPr id="18" name="Rectangle 17"/>
+          <p:cNvSpPr/>
+          <p:nvPr/>
+        </p:nvSpPr>
+        <p:spPr>
+          <a:xfrm>
+            <a:off x="5105400" y="1905000"/>
+            <a:ext cx="914400" cy="462306"/>
+          </a:xfrm>
+          <a:prstGeom prst="rect">
+            <a:avLst/>
+          </a:prstGeom>
+          <a:solidFill>
+            <a:schemeClr val="accent6">
+              <a:lumMod val="60000"/>
+              <a:lumOff val="40000"/>
+            </a:schemeClr>
+          </a:solidFill>
+        </p:spPr>
+        <p:style>
+          <a:lnRef idx="2">
+            <a:schemeClr val="accent1">
+              <a:shade val="50000"/>
+            </a:schemeClr>
+          </a:lnRef>
+          <a:fillRef idx="1">
+            <a:schemeClr val="accent1"/>
+          </a:fillRef>
+          <a:effectRef idx="0">
+            <a:schemeClr val="accent1"/>
+          </a:effectRef>
+          <a:fontRef idx="minor">
+            <a:schemeClr val="lt1"/>
+          </a:fontRef>
+        </p:style>
+        <p:txBody>
+          <a:bodyPr rtlCol="0" anchor="ctr"/>
+          <a:lstStyle/>
+          <a:p>
+            <a:pPr algn="ctr"/>
+            <a:r>
+              <a:rPr lang="en-US" smtClean="0"/>
+              <a:t>type</a:t>
+            </a:r>
+            <a:endParaRPr lang="en-US"/>
+          </a:p>
+        </p:txBody>
+      </p:sp>
+      <p:sp>
+        <p:nvSpPr>
+          <p:cNvPr id="19" name="Rectangle 18"/>
+          <p:cNvSpPr/>
+          <p:nvPr/>
+        </p:nvSpPr>
+        <p:spPr>
+          <a:xfrm>
+            <a:off x="938645" y="5257800"/>
+            <a:ext cx="914400" cy="462306"/>
+          </a:xfrm>
+          <a:prstGeom prst="rect">
+            <a:avLst/>
+          </a:prstGeom>
+          <a:solidFill>
+            <a:schemeClr val="accent6">
+              <a:lumMod val="60000"/>
+              <a:lumOff val="40000"/>
+            </a:schemeClr>
+          </a:solidFill>
+        </p:spPr>
+        <p:style>
+          <a:lnRef idx="2">
+            <a:schemeClr val="accent1">
+              <a:shade val="50000"/>
+            </a:schemeClr>
+          </a:lnRef>
+          <a:fillRef idx="1">
+            <a:schemeClr val="accent1"/>
+          </a:fillRef>
+          <a:effectRef idx="0">
+            <a:schemeClr val="accent1"/>
+          </a:effectRef>
+          <a:fontRef idx="minor">
+            <a:schemeClr val="lt1"/>
+          </a:fontRef>
+        </p:style>
+        <p:txBody>
+          <a:bodyPr rtlCol="0" anchor="ctr"/>
+          <a:lstStyle/>
+          <a:p>
+            <a:pPr algn="ctr"/>
+            <a:r>
+              <a:rPr lang="en-US" smtClean="0"/>
+              <a:t>status</a:t>
+            </a:r>
+            <a:endParaRPr lang="en-US"/>
+          </a:p>
+        </p:txBody>
+      </p:sp>
+      <p:sp>
+        <p:nvSpPr>
+          <p:cNvPr id="20" name="Rectangle 19"/>
+          <p:cNvSpPr/>
+          <p:nvPr/>
+        </p:nvSpPr>
+        <p:spPr>
+          <a:xfrm>
+            <a:off x="2514600" y="4861857"/>
+            <a:ext cx="914400" cy="462306"/>
+          </a:xfrm>
+          <a:prstGeom prst="rect">
+            <a:avLst/>
+          </a:prstGeom>
+          <a:solidFill>
+            <a:schemeClr val="accent6">
+              <a:lumMod val="60000"/>
+              <a:lumOff val="40000"/>
+            </a:schemeClr>
+          </a:solidFill>
+        </p:spPr>
+        <p:style>
+          <a:lnRef idx="2">
+            <a:schemeClr val="accent1">
+              <a:shade val="50000"/>
+            </a:schemeClr>
+          </a:lnRef>
+          <a:fillRef idx="1">
+            <a:schemeClr val="accent1"/>
+          </a:fillRef>
+          <a:effectRef idx="0">
+            <a:schemeClr val="accent1"/>
+          </a:effectRef>
+          <a:fontRef idx="minor">
+            <a:schemeClr val="lt1"/>
+          </a:fontRef>
+        </p:style>
+        <p:txBody>
+          <a:bodyPr rtlCol="0" anchor="ctr"/>
+          <a:lstStyle/>
+          <a:p>
+            <a:pPr algn="ctr"/>
+            <a:r>
+              <a:rPr lang="en-US" smtClean="0"/>
+              <a:t>open</a:t>
+            </a:r>
+            <a:endParaRPr lang="en-US"/>
+          </a:p>
+        </p:txBody>
+      </p:sp>
+      <p:sp>
+        <p:nvSpPr>
+          <p:cNvPr id="21" name="Rectangle 20"/>
+          <p:cNvSpPr/>
+          <p:nvPr/>
+        </p:nvSpPr>
+        <p:spPr>
+          <a:xfrm>
+            <a:off x="2514600" y="5589952"/>
+            <a:ext cx="914400" cy="462306"/>
+          </a:xfrm>
+          <a:prstGeom prst="rect">
+            <a:avLst/>
+          </a:prstGeom>
+          <a:solidFill>
+            <a:schemeClr val="accent6">
+              <a:lumMod val="60000"/>
+              <a:lumOff val="40000"/>
+            </a:schemeClr>
+          </a:solidFill>
+        </p:spPr>
+        <p:style>
+          <a:lnRef idx="2">
+            <a:schemeClr val="accent1">
+              <a:shade val="50000"/>
+            </a:schemeClr>
+          </a:lnRef>
+          <a:fillRef idx="1">
+            <a:schemeClr val="accent1"/>
+          </a:fillRef>
+          <a:effectRef idx="0">
+            <a:schemeClr val="accent1"/>
+          </a:effectRef>
+          <a:fontRef idx="minor">
+            <a:schemeClr val="lt1"/>
+          </a:fontRef>
+        </p:style>
+        <p:txBody>
+          <a:bodyPr rtlCol="0" anchor="ctr"/>
+          <a:lstStyle/>
+          <a:p>
+            <a:pPr algn="ctr"/>
+            <a:r>
+              <a:rPr lang="en-US" smtClean="0"/>
+              <a:t>closed</a:t>
+            </a:r>
+            <a:endParaRPr lang="en-US"/>
+          </a:p>
+        </p:txBody>
+      </p:sp>
+      <p:sp>
+        <p:nvSpPr>
+          <p:cNvPr id="22" name="Rectangle 21"/>
+          <p:cNvSpPr/>
+          <p:nvPr/>
+        </p:nvSpPr>
+        <p:spPr>
+          <a:xfrm>
+            <a:off x="4655127" y="5378848"/>
+            <a:ext cx="914400" cy="462306"/>
+          </a:xfrm>
+          <a:prstGeom prst="rect">
+            <a:avLst/>
+          </a:prstGeom>
+          <a:solidFill>
+            <a:schemeClr val="accent6">
+              <a:lumMod val="60000"/>
+              <a:lumOff val="40000"/>
+            </a:schemeClr>
+          </a:solidFill>
+        </p:spPr>
+        <p:style>
+          <a:lnRef idx="2">
+            <a:schemeClr val="accent1">
+              <a:shade val="50000"/>
+            </a:schemeClr>
+          </a:lnRef>
+          <a:fillRef idx="1">
+            <a:schemeClr val="accent1"/>
+          </a:fillRef>
+          <a:effectRef idx="0">
+            <a:schemeClr val="accent1"/>
+          </a:effectRef>
+          <a:fontRef idx="minor">
+            <a:schemeClr val="lt1"/>
+          </a:fontRef>
+        </p:style>
+        <p:txBody>
+          <a:bodyPr rtlCol="0" anchor="ctr"/>
+          <a:lstStyle/>
+          <a:p>
+            <a:pPr algn="ctr"/>
+            <a:r>
+              <a:rPr lang="en-US" smtClean="0"/>
+              <a:t>type</a:t>
+            </a:r>
+            <a:endParaRPr lang="en-US"/>
+          </a:p>
+        </p:txBody>
+      </p:sp>
+      <p:sp>
+        <p:nvSpPr>
+          <p:cNvPr id="23" name="Rectangle 22"/>
+          <p:cNvSpPr/>
+          <p:nvPr/>
+        </p:nvSpPr>
+        <p:spPr>
+          <a:xfrm>
+            <a:off x="6456217" y="4945340"/>
+            <a:ext cx="914400" cy="462306"/>
+          </a:xfrm>
+          <a:prstGeom prst="rect">
+            <a:avLst/>
+          </a:prstGeom>
+          <a:solidFill>
+            <a:schemeClr val="accent6">
+              <a:lumMod val="60000"/>
+              <a:lumOff val="40000"/>
+            </a:schemeClr>
+          </a:solidFill>
+        </p:spPr>
+        <p:style>
+          <a:lnRef idx="2">
+            <a:schemeClr val="accent1">
+              <a:shade val="50000"/>
+            </a:schemeClr>
+          </a:lnRef>
+          <a:fillRef idx="1">
+            <a:schemeClr val="accent1"/>
+          </a:fillRef>
+          <a:effectRef idx="0">
+            <a:schemeClr val="accent1"/>
+          </a:effectRef>
+          <a:fontRef idx="minor">
+            <a:schemeClr val="lt1"/>
+          </a:fontRef>
+        </p:style>
+        <p:txBody>
+          <a:bodyPr rtlCol="0" anchor="ctr"/>
+          <a:lstStyle/>
+          <a:p>
+            <a:pPr algn="ctr"/>
+            <a:r>
+              <a:rPr lang="en-US" smtClean="0"/>
+              <a:t>BTC</a:t>
+            </a:r>
+            <a:endParaRPr lang="en-US"/>
+          </a:p>
+        </p:txBody>
+      </p:sp>
+      <p:sp>
+        <p:nvSpPr>
+          <p:cNvPr id="24" name="Rectangle 23"/>
+          <p:cNvSpPr/>
+          <p:nvPr/>
+        </p:nvSpPr>
+        <p:spPr>
+          <a:xfrm>
+            <a:off x="6456217" y="5678541"/>
+            <a:ext cx="914400" cy="462306"/>
+          </a:xfrm>
+          <a:prstGeom prst="rect">
+            <a:avLst/>
+          </a:prstGeom>
+          <a:solidFill>
+            <a:schemeClr val="accent6">
+              <a:lumMod val="60000"/>
+              <a:lumOff val="40000"/>
+            </a:schemeClr>
+          </a:solidFill>
+        </p:spPr>
+        <p:style>
+          <a:lnRef idx="2">
+            <a:schemeClr val="accent1">
+              <a:shade val="50000"/>
+            </a:schemeClr>
+          </a:lnRef>
+          <a:fillRef idx="1">
+            <a:schemeClr val="accent1"/>
+          </a:fillRef>
+          <a:effectRef idx="0">
+            <a:schemeClr val="accent1"/>
+          </a:effectRef>
+          <a:fontRef idx="minor">
+            <a:schemeClr val="lt1"/>
+          </a:fontRef>
+        </p:style>
+        <p:txBody>
+          <a:bodyPr rtlCol="0" anchor="ctr"/>
+          <a:lstStyle/>
+          <a:p>
+            <a:pPr algn="ctr"/>
+            <a:r>
+              <a:rPr lang="en-US" smtClean="0"/>
+              <a:t>USD</a:t>
+            </a:r>
+            <a:endParaRPr lang="en-US"/>
+          </a:p>
+        </p:txBody>
+      </p:sp>
+      <p:cxnSp>
+        <p:nvCxnSpPr>
+          <p:cNvPr id="25" name="Elbow Connector 24"/>
+          <p:cNvCxnSpPr>
+            <a:stCxn id="19" idx="3"/>
+            <a:endCxn id="20" idx="1"/>
+          </p:cNvCxnSpPr>
+          <p:nvPr/>
+        </p:nvCxnSpPr>
+        <p:spPr>
+          <a:xfrm flipV="1">
+            <a:off x="1853045" y="5093010"/>
+            <a:ext cx="661555" cy="395943"/>
+          </a:xfrm>
+          <a:prstGeom prst="bentConnector3">
+            <a:avLst/>
+          </a:prstGeom>
+        </p:spPr>
+        <p:style>
+          <a:lnRef idx="1">
+            <a:schemeClr val="accent1"/>
+          </a:lnRef>
+          <a:fillRef idx="0">
+            <a:schemeClr val="accent1"/>
+          </a:fillRef>
+          <a:effectRef idx="0">
+            <a:schemeClr val="accent1"/>
+          </a:effectRef>
+          <a:fontRef idx="minor">
+            <a:schemeClr val="tx1"/>
+          </a:fontRef>
+        </p:style>
+      </p:cxnSp>
+      <p:cxnSp>
+        <p:nvCxnSpPr>
+          <p:cNvPr id="27" name="Elbow Connector 26"/>
+          <p:cNvCxnSpPr>
+            <a:stCxn id="19" idx="3"/>
+            <a:endCxn id="21" idx="1"/>
+          </p:cNvCxnSpPr>
+          <p:nvPr/>
+        </p:nvCxnSpPr>
+        <p:spPr>
+          <a:xfrm>
+            <a:off x="1853045" y="5488953"/>
+            <a:ext cx="661555" cy="332152"/>
+          </a:xfrm>
+          <a:prstGeom prst="bentConnector3">
+            <a:avLst/>
+          </a:prstGeom>
+        </p:spPr>
+        <p:style>
+          <a:lnRef idx="1">
+            <a:schemeClr val="accent1"/>
+          </a:lnRef>
+          <a:fillRef idx="0">
+            <a:schemeClr val="accent1"/>
+          </a:fillRef>
+          <a:effectRef idx="0">
+            <a:schemeClr val="accent1"/>
+          </a:effectRef>
+          <a:fontRef idx="minor">
+            <a:schemeClr val="tx1"/>
+          </a:fontRef>
+        </p:style>
+      </p:cxnSp>
+      <p:cxnSp>
+        <p:nvCxnSpPr>
+          <p:cNvPr id="29" name="Elbow Connector 28"/>
+          <p:cNvCxnSpPr>
+            <a:stCxn id="22" idx="3"/>
+            <a:endCxn id="23" idx="1"/>
+          </p:cNvCxnSpPr>
+          <p:nvPr/>
+        </p:nvCxnSpPr>
+        <p:spPr>
+          <a:xfrm flipV="1">
+            <a:off x="5569527" y="5176493"/>
+            <a:ext cx="886690" cy="433508"/>
+          </a:xfrm>
+          <a:prstGeom prst="bentConnector3">
+            <a:avLst/>
+          </a:prstGeom>
+        </p:spPr>
+        <p:style>
+          <a:lnRef idx="1">
+            <a:schemeClr val="accent1"/>
+          </a:lnRef>
+          <a:fillRef idx="0">
+            <a:schemeClr val="accent1"/>
+          </a:fillRef>
+          <a:effectRef idx="0">
+            <a:schemeClr val="accent1"/>
+          </a:effectRef>
+          <a:fontRef idx="minor">
+            <a:schemeClr val="tx1"/>
+          </a:fontRef>
+        </p:style>
+      </p:cxnSp>
+      <p:cxnSp>
+        <p:nvCxnSpPr>
+          <p:cNvPr id="32" name="Elbow Connector 31"/>
+          <p:cNvCxnSpPr>
+            <a:stCxn id="22" idx="3"/>
+            <a:endCxn id="24" idx="1"/>
+          </p:cNvCxnSpPr>
+          <p:nvPr/>
+        </p:nvCxnSpPr>
+        <p:spPr>
+          <a:xfrm>
+            <a:off x="5569527" y="5610001"/>
+            <a:ext cx="886690" cy="299693"/>
+          </a:xfrm>
+          <a:prstGeom prst="bentConnector3">
+            <a:avLst/>
+          </a:prstGeom>
+        </p:spPr>
+        <p:style>
+          <a:lnRef idx="1">
+            <a:schemeClr val="accent1"/>
+          </a:lnRef>
+          <a:fillRef idx="0">
+            <a:schemeClr val="accent1"/>
+          </a:fillRef>
+          <a:effectRef idx="0">
+            <a:schemeClr val="accent1"/>
+          </a:effectRef>
+          <a:fontRef idx="minor">
+            <a:schemeClr val="tx1"/>
+          </a:fontRef>
+        </p:style>
+      </p:cxnSp>
+    </p:spTree>
+    <p:extLst>
+      <p:ext uri="{BB962C8B-B14F-4D97-AF65-F5344CB8AC3E}">
+        <p14:creationId xmlns:p14="http://schemas.microsoft.com/office/powerpoint/2010/main" val="2859744782"/>
       </p:ext>
     </p:extLst>
   </p:cSld>

--- a/Document.pptx
+++ b/Document.pptx
@@ -306,7 +306,7 @@
             <a:fld id="{1D8BD707-D9CF-40AE-B4C6-C98DA3205C09}" type="datetimeFigureOut">
               <a:rPr lang="en-US" smtClean="0"/>
               <a:pPr/>
-              <a:t>8/13/2015</a:t>
+              <a:t>8/31/2015</a:t>
             </a:fld>
             <a:endParaRPr lang="en-US"/>
           </a:p>
@@ -473,7 +473,7 @@
             <a:fld id="{1D8BD707-D9CF-40AE-B4C6-C98DA3205C09}" type="datetimeFigureOut">
               <a:rPr lang="en-US" smtClean="0"/>
               <a:pPr/>
-              <a:t>8/13/2015</a:t>
+              <a:t>8/31/2015</a:t>
             </a:fld>
             <a:endParaRPr lang="en-US"/>
           </a:p>
@@ -650,7 +650,7 @@
             <a:fld id="{1D8BD707-D9CF-40AE-B4C6-C98DA3205C09}" type="datetimeFigureOut">
               <a:rPr lang="en-US" smtClean="0"/>
               <a:pPr/>
-              <a:t>8/13/2015</a:t>
+              <a:t>8/31/2015</a:t>
             </a:fld>
             <a:endParaRPr lang="en-US"/>
           </a:p>
@@ -835,7 +835,7 @@
             <a:fld id="{1D8BD707-D9CF-40AE-B4C6-C98DA3205C09}" type="datetimeFigureOut">
               <a:rPr lang="en-US" smtClean="0"/>
               <a:pPr/>
-              <a:t>8/13/2015</a:t>
+              <a:t>8/31/2015</a:t>
             </a:fld>
             <a:endParaRPr lang="en-US"/>
           </a:p>
@@ -1099,7 +1099,7 @@
             <a:fld id="{1D8BD707-D9CF-40AE-B4C6-C98DA3205C09}" type="datetimeFigureOut">
               <a:rPr lang="en-US" smtClean="0"/>
               <a:pPr/>
-              <a:t>8/13/2015</a:t>
+              <a:t>8/31/2015</a:t>
             </a:fld>
             <a:endParaRPr lang="en-US"/>
           </a:p>
@@ -1449,7 +1449,7 @@
             <a:fld id="{1D8BD707-D9CF-40AE-B4C6-C98DA3205C09}" type="datetimeFigureOut">
               <a:rPr lang="en-US" smtClean="0"/>
               <a:pPr/>
-              <a:t>8/13/2015</a:t>
+              <a:t>8/31/2015</a:t>
             </a:fld>
             <a:endParaRPr lang="en-US"/>
           </a:p>
@@ -1759,7 +1759,7 @@
             <a:fld id="{1D8BD707-D9CF-40AE-B4C6-C98DA3205C09}" type="datetimeFigureOut">
               <a:rPr lang="en-US" smtClean="0"/>
               <a:pPr/>
-              <a:t>8/13/2015</a:t>
+              <a:t>8/31/2015</a:t>
             </a:fld>
             <a:endParaRPr lang="en-US"/>
           </a:p>
@@ -1988,7 +1988,7 @@
             <a:fld id="{1D8BD707-D9CF-40AE-B4C6-C98DA3205C09}" type="datetimeFigureOut">
               <a:rPr lang="en-US" smtClean="0"/>
               <a:pPr/>
-              <a:t>8/13/2015</a:t>
+              <a:t>8/31/2015</a:t>
             </a:fld>
             <a:endParaRPr lang="en-US"/>
           </a:p>
@@ -2080,7 +2080,7 @@
             <a:fld id="{1D8BD707-D9CF-40AE-B4C6-C98DA3205C09}" type="datetimeFigureOut">
               <a:rPr lang="en-US" smtClean="0"/>
               <a:pPr/>
-              <a:t>8/13/2015</a:t>
+              <a:t>8/31/2015</a:t>
             </a:fld>
             <a:endParaRPr lang="en-US"/>
           </a:p>
@@ -2370,7 +2370,7 @@
             <a:fld id="{1D8BD707-D9CF-40AE-B4C6-C98DA3205C09}" type="datetimeFigureOut">
               <a:rPr lang="en-US" smtClean="0"/>
               <a:pPr/>
-              <a:t>8/13/2015</a:t>
+              <a:t>8/31/2015</a:t>
             </a:fld>
             <a:endParaRPr lang="en-US"/>
           </a:p>
@@ -2641,7 +2641,7 @@
             <a:fld id="{1D8BD707-D9CF-40AE-B4C6-C98DA3205C09}" type="datetimeFigureOut">
               <a:rPr lang="en-US" smtClean="0"/>
               <a:pPr/>
-              <a:t>8/13/2015</a:t>
+              <a:t>8/31/2015</a:t>
             </a:fld>
             <a:endParaRPr lang="en-US"/>
           </a:p>
@@ -2853,7 +2853,7 @@
             <a:fld id="{1D8BD707-D9CF-40AE-B4C6-C98DA3205C09}" type="datetimeFigureOut">
               <a:rPr lang="en-US" smtClean="0"/>
               <a:pPr/>
-              <a:t>8/13/2015</a:t>
+              <a:t>8/31/2015</a:t>
             </a:fld>
             <a:endParaRPr lang="en-US"/>
           </a:p>
@@ -6359,11 +6359,7 @@
             <a:pPr algn="ctr"/>
             <a:r>
               <a:rPr lang="en-US" smtClean="0"/>
-              <a:t>#</a:t>
-            </a:r>
-            <a:r>
-              <a:rPr lang="en-US" smtClean="0"/>
-              <a:t>kTime</a:t>
+              <a:t>#kTime</a:t>
             </a:r>
             <a:endParaRPr lang="en-US"/>
           </a:p>
@@ -6413,11 +6409,7 @@
             <a:pPr algn="ctr"/>
             <a:r>
               <a:rPr lang="en-US" smtClean="0"/>
-              <a:t>#</a:t>
-            </a:r>
-            <a:r>
-              <a:rPr lang="en-US" smtClean="0"/>
-              <a:t>kSocket</a:t>
+              <a:t>#kSocket</a:t>
             </a:r>
             <a:endParaRPr lang="en-US"/>
           </a:p>
@@ -6533,7 +6525,11 @@
             <a:pPr algn="ctr"/>
             <a:r>
               <a:rPr lang="en-US" smtClean="0"/>
-              <a:t>#ktrades</a:t>
+              <a:t>#</a:t>
+            </a:r>
+            <a:r>
+              <a:rPr lang="en-US" smtClean="0"/>
+              <a:t>kTrades</a:t>
             </a:r>
             <a:endParaRPr lang="en-US"/>
           </a:p>
@@ -6583,7 +6579,11 @@
             <a:pPr algn="ctr"/>
             <a:r>
               <a:rPr lang="en-US" smtClean="0"/>
-              <a:t>#klots</a:t>
+              <a:t>#</a:t>
+            </a:r>
+            <a:r>
+              <a:rPr lang="en-US" smtClean="0"/>
+              <a:t>kLots</a:t>
             </a:r>
             <a:endParaRPr lang="en-US"/>
           </a:p>
@@ -6633,7 +6633,11 @@
             <a:pPr algn="ctr"/>
             <a:r>
               <a:rPr lang="en-US" smtClean="0"/>
-              <a:t>#korders</a:t>
+              <a:t>#</a:t>
+            </a:r>
+            <a:r>
+              <a:rPr lang="en-US" smtClean="0"/>
+              <a:t>kOrders</a:t>
             </a:r>
             <a:endParaRPr lang="en-US"/>
           </a:p>
@@ -6683,7 +6687,11 @@
             <a:pPr algn="ctr"/>
             <a:r>
               <a:rPr lang="en-US" smtClean="0"/>
-              <a:t>#ktrader</a:t>
+              <a:t>#</a:t>
+            </a:r>
+            <a:r>
+              <a:rPr lang="en-US" smtClean="0"/>
+              <a:t>kTrader</a:t>
             </a:r>
             <a:endParaRPr lang="en-US"/>
           </a:p>
@@ -6733,7 +6741,11 @@
             <a:pPr algn="ctr"/>
             <a:r>
               <a:rPr lang="en-US" smtClean="0"/>
-              <a:t>#korderBook</a:t>
+              <a:t>#</a:t>
+            </a:r>
+            <a:r>
+              <a:rPr lang="en-US" smtClean="0"/>
+              <a:t>kOrderBook</a:t>
             </a:r>
             <a:endParaRPr lang="en-US"/>
           </a:p>

--- a/Document.pptx
+++ b/Document.pptx
@@ -12,6 +12,8 @@
     <p:sldId id="259" r:id="rId6"/>
     <p:sldId id="261" r:id="rId7"/>
     <p:sldId id="262" r:id="rId8"/>
+    <p:sldId id="263" r:id="rId9"/>
+    <p:sldId id="264" r:id="rId10"/>
   </p:sldIdLst>
   <p:sldSz cx="9144000" cy="6858000" type="screen4x3"/>
   <p:notesSz cx="6858000" cy="9144000"/>
@@ -306,7 +308,7 @@
             <a:fld id="{1D8BD707-D9CF-40AE-B4C6-C98DA3205C09}" type="datetimeFigureOut">
               <a:rPr lang="en-US" smtClean="0"/>
               <a:pPr/>
-              <a:t>8/31/2015</a:t>
+              <a:t>12/30/2015</a:t>
             </a:fld>
             <a:endParaRPr lang="en-US"/>
           </a:p>
@@ -473,7 +475,7 @@
             <a:fld id="{1D8BD707-D9CF-40AE-B4C6-C98DA3205C09}" type="datetimeFigureOut">
               <a:rPr lang="en-US" smtClean="0"/>
               <a:pPr/>
-              <a:t>8/31/2015</a:t>
+              <a:t>12/30/2015</a:t>
             </a:fld>
             <a:endParaRPr lang="en-US"/>
           </a:p>
@@ -650,7 +652,7 @@
             <a:fld id="{1D8BD707-D9CF-40AE-B4C6-C98DA3205C09}" type="datetimeFigureOut">
               <a:rPr lang="en-US" smtClean="0"/>
               <a:pPr/>
-              <a:t>8/31/2015</a:t>
+              <a:t>12/30/2015</a:t>
             </a:fld>
             <a:endParaRPr lang="en-US"/>
           </a:p>
@@ -835,7 +837,7 @@
             <a:fld id="{1D8BD707-D9CF-40AE-B4C6-C98DA3205C09}" type="datetimeFigureOut">
               <a:rPr lang="en-US" smtClean="0"/>
               <a:pPr/>
-              <a:t>8/31/2015</a:t>
+              <a:t>12/30/2015</a:t>
             </a:fld>
             <a:endParaRPr lang="en-US"/>
           </a:p>
@@ -1099,7 +1101,7 @@
             <a:fld id="{1D8BD707-D9CF-40AE-B4C6-C98DA3205C09}" type="datetimeFigureOut">
               <a:rPr lang="en-US" smtClean="0"/>
               <a:pPr/>
-              <a:t>8/31/2015</a:t>
+              <a:t>12/30/2015</a:t>
             </a:fld>
             <a:endParaRPr lang="en-US"/>
           </a:p>
@@ -1449,7 +1451,7 @@
             <a:fld id="{1D8BD707-D9CF-40AE-B4C6-C98DA3205C09}" type="datetimeFigureOut">
               <a:rPr lang="en-US" smtClean="0"/>
               <a:pPr/>
-              <a:t>8/31/2015</a:t>
+              <a:t>12/30/2015</a:t>
             </a:fld>
             <a:endParaRPr lang="en-US"/>
           </a:p>
@@ -1759,7 +1761,7 @@
             <a:fld id="{1D8BD707-D9CF-40AE-B4C6-C98DA3205C09}" type="datetimeFigureOut">
               <a:rPr lang="en-US" smtClean="0"/>
               <a:pPr/>
-              <a:t>8/31/2015</a:t>
+              <a:t>12/30/2015</a:t>
             </a:fld>
             <a:endParaRPr lang="en-US"/>
           </a:p>
@@ -1988,7 +1990,7 @@
             <a:fld id="{1D8BD707-D9CF-40AE-B4C6-C98DA3205C09}" type="datetimeFigureOut">
               <a:rPr lang="en-US" smtClean="0"/>
               <a:pPr/>
-              <a:t>8/31/2015</a:t>
+              <a:t>12/30/2015</a:t>
             </a:fld>
             <a:endParaRPr lang="en-US"/>
           </a:p>
@@ -2080,7 +2082,7 @@
             <a:fld id="{1D8BD707-D9CF-40AE-B4C6-C98DA3205C09}" type="datetimeFigureOut">
               <a:rPr lang="en-US" smtClean="0"/>
               <a:pPr/>
-              <a:t>8/31/2015</a:t>
+              <a:t>12/30/2015</a:t>
             </a:fld>
             <a:endParaRPr lang="en-US"/>
           </a:p>
@@ -2370,7 +2372,7 @@
             <a:fld id="{1D8BD707-D9CF-40AE-B4C6-C98DA3205C09}" type="datetimeFigureOut">
               <a:rPr lang="en-US" smtClean="0"/>
               <a:pPr/>
-              <a:t>8/31/2015</a:t>
+              <a:t>12/30/2015</a:t>
             </a:fld>
             <a:endParaRPr lang="en-US"/>
           </a:p>
@@ -2641,7 +2643,7 @@
             <a:fld id="{1D8BD707-D9CF-40AE-B4C6-C98DA3205C09}" type="datetimeFigureOut">
               <a:rPr lang="en-US" smtClean="0"/>
               <a:pPr/>
-              <a:t>8/31/2015</a:t>
+              <a:t>12/30/2015</a:t>
             </a:fld>
             <a:endParaRPr lang="en-US"/>
           </a:p>
@@ -2853,7 +2855,7 @@
             <a:fld id="{1D8BD707-D9CF-40AE-B4C6-C98DA3205C09}" type="datetimeFigureOut">
               <a:rPr lang="en-US" smtClean="0"/>
               <a:pPr/>
-              <a:t>8/31/2015</a:t>
+              <a:t>12/30/2015</a:t>
             </a:fld>
             <a:endParaRPr lang="en-US"/>
           </a:p>
@@ -6525,11 +6527,7 @@
             <a:pPr algn="ctr"/>
             <a:r>
               <a:rPr lang="en-US" smtClean="0"/>
-              <a:t>#</a:t>
-            </a:r>
-            <a:r>
-              <a:rPr lang="en-US" smtClean="0"/>
-              <a:t>kTrades</a:t>
+              <a:t>#kTrades</a:t>
             </a:r>
             <a:endParaRPr lang="en-US"/>
           </a:p>
@@ -6579,11 +6577,7 @@
             <a:pPr algn="ctr"/>
             <a:r>
               <a:rPr lang="en-US" smtClean="0"/>
-              <a:t>#</a:t>
-            </a:r>
-            <a:r>
-              <a:rPr lang="en-US" smtClean="0"/>
-              <a:t>kLots</a:t>
+              <a:t>#kLots</a:t>
             </a:r>
             <a:endParaRPr lang="en-US"/>
           </a:p>
@@ -6633,11 +6627,7 @@
             <a:pPr algn="ctr"/>
             <a:r>
               <a:rPr lang="en-US" smtClean="0"/>
-              <a:t>#</a:t>
-            </a:r>
-            <a:r>
-              <a:rPr lang="en-US" smtClean="0"/>
-              <a:t>kOrders</a:t>
+              <a:t>#kOrders</a:t>
             </a:r>
             <a:endParaRPr lang="en-US"/>
           </a:p>
@@ -6687,11 +6677,7 @@
             <a:pPr algn="ctr"/>
             <a:r>
               <a:rPr lang="en-US" smtClean="0"/>
-              <a:t>#</a:t>
-            </a:r>
-            <a:r>
-              <a:rPr lang="en-US" smtClean="0"/>
-              <a:t>kTrader</a:t>
+              <a:t>#kTrader</a:t>
             </a:r>
             <a:endParaRPr lang="en-US"/>
           </a:p>
@@ -6741,11 +6727,7 @@
             <a:pPr algn="ctr"/>
             <a:r>
               <a:rPr lang="en-US" smtClean="0"/>
-              <a:t>#</a:t>
-            </a:r>
-            <a:r>
-              <a:rPr lang="en-US" smtClean="0"/>
-              <a:t>kOrderBook</a:t>
+              <a:t>#kOrderBook</a:t>
             </a:r>
             <a:endParaRPr lang="en-US"/>
           </a:p>
@@ -10347,6 +10329,1334 @@
       </p:par>
     </p:tnLst>
   </p:timing>
+</p:sld>
+</file>
+
+<file path=ppt/slides/slide8.xml><?xml version="1.0" encoding="utf-8"?>
+<p:sld xmlns:a="http://schemas.openxmlformats.org/drawingml/2006/main" xmlns:r="http://schemas.openxmlformats.org/officeDocument/2006/relationships" xmlns:p="http://schemas.openxmlformats.org/presentationml/2006/main">
+  <p:cSld>
+    <p:spTree>
+      <p:nvGrpSpPr>
+        <p:cNvPr id="1" name=""/>
+        <p:cNvGrpSpPr/>
+        <p:nvPr/>
+      </p:nvGrpSpPr>
+      <p:grpSpPr>
+        <a:xfrm>
+          <a:off x="0" y="0"/>
+          <a:ext cx="0" cy="0"/>
+          <a:chOff x="0" y="0"/>
+          <a:chExt cx="0" cy="0"/>
+        </a:xfrm>
+      </p:grpSpPr>
+      <p:sp>
+        <p:nvSpPr>
+          <p:cNvPr id="4" name="Rectangle 3"/>
+          <p:cNvSpPr/>
+          <p:nvPr/>
+        </p:nvSpPr>
+        <p:spPr>
+          <a:xfrm>
+            <a:off x="3429000" y="381000"/>
+            <a:ext cx="1752600" cy="462306"/>
+          </a:xfrm>
+          <a:prstGeom prst="rect">
+            <a:avLst/>
+          </a:prstGeom>
+          <a:solidFill>
+            <a:schemeClr val="accent6">
+              <a:lumMod val="60000"/>
+              <a:lumOff val="40000"/>
+            </a:schemeClr>
+          </a:solidFill>
+        </p:spPr>
+        <p:style>
+          <a:lnRef idx="2">
+            <a:schemeClr val="accent1">
+              <a:shade val="50000"/>
+            </a:schemeClr>
+          </a:lnRef>
+          <a:fillRef idx="1">
+            <a:schemeClr val="accent1"/>
+          </a:fillRef>
+          <a:effectRef idx="0">
+            <a:schemeClr val="accent1"/>
+          </a:effectRef>
+          <a:fontRef idx="minor">
+            <a:schemeClr val="lt1"/>
+          </a:fontRef>
+        </p:style>
+        <p:txBody>
+          <a:bodyPr rtlCol="0" anchor="ctr"/>
+          <a:lstStyle/>
+          <a:p>
+            <a:pPr algn="ctr"/>
+            <a:r>
+              <a:rPr lang="en-US" smtClean="0"/>
+              <a:t>script.js</a:t>
+            </a:r>
+            <a:endParaRPr lang="en-US"/>
+          </a:p>
+        </p:txBody>
+      </p:sp>
+      <p:sp>
+        <p:nvSpPr>
+          <p:cNvPr id="5" name="Rectangle 4"/>
+          <p:cNvSpPr/>
+          <p:nvPr/>
+        </p:nvSpPr>
+        <p:spPr>
+          <a:xfrm>
+            <a:off x="3996741" y="5181610"/>
+            <a:ext cx="1752600" cy="462306"/>
+          </a:xfrm>
+          <a:prstGeom prst="rect">
+            <a:avLst/>
+          </a:prstGeom>
+        </p:spPr>
+        <p:style>
+          <a:lnRef idx="1">
+            <a:schemeClr val="accent5"/>
+          </a:lnRef>
+          <a:fillRef idx="2">
+            <a:schemeClr val="accent5"/>
+          </a:fillRef>
+          <a:effectRef idx="1">
+            <a:schemeClr val="accent5"/>
+          </a:effectRef>
+          <a:fontRef idx="minor">
+            <a:schemeClr val="dk1"/>
+          </a:fontRef>
+        </p:style>
+        <p:txBody>
+          <a:bodyPr rtlCol="0" anchor="ctr"/>
+          <a:lstStyle/>
+          <a:p>
+            <a:pPr algn="ctr"/>
+            <a:r>
+              <a:rPr lang="en-US" smtClean="0"/>
+              <a:t>stop</a:t>
+            </a:r>
+            <a:endParaRPr lang="en-US"/>
+          </a:p>
+        </p:txBody>
+      </p:sp>
+      <p:sp>
+        <p:nvSpPr>
+          <p:cNvPr id="6" name="Rectangle 5"/>
+          <p:cNvSpPr/>
+          <p:nvPr/>
+        </p:nvSpPr>
+        <p:spPr>
+          <a:xfrm>
+            <a:off x="6101013" y="4228192"/>
+            <a:ext cx="1752600" cy="462306"/>
+          </a:xfrm>
+          <a:prstGeom prst="rect">
+            <a:avLst/>
+          </a:prstGeom>
+        </p:spPr>
+        <p:style>
+          <a:lnRef idx="1">
+            <a:schemeClr val="accent5"/>
+          </a:lnRef>
+          <a:fillRef idx="2">
+            <a:schemeClr val="accent5"/>
+          </a:fillRef>
+          <a:effectRef idx="1">
+            <a:schemeClr val="accent5"/>
+          </a:effectRef>
+          <a:fontRef idx="minor">
+            <a:schemeClr val="dk1"/>
+          </a:fontRef>
+        </p:style>
+        <p:txBody>
+          <a:bodyPr rtlCol="0" anchor="ctr"/>
+          <a:lstStyle/>
+          <a:p>
+            <a:pPr algn="ctr"/>
+            <a:r>
+              <a:rPr lang="en-US" smtClean="0"/>
+              <a:t>buffer2</a:t>
+            </a:r>
+            <a:endParaRPr lang="en-US"/>
+          </a:p>
+        </p:txBody>
+      </p:sp>
+      <p:sp>
+        <p:nvSpPr>
+          <p:cNvPr id="7" name="Rectangle 6"/>
+          <p:cNvSpPr/>
+          <p:nvPr/>
+        </p:nvSpPr>
+        <p:spPr>
+          <a:xfrm>
+            <a:off x="6101013" y="3613852"/>
+            <a:ext cx="1752600" cy="462306"/>
+          </a:xfrm>
+          <a:prstGeom prst="rect">
+            <a:avLst/>
+          </a:prstGeom>
+        </p:spPr>
+        <p:style>
+          <a:lnRef idx="1">
+            <a:schemeClr val="accent5"/>
+          </a:lnRef>
+          <a:fillRef idx="2">
+            <a:schemeClr val="accent5"/>
+          </a:fillRef>
+          <a:effectRef idx="1">
+            <a:schemeClr val="accent5"/>
+          </a:effectRef>
+          <a:fontRef idx="minor">
+            <a:schemeClr val="dk1"/>
+          </a:fontRef>
+        </p:style>
+        <p:txBody>
+          <a:bodyPr rtlCol="0" anchor="ctr"/>
+          <a:lstStyle/>
+          <a:p>
+            <a:pPr algn="ctr"/>
+            <a:r>
+              <a:rPr lang="en-US" smtClean="0"/>
+              <a:t>buffer1</a:t>
+            </a:r>
+            <a:endParaRPr lang="en-US"/>
+          </a:p>
+        </p:txBody>
+      </p:sp>
+      <p:sp>
+        <p:nvSpPr>
+          <p:cNvPr id="8" name="Rectangle 7"/>
+          <p:cNvSpPr/>
+          <p:nvPr/>
+        </p:nvSpPr>
+        <p:spPr>
+          <a:xfrm>
+            <a:off x="685800" y="5864857"/>
+            <a:ext cx="1752600" cy="462306"/>
+          </a:xfrm>
+          <a:prstGeom prst="rect">
+            <a:avLst/>
+          </a:prstGeom>
+        </p:spPr>
+        <p:style>
+          <a:lnRef idx="1">
+            <a:schemeClr val="accent5"/>
+          </a:lnRef>
+          <a:fillRef idx="2">
+            <a:schemeClr val="accent5"/>
+          </a:fillRef>
+          <a:effectRef idx="1">
+            <a:schemeClr val="accent5"/>
+          </a:effectRef>
+          <a:fontRef idx="minor">
+            <a:schemeClr val="dk1"/>
+          </a:fontRef>
+        </p:style>
+        <p:txBody>
+          <a:bodyPr rtlCol="0" anchor="ctr"/>
+          <a:lstStyle/>
+          <a:p>
+            <a:pPr algn="ctr"/>
+            <a:r>
+              <a:rPr lang="en-US" smtClean="0"/>
+              <a:t>activeBuffer</a:t>
+            </a:r>
+            <a:endParaRPr lang="en-US"/>
+          </a:p>
+        </p:txBody>
+      </p:sp>
+      <p:sp>
+        <p:nvSpPr>
+          <p:cNvPr id="9" name="Rectangle 8"/>
+          <p:cNvSpPr/>
+          <p:nvPr/>
+        </p:nvSpPr>
+        <p:spPr>
+          <a:xfrm>
+            <a:off x="629653" y="4950457"/>
+            <a:ext cx="1752600" cy="462306"/>
+          </a:xfrm>
+          <a:prstGeom prst="rect">
+            <a:avLst/>
+          </a:prstGeom>
+        </p:spPr>
+        <p:style>
+          <a:lnRef idx="1">
+            <a:schemeClr val="accent5"/>
+          </a:lnRef>
+          <a:fillRef idx="2">
+            <a:schemeClr val="accent5"/>
+          </a:fillRef>
+          <a:effectRef idx="1">
+            <a:schemeClr val="accent5"/>
+          </a:effectRef>
+          <a:fontRef idx="minor">
+            <a:schemeClr val="dk1"/>
+          </a:fontRef>
+        </p:style>
+        <p:txBody>
+          <a:bodyPr rtlCol="0" anchor="ctr"/>
+          <a:lstStyle/>
+          <a:p>
+            <a:pPr algn="ctr"/>
+            <a:r>
+              <a:rPr lang="en-US" smtClean="0"/>
+              <a:t>sequence</a:t>
+            </a:r>
+            <a:endParaRPr lang="en-US"/>
+          </a:p>
+        </p:txBody>
+      </p:sp>
+      <p:sp>
+        <p:nvSpPr>
+          <p:cNvPr id="10" name="Rectangle 9"/>
+          <p:cNvSpPr/>
+          <p:nvPr/>
+        </p:nvSpPr>
+        <p:spPr>
+          <a:xfrm>
+            <a:off x="3996741" y="5825113"/>
+            <a:ext cx="1752600" cy="462306"/>
+          </a:xfrm>
+          <a:prstGeom prst="rect">
+            <a:avLst/>
+          </a:prstGeom>
+        </p:spPr>
+        <p:style>
+          <a:lnRef idx="1">
+            <a:schemeClr val="accent5"/>
+          </a:lnRef>
+          <a:fillRef idx="2">
+            <a:schemeClr val="accent5"/>
+          </a:fillRef>
+          <a:effectRef idx="1">
+            <a:schemeClr val="accent5"/>
+          </a:effectRef>
+          <a:fontRef idx="minor">
+            <a:schemeClr val="dk1"/>
+          </a:fontRef>
+        </p:style>
+        <p:txBody>
+          <a:bodyPr rtlCol="0" anchor="ctr"/>
+          <a:lstStyle/>
+          <a:p>
+            <a:pPr algn="ctr"/>
+            <a:r>
+              <a:rPr lang="en-US" smtClean="0"/>
+              <a:t>message</a:t>
+            </a:r>
+            <a:endParaRPr lang="en-US"/>
+          </a:p>
+        </p:txBody>
+      </p:sp>
+      <p:sp>
+        <p:nvSpPr>
+          <p:cNvPr id="11" name="Rectangle 10"/>
+          <p:cNvSpPr/>
+          <p:nvPr/>
+        </p:nvSpPr>
+        <p:spPr>
+          <a:xfrm>
+            <a:off x="6553200" y="5412763"/>
+            <a:ext cx="1752600" cy="462306"/>
+          </a:xfrm>
+          <a:prstGeom prst="rect">
+            <a:avLst/>
+          </a:prstGeom>
+        </p:spPr>
+        <p:style>
+          <a:lnRef idx="1">
+            <a:schemeClr val="accent5"/>
+          </a:lnRef>
+          <a:fillRef idx="2">
+            <a:schemeClr val="accent5"/>
+          </a:fillRef>
+          <a:effectRef idx="1">
+            <a:schemeClr val="accent5"/>
+          </a:effectRef>
+          <a:fontRef idx="minor">
+            <a:schemeClr val="dk1"/>
+          </a:fontRef>
+        </p:style>
+        <p:txBody>
+          <a:bodyPr rtlCol="0" anchor="ctr"/>
+          <a:lstStyle/>
+          <a:p>
+            <a:pPr algn="ctr"/>
+            <a:r>
+              <a:rPr lang="en-US" smtClean="0"/>
+              <a:t>ws</a:t>
+            </a:r>
+            <a:endParaRPr lang="en-US"/>
+          </a:p>
+        </p:txBody>
+      </p:sp>
+      <p:sp>
+        <p:nvSpPr>
+          <p:cNvPr id="17" name="Rectangle 16"/>
+          <p:cNvSpPr/>
+          <p:nvPr/>
+        </p:nvSpPr>
+        <p:spPr>
+          <a:xfrm>
+            <a:off x="381000" y="818508"/>
+            <a:ext cx="1544302" cy="462306"/>
+          </a:xfrm>
+          <a:prstGeom prst="rect">
+            <a:avLst/>
+          </a:prstGeom>
+        </p:spPr>
+        <p:style>
+          <a:lnRef idx="1">
+            <a:schemeClr val="accent2"/>
+          </a:lnRef>
+          <a:fillRef idx="2">
+            <a:schemeClr val="accent2"/>
+          </a:fillRef>
+          <a:effectRef idx="1">
+            <a:schemeClr val="accent2"/>
+          </a:effectRef>
+          <a:fontRef idx="minor">
+            <a:schemeClr val="dk1"/>
+          </a:fontRef>
+        </p:style>
+        <p:txBody>
+          <a:bodyPr rtlCol="0" anchor="ctr"/>
+          <a:lstStyle/>
+          <a:p>
+            <a:pPr algn="ctr"/>
+            <a:r>
+              <a:rPr lang="en-US" smtClean="0"/>
+              <a:t>doc Ready</a:t>
+            </a:r>
+            <a:endParaRPr lang="en-US"/>
+          </a:p>
+        </p:txBody>
+      </p:sp>
+      <p:sp>
+        <p:nvSpPr>
+          <p:cNvPr id="18" name="Rectangle 17"/>
+          <p:cNvSpPr/>
+          <p:nvPr/>
+        </p:nvSpPr>
+        <p:spPr>
+          <a:xfrm>
+            <a:off x="1505953" y="1519989"/>
+            <a:ext cx="1484772" cy="462306"/>
+          </a:xfrm>
+          <a:prstGeom prst="rect">
+            <a:avLst/>
+          </a:prstGeom>
+        </p:spPr>
+        <p:style>
+          <a:lnRef idx="1">
+            <a:schemeClr val="accent2"/>
+          </a:lnRef>
+          <a:fillRef idx="2">
+            <a:schemeClr val="accent2"/>
+          </a:fillRef>
+          <a:effectRef idx="1">
+            <a:schemeClr val="accent2"/>
+          </a:effectRef>
+          <a:fontRef idx="minor">
+            <a:schemeClr val="dk1"/>
+          </a:fontRef>
+        </p:style>
+        <p:txBody>
+          <a:bodyPr rtlCol="0" anchor="ctr"/>
+          <a:lstStyle/>
+          <a:p>
+            <a:pPr algn="ctr"/>
+            <a:r>
+              <a:rPr lang="en-US" smtClean="0"/>
+              <a:t>webSocket</a:t>
+            </a:r>
+            <a:endParaRPr lang="en-US"/>
+          </a:p>
+        </p:txBody>
+      </p:sp>
+      <p:sp>
+        <p:nvSpPr>
+          <p:cNvPr id="19" name="Rectangle 18"/>
+          <p:cNvSpPr/>
+          <p:nvPr/>
+        </p:nvSpPr>
+        <p:spPr>
+          <a:xfrm>
+            <a:off x="3810000" y="3007351"/>
+            <a:ext cx="1208672" cy="462306"/>
+          </a:xfrm>
+          <a:prstGeom prst="rect">
+            <a:avLst/>
+          </a:prstGeom>
+        </p:spPr>
+        <p:style>
+          <a:lnRef idx="1">
+            <a:schemeClr val="accent2"/>
+          </a:lnRef>
+          <a:fillRef idx="2">
+            <a:schemeClr val="accent2"/>
+          </a:fillRef>
+          <a:effectRef idx="1">
+            <a:schemeClr val="accent2"/>
+          </a:effectRef>
+          <a:fontRef idx="minor">
+            <a:schemeClr val="dk1"/>
+          </a:fontRef>
+        </p:style>
+        <p:txBody>
+          <a:bodyPr rtlCol="0" anchor="ctr"/>
+          <a:lstStyle/>
+          <a:p>
+            <a:pPr algn="ctr"/>
+            <a:r>
+              <a:rPr lang="en-US" smtClean="0"/>
+              <a:t>tick()</a:t>
+            </a:r>
+            <a:endParaRPr lang="en-US"/>
+          </a:p>
+        </p:txBody>
+      </p:sp>
+      <p:sp>
+        <p:nvSpPr>
+          <p:cNvPr id="20" name="Rectangle 19"/>
+          <p:cNvSpPr/>
+          <p:nvPr/>
+        </p:nvSpPr>
+        <p:spPr>
+          <a:xfrm>
+            <a:off x="2674898" y="2313892"/>
+            <a:ext cx="1249654" cy="462306"/>
+          </a:xfrm>
+          <a:prstGeom prst="rect">
+            <a:avLst/>
+          </a:prstGeom>
+        </p:spPr>
+        <p:style>
+          <a:lnRef idx="1">
+            <a:schemeClr val="accent2"/>
+          </a:lnRef>
+          <a:fillRef idx="2">
+            <a:schemeClr val="accent2"/>
+          </a:fillRef>
+          <a:effectRef idx="1">
+            <a:schemeClr val="accent2"/>
+          </a:effectRef>
+          <a:fontRef idx="minor">
+            <a:schemeClr val="dk1"/>
+          </a:fontRef>
+        </p:style>
+        <p:txBody>
+          <a:bodyPr rtlCol="0" anchor="ctr"/>
+          <a:lstStyle/>
+          <a:p>
+            <a:pPr algn="ctr"/>
+            <a:r>
+              <a:rPr lang="en-US" smtClean="0"/>
+              <a:t>start()</a:t>
+            </a:r>
+            <a:endParaRPr lang="en-US"/>
+          </a:p>
+        </p:txBody>
+      </p:sp>
+      <p:cxnSp>
+        <p:nvCxnSpPr>
+          <p:cNvPr id="22" name="Elbow Connector 21"/>
+          <p:cNvCxnSpPr>
+            <a:stCxn id="17" idx="2"/>
+            <a:endCxn id="18" idx="1"/>
+          </p:cNvCxnSpPr>
+          <p:nvPr/>
+        </p:nvCxnSpPr>
+        <p:spPr>
+          <a:xfrm rot="16200000" flipH="1">
+            <a:off x="1094388" y="1339577"/>
+            <a:ext cx="470328" cy="352802"/>
+          </a:xfrm>
+          <a:prstGeom prst="bentConnector2">
+            <a:avLst/>
+          </a:prstGeom>
+          <a:ln>
+            <a:tailEnd type="arrow"/>
+          </a:ln>
+        </p:spPr>
+        <p:style>
+          <a:lnRef idx="1">
+            <a:schemeClr val="accent1"/>
+          </a:lnRef>
+          <a:fillRef idx="0">
+            <a:schemeClr val="accent1"/>
+          </a:fillRef>
+          <a:effectRef idx="0">
+            <a:schemeClr val="accent1"/>
+          </a:effectRef>
+          <a:fontRef idx="minor">
+            <a:schemeClr val="tx1"/>
+          </a:fontRef>
+        </p:style>
+      </p:cxnSp>
+      <p:sp>
+        <p:nvSpPr>
+          <p:cNvPr id="24" name="Rectangle 23"/>
+          <p:cNvSpPr/>
+          <p:nvPr/>
+        </p:nvSpPr>
+        <p:spPr>
+          <a:xfrm>
+            <a:off x="6989345" y="175006"/>
+            <a:ext cx="1752600" cy="462306"/>
+          </a:xfrm>
+          <a:prstGeom prst="rect">
+            <a:avLst/>
+          </a:prstGeom>
+        </p:spPr>
+        <p:style>
+          <a:lnRef idx="1">
+            <a:schemeClr val="accent1"/>
+          </a:lnRef>
+          <a:fillRef idx="2">
+            <a:schemeClr val="accent1"/>
+          </a:fillRef>
+          <a:effectRef idx="1">
+            <a:schemeClr val="accent1"/>
+          </a:effectRef>
+          <a:fontRef idx="minor">
+            <a:schemeClr val="dk1"/>
+          </a:fontRef>
+        </p:style>
+        <p:txBody>
+          <a:bodyPr rtlCol="0" anchor="ctr"/>
+          <a:lstStyle/>
+          <a:p>
+            <a:pPr algn="ctr"/>
+            <a:r>
+              <a:rPr lang="en-US" smtClean="0"/>
+              <a:t>#go</a:t>
+            </a:r>
+            <a:endParaRPr lang="en-US"/>
+          </a:p>
+        </p:txBody>
+      </p:sp>
+      <p:sp>
+        <p:nvSpPr>
+          <p:cNvPr id="25" name="Rectangle 24"/>
+          <p:cNvSpPr/>
+          <p:nvPr/>
+        </p:nvSpPr>
+        <p:spPr>
+          <a:xfrm>
+            <a:off x="7041482" y="1049662"/>
+            <a:ext cx="1752600" cy="462306"/>
+          </a:xfrm>
+          <a:prstGeom prst="rect">
+            <a:avLst/>
+          </a:prstGeom>
+        </p:spPr>
+        <p:style>
+          <a:lnRef idx="1">
+            <a:schemeClr val="accent1"/>
+          </a:lnRef>
+          <a:fillRef idx="2">
+            <a:schemeClr val="accent1"/>
+          </a:fillRef>
+          <a:effectRef idx="1">
+            <a:schemeClr val="accent1"/>
+          </a:effectRef>
+          <a:fontRef idx="minor">
+            <a:schemeClr val="dk1"/>
+          </a:fontRef>
+        </p:style>
+        <p:txBody>
+          <a:bodyPr rtlCol="0" anchor="ctr"/>
+          <a:lstStyle/>
+          <a:p>
+            <a:pPr algn="ctr"/>
+            <a:r>
+              <a:rPr lang="en-US" smtClean="0"/>
+              <a:t>#stopB</a:t>
+            </a:r>
+            <a:endParaRPr lang="en-US"/>
+          </a:p>
+        </p:txBody>
+      </p:sp>
+      <p:cxnSp>
+        <p:nvCxnSpPr>
+          <p:cNvPr id="41" name="Elbow Connector 40"/>
+          <p:cNvCxnSpPr>
+            <a:stCxn id="18" idx="2"/>
+            <a:endCxn id="20" idx="1"/>
+          </p:cNvCxnSpPr>
+          <p:nvPr/>
+        </p:nvCxnSpPr>
+        <p:spPr>
+          <a:xfrm rot="16200000" flipH="1">
+            <a:off x="2180243" y="2050390"/>
+            <a:ext cx="562750" cy="426559"/>
+          </a:xfrm>
+          <a:prstGeom prst="bentConnector2">
+            <a:avLst/>
+          </a:prstGeom>
+          <a:ln>
+            <a:tailEnd type="arrow"/>
+          </a:ln>
+        </p:spPr>
+        <p:style>
+          <a:lnRef idx="1">
+            <a:schemeClr val="accent1"/>
+          </a:lnRef>
+          <a:fillRef idx="0">
+            <a:schemeClr val="accent1"/>
+          </a:fillRef>
+          <a:effectRef idx="0">
+            <a:schemeClr val="accent1"/>
+          </a:effectRef>
+          <a:fontRef idx="minor">
+            <a:schemeClr val="tx1"/>
+          </a:fontRef>
+        </p:style>
+      </p:cxnSp>
+      <p:sp>
+        <p:nvSpPr>
+          <p:cNvPr id="49" name="Rectangle 48"/>
+          <p:cNvSpPr/>
+          <p:nvPr/>
+        </p:nvSpPr>
+        <p:spPr>
+          <a:xfrm>
+            <a:off x="6705600" y="2429468"/>
+            <a:ext cx="1752600" cy="462306"/>
+          </a:xfrm>
+          <a:prstGeom prst="rect">
+            <a:avLst/>
+          </a:prstGeom>
+        </p:spPr>
+        <p:style>
+          <a:lnRef idx="1">
+            <a:schemeClr val="accent3"/>
+          </a:lnRef>
+          <a:fillRef idx="2">
+            <a:schemeClr val="accent3"/>
+          </a:fillRef>
+          <a:effectRef idx="1">
+            <a:schemeClr val="accent3"/>
+          </a:effectRef>
+          <a:fontRef idx="minor">
+            <a:schemeClr val="dk1"/>
+          </a:fontRef>
+        </p:style>
+        <p:txBody>
+          <a:bodyPr rtlCol="0" anchor="ctr"/>
+          <a:lstStyle/>
+          <a:p>
+            <a:pPr algn="ctr"/>
+            <a:r>
+              <a:rPr lang="en-US" smtClean="0"/>
+              <a:t>kevin.php</a:t>
+            </a:r>
+            <a:endParaRPr lang="en-US"/>
+          </a:p>
+        </p:txBody>
+      </p:sp>
+      <p:cxnSp>
+        <p:nvCxnSpPr>
+          <p:cNvPr id="51" name="Elbow Connector 50"/>
+          <p:cNvCxnSpPr>
+            <a:stCxn id="20" idx="3"/>
+            <a:endCxn id="49" idx="1"/>
+          </p:cNvCxnSpPr>
+          <p:nvPr/>
+        </p:nvCxnSpPr>
+        <p:spPr>
+          <a:xfrm>
+            <a:off x="3924552" y="2545045"/>
+            <a:ext cx="2781048" cy="115576"/>
+          </a:xfrm>
+          <a:prstGeom prst="bentConnector3">
+            <a:avLst/>
+          </a:prstGeom>
+          <a:ln>
+            <a:headEnd type="arrow"/>
+            <a:tailEnd type="arrow"/>
+          </a:ln>
+        </p:spPr>
+        <p:style>
+          <a:lnRef idx="1">
+            <a:schemeClr val="accent1"/>
+          </a:lnRef>
+          <a:fillRef idx="0">
+            <a:schemeClr val="accent1"/>
+          </a:fillRef>
+          <a:effectRef idx="0">
+            <a:schemeClr val="accent1"/>
+          </a:effectRef>
+          <a:fontRef idx="minor">
+            <a:schemeClr val="tx1"/>
+          </a:fontRef>
+        </p:style>
+      </p:cxnSp>
+      <p:cxnSp>
+        <p:nvCxnSpPr>
+          <p:cNvPr id="53" name="Elbow Connector 52"/>
+          <p:cNvCxnSpPr>
+            <a:stCxn id="20" idx="2"/>
+            <a:endCxn id="19" idx="1"/>
+          </p:cNvCxnSpPr>
+          <p:nvPr/>
+        </p:nvCxnSpPr>
+        <p:spPr>
+          <a:xfrm rot="16200000" flipH="1">
+            <a:off x="3323709" y="2752213"/>
+            <a:ext cx="462306" cy="510275"/>
+          </a:xfrm>
+          <a:prstGeom prst="bentConnector2">
+            <a:avLst/>
+          </a:prstGeom>
+          <a:ln>
+            <a:tailEnd type="arrow"/>
+          </a:ln>
+        </p:spPr>
+        <p:style>
+          <a:lnRef idx="1">
+            <a:schemeClr val="accent1"/>
+          </a:lnRef>
+          <a:fillRef idx="0">
+            <a:schemeClr val="accent1"/>
+          </a:fillRef>
+          <a:effectRef idx="0">
+            <a:schemeClr val="accent1"/>
+          </a:effectRef>
+          <a:fontRef idx="minor">
+            <a:schemeClr val="tx1"/>
+          </a:fontRef>
+        </p:style>
+      </p:cxnSp>
+      <p:cxnSp>
+        <p:nvCxnSpPr>
+          <p:cNvPr id="61" name="Elbow Connector 60"/>
+          <p:cNvCxnSpPr>
+            <a:stCxn id="19" idx="3"/>
+            <a:endCxn id="49" idx="1"/>
+          </p:cNvCxnSpPr>
+          <p:nvPr/>
+        </p:nvCxnSpPr>
+        <p:spPr>
+          <a:xfrm flipV="1">
+            <a:off x="5018672" y="2660621"/>
+            <a:ext cx="1686928" cy="577883"/>
+          </a:xfrm>
+          <a:prstGeom prst="bentConnector3">
+            <a:avLst/>
+          </a:prstGeom>
+          <a:ln>
+            <a:headEnd type="arrow"/>
+            <a:tailEnd type="arrow"/>
+          </a:ln>
+        </p:spPr>
+        <p:style>
+          <a:lnRef idx="1">
+            <a:schemeClr val="accent1"/>
+          </a:lnRef>
+          <a:fillRef idx="0">
+            <a:schemeClr val="accent1"/>
+          </a:fillRef>
+          <a:effectRef idx="0">
+            <a:schemeClr val="accent1"/>
+          </a:effectRef>
+          <a:fontRef idx="minor">
+            <a:schemeClr val="tx1"/>
+          </a:fontRef>
+        </p:style>
+      </p:cxnSp>
+      <p:sp>
+        <p:nvSpPr>
+          <p:cNvPr id="90" name="Rectangle 89"/>
+          <p:cNvSpPr/>
+          <p:nvPr/>
+        </p:nvSpPr>
+        <p:spPr>
+          <a:xfrm>
+            <a:off x="762751" y="3390904"/>
+            <a:ext cx="1208672" cy="462306"/>
+          </a:xfrm>
+          <a:prstGeom prst="rect">
+            <a:avLst/>
+          </a:prstGeom>
+        </p:spPr>
+        <p:style>
+          <a:lnRef idx="1">
+            <a:schemeClr val="accent2"/>
+          </a:lnRef>
+          <a:fillRef idx="2">
+            <a:schemeClr val="accent2"/>
+          </a:fillRef>
+          <a:effectRef idx="1">
+            <a:schemeClr val="accent2"/>
+          </a:effectRef>
+          <a:fontRef idx="minor">
+            <a:schemeClr val="dk1"/>
+          </a:fontRef>
+        </p:style>
+        <p:txBody>
+          <a:bodyPr rtlCol="0" anchor="ctr"/>
+          <a:lstStyle/>
+          <a:p>
+            <a:pPr algn="ctr"/>
+            <a:r>
+              <a:rPr lang="en-US" smtClean="0"/>
+              <a:t>stop</a:t>
+            </a:r>
+            <a:r>
+              <a:rPr lang="en-US" smtClean="0"/>
+              <a:t>()</a:t>
+            </a:r>
+            <a:endParaRPr lang="en-US"/>
+          </a:p>
+        </p:txBody>
+      </p:sp>
+    </p:spTree>
+    <p:extLst>
+      <p:ext uri="{BB962C8B-B14F-4D97-AF65-F5344CB8AC3E}">
+        <p14:creationId xmlns:p14="http://schemas.microsoft.com/office/powerpoint/2010/main" val="1330222737"/>
+      </p:ext>
+    </p:extLst>
+  </p:cSld>
+  <p:clrMapOvr>
+    <a:masterClrMapping/>
+  </p:clrMapOvr>
+</p:sld>
+</file>
+
+<file path=ppt/slides/slide9.xml><?xml version="1.0" encoding="utf-8"?>
+<p:sld xmlns:a="http://schemas.openxmlformats.org/drawingml/2006/main" xmlns:r="http://schemas.openxmlformats.org/officeDocument/2006/relationships" xmlns:p="http://schemas.openxmlformats.org/presentationml/2006/main">
+  <p:cSld>
+    <p:spTree>
+      <p:nvGrpSpPr>
+        <p:cNvPr id="1" name=""/>
+        <p:cNvGrpSpPr/>
+        <p:nvPr/>
+      </p:nvGrpSpPr>
+      <p:grpSpPr>
+        <a:xfrm>
+          <a:off x="0" y="0"/>
+          <a:ext cx="0" cy="0"/>
+          <a:chOff x="0" y="0"/>
+          <a:chExt cx="0" cy="0"/>
+        </a:xfrm>
+      </p:grpSpPr>
+      <p:sp>
+        <p:nvSpPr>
+          <p:cNvPr id="49" name="Rectangle 48"/>
+          <p:cNvSpPr/>
+          <p:nvPr/>
+        </p:nvSpPr>
+        <p:spPr>
+          <a:xfrm>
+            <a:off x="533400" y="381000"/>
+            <a:ext cx="1752600" cy="462306"/>
+          </a:xfrm>
+          <a:prstGeom prst="rect">
+            <a:avLst/>
+          </a:prstGeom>
+        </p:spPr>
+        <p:style>
+          <a:lnRef idx="1">
+            <a:schemeClr val="accent3"/>
+          </a:lnRef>
+          <a:fillRef idx="2">
+            <a:schemeClr val="accent3"/>
+          </a:fillRef>
+          <a:effectRef idx="1">
+            <a:schemeClr val="accent3"/>
+          </a:effectRef>
+          <a:fontRef idx="minor">
+            <a:schemeClr val="dk1"/>
+          </a:fontRef>
+        </p:style>
+        <p:txBody>
+          <a:bodyPr rtlCol="0" anchor="ctr"/>
+          <a:lstStyle/>
+          <a:p>
+            <a:pPr algn="ctr"/>
+            <a:r>
+              <a:rPr lang="en-US" smtClean="0"/>
+              <a:t>kevin.php</a:t>
+            </a:r>
+            <a:endParaRPr lang="en-US"/>
+          </a:p>
+        </p:txBody>
+      </p:sp>
+      <p:sp>
+        <p:nvSpPr>
+          <p:cNvPr id="21" name="Rectangle 20"/>
+          <p:cNvSpPr/>
+          <p:nvPr/>
+        </p:nvSpPr>
+        <p:spPr>
+          <a:xfrm>
+            <a:off x="4876800" y="336884"/>
+            <a:ext cx="1752600" cy="462306"/>
+          </a:xfrm>
+          <a:prstGeom prst="rect">
+            <a:avLst/>
+          </a:prstGeom>
+        </p:spPr>
+        <p:style>
+          <a:lnRef idx="1">
+            <a:schemeClr val="accent5"/>
+          </a:lnRef>
+          <a:fillRef idx="2">
+            <a:schemeClr val="accent5"/>
+          </a:fillRef>
+          <a:effectRef idx="1">
+            <a:schemeClr val="accent5"/>
+          </a:effectRef>
+          <a:fontRef idx="minor">
+            <a:schemeClr val="dk1"/>
+          </a:fontRef>
+        </p:style>
+        <p:txBody>
+          <a:bodyPr rtlCol="0" anchor="ctr"/>
+          <a:lstStyle/>
+          <a:p>
+            <a:pPr algn="ctr"/>
+            <a:r>
+              <a:rPr lang="en-US" smtClean="0"/>
+              <a:t>session</a:t>
+            </a:r>
+            <a:endParaRPr lang="en-US"/>
+          </a:p>
+        </p:txBody>
+      </p:sp>
+      <p:sp>
+        <p:nvSpPr>
+          <p:cNvPr id="26" name="Rectangle 25"/>
+          <p:cNvSpPr/>
+          <p:nvPr/>
+        </p:nvSpPr>
+        <p:spPr>
+          <a:xfrm>
+            <a:off x="4896853" y="1939637"/>
+            <a:ext cx="1752600" cy="462306"/>
+          </a:xfrm>
+          <a:prstGeom prst="rect">
+            <a:avLst/>
+          </a:prstGeom>
+        </p:spPr>
+        <p:style>
+          <a:lnRef idx="1">
+            <a:schemeClr val="accent5"/>
+          </a:lnRef>
+          <a:fillRef idx="2">
+            <a:schemeClr val="accent5"/>
+          </a:fillRef>
+          <a:effectRef idx="1">
+            <a:schemeClr val="accent5"/>
+          </a:effectRef>
+          <a:fontRef idx="minor">
+            <a:schemeClr val="dk1"/>
+          </a:fontRef>
+        </p:style>
+        <p:txBody>
+          <a:bodyPr rtlCol="0" anchor="ctr"/>
+          <a:lstStyle/>
+          <a:p>
+            <a:pPr algn="ctr"/>
+            <a:r>
+              <a:rPr lang="en-US" smtClean="0"/>
+              <a:t>rtn</a:t>
+            </a:r>
+            <a:endParaRPr lang="en-US"/>
+          </a:p>
+        </p:txBody>
+      </p:sp>
+      <p:sp>
+        <p:nvSpPr>
+          <p:cNvPr id="27" name="Rectangle 26"/>
+          <p:cNvSpPr/>
+          <p:nvPr/>
+        </p:nvSpPr>
+        <p:spPr>
+          <a:xfrm>
+            <a:off x="685800" y="1442694"/>
+            <a:ext cx="1752600" cy="462306"/>
+          </a:xfrm>
+          <a:prstGeom prst="rect">
+            <a:avLst/>
+          </a:prstGeom>
+        </p:spPr>
+        <p:style>
+          <a:lnRef idx="1">
+            <a:schemeClr val="accent1"/>
+          </a:lnRef>
+          <a:fillRef idx="2">
+            <a:schemeClr val="accent1"/>
+          </a:fillRef>
+          <a:effectRef idx="1">
+            <a:schemeClr val="accent1"/>
+          </a:effectRef>
+          <a:fontRef idx="minor">
+            <a:schemeClr val="dk1"/>
+          </a:fontRef>
+        </p:style>
+        <p:txBody>
+          <a:bodyPr rtlCol="0" anchor="ctr"/>
+          <a:lstStyle/>
+          <a:p>
+            <a:pPr algn="ctr"/>
+            <a:r>
+              <a:rPr lang="en-US" smtClean="0"/>
+              <a:t>switch</a:t>
+            </a:r>
+            <a:endParaRPr lang="en-US"/>
+          </a:p>
+        </p:txBody>
+      </p:sp>
+      <p:sp>
+        <p:nvSpPr>
+          <p:cNvPr id="28" name="Rectangle 27"/>
+          <p:cNvSpPr/>
+          <p:nvPr/>
+        </p:nvSpPr>
+        <p:spPr>
+          <a:xfrm>
+            <a:off x="1562100" y="2415432"/>
+            <a:ext cx="1752600" cy="462306"/>
+          </a:xfrm>
+          <a:prstGeom prst="rect">
+            <a:avLst/>
+          </a:prstGeom>
+        </p:spPr>
+        <p:style>
+          <a:lnRef idx="1">
+            <a:schemeClr val="accent2"/>
+          </a:lnRef>
+          <a:fillRef idx="2">
+            <a:schemeClr val="accent2"/>
+          </a:fillRef>
+          <a:effectRef idx="1">
+            <a:schemeClr val="accent2"/>
+          </a:effectRef>
+          <a:fontRef idx="minor">
+            <a:schemeClr val="dk1"/>
+          </a:fontRef>
+        </p:style>
+        <p:txBody>
+          <a:bodyPr rtlCol="0" anchor="ctr"/>
+          <a:lstStyle/>
+          <a:p>
+            <a:pPr algn="ctr"/>
+            <a:r>
+              <a:rPr lang="en-US" smtClean="0"/>
+              <a:t>start</a:t>
+            </a:r>
+            <a:endParaRPr lang="en-US"/>
+          </a:p>
+        </p:txBody>
+      </p:sp>
+      <p:sp>
+        <p:nvSpPr>
+          <p:cNvPr id="29" name="Rectangle 28"/>
+          <p:cNvSpPr/>
+          <p:nvPr/>
+        </p:nvSpPr>
+        <p:spPr>
+          <a:xfrm>
+            <a:off x="1562100" y="3276600"/>
+            <a:ext cx="1752600" cy="462306"/>
+          </a:xfrm>
+          <a:prstGeom prst="rect">
+            <a:avLst/>
+          </a:prstGeom>
+        </p:spPr>
+        <p:style>
+          <a:lnRef idx="1">
+            <a:schemeClr val="accent2"/>
+          </a:lnRef>
+          <a:fillRef idx="2">
+            <a:schemeClr val="accent2"/>
+          </a:fillRef>
+          <a:effectRef idx="1">
+            <a:schemeClr val="accent2"/>
+          </a:effectRef>
+          <a:fontRef idx="minor">
+            <a:schemeClr val="dk1"/>
+          </a:fontRef>
+        </p:style>
+        <p:txBody>
+          <a:bodyPr rtlCol="0" anchor="ctr"/>
+          <a:lstStyle/>
+          <a:p>
+            <a:pPr algn="ctr"/>
+            <a:r>
+              <a:rPr lang="en-US" smtClean="0"/>
+              <a:t>run</a:t>
+            </a:r>
+            <a:endParaRPr lang="en-US"/>
+          </a:p>
+        </p:txBody>
+      </p:sp>
+      <p:sp>
+        <p:nvSpPr>
+          <p:cNvPr id="30" name="Rectangle 29"/>
+          <p:cNvSpPr/>
+          <p:nvPr/>
+        </p:nvSpPr>
+        <p:spPr>
+          <a:xfrm>
+            <a:off x="7086600" y="336884"/>
+            <a:ext cx="1752600" cy="462306"/>
+          </a:xfrm>
+          <a:prstGeom prst="rect">
+            <a:avLst/>
+          </a:prstGeom>
+        </p:spPr>
+        <p:style>
+          <a:lnRef idx="1">
+            <a:schemeClr val="accent5"/>
+          </a:lnRef>
+          <a:fillRef idx="2">
+            <a:schemeClr val="accent5"/>
+          </a:fillRef>
+          <a:effectRef idx="1">
+            <a:schemeClr val="accent5"/>
+          </a:effectRef>
+          <a:fontRef idx="minor">
+            <a:schemeClr val="dk1"/>
+          </a:fontRef>
+        </p:style>
+        <p:txBody>
+          <a:bodyPr rtlCol="0" anchor="ctr"/>
+          <a:lstStyle/>
+          <a:p>
+            <a:pPr algn="ctr"/>
+            <a:r>
+              <a:rPr lang="en-US" smtClean="0"/>
+              <a:t>tic</a:t>
+            </a:r>
+            <a:endParaRPr lang="en-US"/>
+          </a:p>
+        </p:txBody>
+      </p:sp>
+      <p:sp>
+        <p:nvSpPr>
+          <p:cNvPr id="31" name="Rectangle 30"/>
+          <p:cNvSpPr/>
+          <p:nvPr/>
+        </p:nvSpPr>
+        <p:spPr>
+          <a:xfrm>
+            <a:off x="7086600" y="980388"/>
+            <a:ext cx="1752600" cy="462306"/>
+          </a:xfrm>
+          <a:prstGeom prst="rect">
+            <a:avLst/>
+          </a:prstGeom>
+        </p:spPr>
+        <p:style>
+          <a:lnRef idx="1">
+            <a:schemeClr val="accent5"/>
+          </a:lnRef>
+          <a:fillRef idx="2">
+            <a:schemeClr val="accent5"/>
+          </a:fillRef>
+          <a:effectRef idx="1">
+            <a:schemeClr val="accent5"/>
+          </a:effectRef>
+          <a:fontRef idx="minor">
+            <a:schemeClr val="dk1"/>
+          </a:fontRef>
+        </p:style>
+        <p:txBody>
+          <a:bodyPr rtlCol="0" anchor="ctr"/>
+          <a:lstStyle/>
+          <a:p>
+            <a:pPr algn="ctr"/>
+            <a:r>
+              <a:rPr lang="en-US" smtClean="0"/>
+              <a:t>message</a:t>
+            </a:r>
+            <a:endParaRPr lang="en-US"/>
+          </a:p>
+        </p:txBody>
+      </p:sp>
+      <p:cxnSp>
+        <p:nvCxnSpPr>
+          <p:cNvPr id="3" name="Elbow Connector 2"/>
+          <p:cNvCxnSpPr>
+            <a:stCxn id="21" idx="3"/>
+            <a:endCxn id="30" idx="1"/>
+          </p:cNvCxnSpPr>
+          <p:nvPr/>
+        </p:nvCxnSpPr>
+        <p:spPr>
+          <a:xfrm>
+            <a:off x="6629400" y="568037"/>
+            <a:ext cx="457200" cy="12700"/>
+          </a:xfrm>
+          <a:prstGeom prst="bentConnector3">
+            <a:avLst/>
+          </a:prstGeom>
+        </p:spPr>
+        <p:style>
+          <a:lnRef idx="1">
+            <a:schemeClr val="accent1"/>
+          </a:lnRef>
+          <a:fillRef idx="0">
+            <a:schemeClr val="accent1"/>
+          </a:fillRef>
+          <a:effectRef idx="0">
+            <a:schemeClr val="accent1"/>
+          </a:effectRef>
+          <a:fontRef idx="minor">
+            <a:schemeClr val="tx1"/>
+          </a:fontRef>
+        </p:style>
+      </p:cxnSp>
+      <p:cxnSp>
+        <p:nvCxnSpPr>
+          <p:cNvPr id="13" name="Elbow Connector 12"/>
+          <p:cNvCxnSpPr>
+            <a:stCxn id="21" idx="3"/>
+            <a:endCxn id="31" idx="1"/>
+          </p:cNvCxnSpPr>
+          <p:nvPr/>
+        </p:nvCxnSpPr>
+        <p:spPr>
+          <a:xfrm>
+            <a:off x="6629400" y="568037"/>
+            <a:ext cx="457200" cy="643504"/>
+          </a:xfrm>
+          <a:prstGeom prst="bentConnector3">
+            <a:avLst/>
+          </a:prstGeom>
+        </p:spPr>
+        <p:style>
+          <a:lnRef idx="1">
+            <a:schemeClr val="accent1"/>
+          </a:lnRef>
+          <a:fillRef idx="0">
+            <a:schemeClr val="accent1"/>
+          </a:fillRef>
+          <a:effectRef idx="0">
+            <a:schemeClr val="accent1"/>
+          </a:effectRef>
+          <a:fontRef idx="minor">
+            <a:schemeClr val="tx1"/>
+          </a:fontRef>
+        </p:style>
+      </p:cxnSp>
+    </p:spTree>
+    <p:extLst>
+      <p:ext uri="{BB962C8B-B14F-4D97-AF65-F5344CB8AC3E}">
+        <p14:creationId xmlns:p14="http://schemas.microsoft.com/office/powerpoint/2010/main" val="2894463811"/>
+      </p:ext>
+    </p:extLst>
+  </p:cSld>
+  <p:clrMapOvr>
+    <a:masterClrMapping/>
+  </p:clrMapOvr>
 </p:sld>
 </file>
 

--- a/Document.pptx
+++ b/Document.pptx
@@ -10449,7 +10449,7 @@
         </p:nvSpPr>
         <p:spPr>
           <a:xfrm>
-            <a:off x="6101013" y="4228192"/>
+            <a:off x="6553200" y="4760140"/>
             <a:ext cx="1752600" cy="462306"/>
           </a:xfrm>
           <a:prstGeom prst="rect">
@@ -10491,7 +10491,7 @@
         </p:nvSpPr>
         <p:spPr>
           <a:xfrm>
-            <a:off x="6101013" y="3613852"/>
+            <a:off x="6553200" y="4145800"/>
             <a:ext cx="1752600" cy="462306"/>
           </a:xfrm>
           <a:prstGeom prst="rect">
@@ -11025,7 +11025,7 @@
         </p:nvSpPr>
         <p:spPr>
           <a:xfrm>
-            <a:off x="6705600" y="2429468"/>
+            <a:off x="6165182" y="2718409"/>
             <a:ext cx="1752600" cy="462306"/>
           </a:xfrm>
           <a:prstGeom prst="rect">
@@ -11071,7 +11071,7 @@
         <p:spPr>
           <a:xfrm>
             <a:off x="3924552" y="2545045"/>
-            <a:ext cx="2781048" cy="115576"/>
+            <a:ext cx="2240630" cy="404517"/>
           </a:xfrm>
           <a:prstGeom prst="bentConnector3">
             <a:avLst/>
@@ -11143,8 +11143,8 @@
         </p:nvCxnSpPr>
         <p:spPr>
           <a:xfrm flipV="1">
-            <a:off x="5018672" y="2660621"/>
-            <a:ext cx="1686928" cy="577883"/>
+            <a:off x="5018672" y="2949562"/>
+            <a:ext cx="1146510" cy="288942"/>
           </a:xfrm>
           <a:prstGeom prst="bentConnector3">
             <a:avLst/>
@@ -11177,7 +11177,7 @@
         </p:nvSpPr>
         <p:spPr>
           <a:xfrm>
-            <a:off x="762751" y="3390904"/>
+            <a:off x="548815" y="2776198"/>
             <a:ext cx="1208672" cy="462306"/>
           </a:xfrm>
           <a:prstGeom prst="rect">
@@ -11205,11 +11205,95 @@
             <a:pPr algn="ctr"/>
             <a:r>
               <a:rPr lang="en-US" smtClean="0"/>
-              <a:t>stop</a:t>
+              <a:t>stop()</a:t>
+            </a:r>
+            <a:endParaRPr lang="en-US"/>
+          </a:p>
+        </p:txBody>
+      </p:sp>
+      <p:sp>
+        <p:nvSpPr>
+          <p:cNvPr id="23" name="Rectangle 22"/>
+          <p:cNvSpPr/>
+          <p:nvPr/>
+        </p:nvSpPr>
+        <p:spPr>
+          <a:xfrm>
+            <a:off x="548815" y="3468383"/>
+            <a:ext cx="1208672" cy="462306"/>
+          </a:xfrm>
+          <a:prstGeom prst="rect">
+            <a:avLst/>
+          </a:prstGeom>
+        </p:spPr>
+        <p:style>
+          <a:lnRef idx="1">
+            <a:schemeClr val="accent2"/>
+          </a:lnRef>
+          <a:fillRef idx="2">
+            <a:schemeClr val="accent2"/>
+          </a:fillRef>
+          <a:effectRef idx="1">
+            <a:schemeClr val="accent2"/>
+          </a:effectRef>
+          <a:fontRef idx="minor">
+            <a:schemeClr val="dk1"/>
+          </a:fontRef>
+        </p:style>
+        <p:txBody>
+          <a:bodyPr rtlCol="0" anchor="ctr"/>
+          <a:lstStyle/>
+          <a:p>
+            <a:pPr algn="ctr"/>
+            <a:r>
+              <a:rPr lang="en-US" smtClean="0"/>
+              <a:t>getBook</a:t>
             </a:r>
             <a:r>
               <a:rPr lang="en-US" smtClean="0"/>
               <a:t>()</a:t>
+            </a:r>
+            <a:endParaRPr lang="en-US"/>
+          </a:p>
+        </p:txBody>
+      </p:sp>
+      <p:sp>
+        <p:nvSpPr>
+          <p:cNvPr id="26" name="Rectangle 25"/>
+          <p:cNvSpPr/>
+          <p:nvPr/>
+        </p:nvSpPr>
+        <p:spPr>
+          <a:xfrm>
+            <a:off x="6992353" y="1745215"/>
+            <a:ext cx="1752600" cy="462306"/>
+          </a:xfrm>
+          <a:prstGeom prst="rect">
+            <a:avLst/>
+          </a:prstGeom>
+        </p:spPr>
+        <p:style>
+          <a:lnRef idx="1">
+            <a:schemeClr val="accent1"/>
+          </a:lnRef>
+          <a:fillRef idx="2">
+            <a:schemeClr val="accent1"/>
+          </a:fillRef>
+          <a:effectRef idx="1">
+            <a:schemeClr val="accent1"/>
+          </a:effectRef>
+          <a:fontRef idx="minor">
+            <a:schemeClr val="dk1"/>
+          </a:fontRef>
+        </p:style>
+        <p:txBody>
+          <a:bodyPr rtlCol="0" anchor="ctr"/>
+          <a:lstStyle/>
+          <a:p>
+            <a:pPr algn="ctr"/>
+            <a:r>
+              <a:rPr lang="en-US" smtClean="0"/>
+              <a:t>#getBook</a:t>
             </a:r>
             <a:endParaRPr lang="en-US"/>
           </a:p>
@@ -11647,6 +11731,48 @@
           </a:fontRef>
         </p:style>
       </p:cxnSp>
+      <p:sp>
+        <p:nvSpPr>
+          <p:cNvPr id="12" name="Rectangle 11"/>
+          <p:cNvSpPr/>
+          <p:nvPr/>
+        </p:nvSpPr>
+        <p:spPr>
+          <a:xfrm>
+            <a:off x="1570121" y="4114800"/>
+            <a:ext cx="1752600" cy="462306"/>
+          </a:xfrm>
+          <a:prstGeom prst="rect">
+            <a:avLst/>
+          </a:prstGeom>
+        </p:spPr>
+        <p:style>
+          <a:lnRef idx="1">
+            <a:schemeClr val="accent2"/>
+          </a:lnRef>
+          <a:fillRef idx="2">
+            <a:schemeClr val="accent2"/>
+          </a:fillRef>
+          <a:effectRef idx="1">
+            <a:schemeClr val="accent2"/>
+          </a:effectRef>
+          <a:fontRef idx="minor">
+            <a:schemeClr val="dk1"/>
+          </a:fontRef>
+        </p:style>
+        <p:txBody>
+          <a:bodyPr rtlCol="0" anchor="ctr"/>
+          <a:lstStyle/>
+          <a:p>
+            <a:pPr algn="ctr"/>
+            <a:r>
+              <a:rPr lang="en-US" smtClean="0"/>
+              <a:t>book</a:t>
+            </a:r>
+            <a:endParaRPr lang="en-US"/>
+          </a:p>
+        </p:txBody>
+      </p:sp>
     </p:spTree>
     <p:extLst>
       <p:ext uri="{BB962C8B-B14F-4D97-AF65-F5344CB8AC3E}">
